--- a/CodeReviewTool/doc/CodeReview_점검_Tool_매뉴얼.pptx
+++ b/CodeReviewTool/doc/CodeReview_점검_Tool_매뉴얼.pptx
@@ -32,28 +32,28 @@
   <p:notesSz cx="6858000" cy="9144000"/>
   <p:embeddedFontLst>
     <p:embeddedFont>
-      <p:font typeface="Calibri Light" panose="020F0302020204030204" pitchFamily="34" charset="0"/>
+      <p:font typeface="Calibri" panose="020F0502020204030204" pitchFamily="34" charset="0"/>
       <p:regular r:id="rId20"/>
-      <p:italic r:id="rId21"/>
-    </p:embeddedFont>
-    <p:embeddedFont>
-      <p:font typeface="Calibri" panose="020F0502020204030204" pitchFamily="34" charset="0"/>
-      <p:regular r:id="rId22"/>
-      <p:bold r:id="rId23"/>
-      <p:italic r:id="rId24"/>
-      <p:boldItalic r:id="rId25"/>
+      <p:bold r:id="rId21"/>
+      <p:italic r:id="rId22"/>
+      <p:boldItalic r:id="rId23"/>
     </p:embeddedFont>
     <p:embeddedFont>
       <p:font typeface="Consolas" panose="020B0609020204030204" pitchFamily="49" charset="0"/>
-      <p:regular r:id="rId26"/>
-      <p:bold r:id="rId27"/>
-      <p:italic r:id="rId28"/>
-      <p:boldItalic r:id="rId29"/>
+      <p:regular r:id="rId24"/>
+      <p:bold r:id="rId25"/>
+      <p:italic r:id="rId26"/>
+      <p:boldItalic r:id="rId27"/>
     </p:embeddedFont>
     <p:embeddedFont>
       <p:font typeface="맑은 고딕" panose="020B0503020000020004" pitchFamily="50" charset="-127"/>
+      <p:regular r:id="rId28"/>
+      <p:bold r:id="rId29"/>
+    </p:embeddedFont>
+    <p:embeddedFont>
+      <p:font typeface="Calibri Light" panose="020F0302020204030204" pitchFamily="34" charset="0"/>
       <p:regular r:id="rId30"/>
-      <p:bold r:id="rId31"/>
+      <p:italic r:id="rId31"/>
     </p:embeddedFont>
   </p:embeddedFontLst>
   <p:defaultTextStyle>
@@ -283,7 +283,7 @@
           <a:p>
             <a:fld id="{036B6B10-1B09-480E-9EAC-7453F6B2BC47}" type="datetimeFigureOut">
               <a:rPr lang="ko-KR" altLang="en-US" smtClean="0"/>
-              <a:t>2024-10-07</a:t>
+              <a:t>2024-10-10</a:t>
             </a:fld>
             <a:endParaRPr lang="ko-KR" altLang="en-US"/>
           </a:p>
@@ -448,7 +448,7 @@
           <a:p>
             <a:fld id="{FE749B7C-4794-4872-A925-753F194DD9F3}" type="datetimeFigureOut">
               <a:rPr lang="ko-KR" altLang="en-US" smtClean="0"/>
-              <a:t>2024-10-07</a:t>
+              <a:t>2024-10-10</a:t>
             </a:fld>
             <a:endParaRPr lang="ko-KR" altLang="en-US"/>
           </a:p>
@@ -1848,7 +1848,7 @@
           <a:p>
             <a:fld id="{805658A3-C337-411C-A39B-D6A40476A7DB}" type="datetimeFigureOut">
               <a:rPr lang="ko-KR" altLang="en-US" smtClean="0"/>
-              <a:t>2024-10-07</a:t>
+              <a:t>2024-10-10</a:t>
             </a:fld>
             <a:endParaRPr lang="ko-KR" altLang="en-US"/>
           </a:p>
@@ -3551,11 +3551,7 @@
             </a:r>
             <a:r>
               <a:rPr lang="ko-KR" altLang="en-US" sz="1100" b="1" dirty="0" smtClean="0"/>
-              <a:t>일괄 처리 </a:t>
-            </a:r>
-            <a:r>
-              <a:rPr lang="ko-KR" altLang="en-US" sz="1100" b="1" dirty="0" smtClean="0"/>
-              <a:t>수정</a:t>
+              <a:t>일괄 처리 수정</a:t>
             </a:r>
             <a:endParaRPr lang="en-US" altLang="ko-KR" sz="1100" b="1" dirty="0"/>
           </a:p>
@@ -4661,14 +4657,6 @@
                         </a:rPr>
                         <a:t>문제점</a:t>
                       </a:r>
-                      <a:endParaRPr lang="ko-KR" altLang="en-US" sz="1100" b="1" i="0" u="none" strike="noStrike" dirty="0" smtClean="0">
-                        <a:solidFill>
-                          <a:schemeClr val="tx1"/>
-                        </a:solidFill>
-                        <a:effectLst/>
-                        <a:latin typeface="맑은 고딕" panose="020B0503020000020004" pitchFamily="50" charset="-127"/>
-                        <a:ea typeface="+mn-ea"/>
-                      </a:endParaRPr>
                     </a:p>
                   </a:txBody>
                   <a:tcPr marL="9525" marR="9525" marT="9525" marB="0" anchor="ctr"/>
@@ -7952,14 +7940,6 @@
                         </a:rPr>
                         <a:t>문제점</a:t>
                       </a:r>
-                      <a:endParaRPr lang="ko-KR" altLang="en-US" sz="1100" b="1" i="0" u="none" strike="noStrike" dirty="0" smtClean="0">
-                        <a:solidFill>
-                          <a:schemeClr val="tx1"/>
-                        </a:solidFill>
-                        <a:effectLst/>
-                        <a:latin typeface="맑은 고딕" panose="020B0503020000020004" pitchFamily="50" charset="-127"/>
-                        <a:ea typeface="+mn-ea"/>
-                      </a:endParaRPr>
                     </a:p>
                   </a:txBody>
                   <a:tcPr marL="9525" marR="9525" marT="9525" marB="0" anchor="ctr"/>
@@ -9889,11 +9869,7 @@
             </a:r>
             <a:r>
               <a:rPr lang="en-US" altLang="ko-KR" sz="1100" b="1" dirty="0" smtClean="0"/>
-              <a:t>] </a:t>
-            </a:r>
-            <a:r>
-              <a:rPr lang="en-US" altLang="ko-KR" sz="1100" b="1" dirty="0" smtClean="0"/>
-              <a:t>DP </a:t>
+              <a:t>] DP </a:t>
             </a:r>
             <a:r>
               <a:rPr lang="ko-KR" altLang="en-US" sz="1100" b="1" dirty="0" smtClean="0"/>
@@ -10714,14 +10690,6 @@
                         </a:rPr>
                         <a:t>문제점</a:t>
                       </a:r>
-                      <a:endParaRPr lang="ko-KR" altLang="en-US" sz="1100" b="1" i="0" u="none" strike="noStrike" dirty="0" smtClean="0">
-                        <a:solidFill>
-                          <a:schemeClr val="tx1"/>
-                        </a:solidFill>
-                        <a:effectLst/>
-                        <a:latin typeface="맑은 고딕" panose="020B0503020000020004" pitchFamily="50" charset="-127"/>
-                        <a:ea typeface="+mn-ea"/>
-                      </a:endParaRPr>
                     </a:p>
                   </a:txBody>
                   <a:tcPr marL="9525" marR="9525" marT="9525" marB="0" anchor="ctr"/>
@@ -12749,14 +12717,6 @@
                         </a:rPr>
                         <a:t>문제점</a:t>
                       </a:r>
-                      <a:endParaRPr lang="ko-KR" altLang="en-US" sz="1100" b="1" i="0" u="none" strike="noStrike" dirty="0" smtClean="0">
-                        <a:solidFill>
-                          <a:schemeClr val="tx1"/>
-                        </a:solidFill>
-                        <a:effectLst/>
-                        <a:latin typeface="맑은 고딕" panose="020B0503020000020004" pitchFamily="50" charset="-127"/>
-                        <a:ea typeface="+mn-ea"/>
-                      </a:endParaRPr>
                     </a:p>
                   </a:txBody>
                   <a:tcPr marL="9525" marR="9525" marT="9525" marB="0" anchor="ctr"/>
@@ -13538,7 +13498,7 @@
                 <a:effectLst/>
                 <a:latin typeface="Consolas" panose="020B0609020204030204" pitchFamily="49" charset="0"/>
               </a:rPr>
-              <a:t>"2024.07.01</a:t>
+              <a:t>"2024.07.01"</a:t>
             </a:r>
             <a:r>
               <a:rPr kumimoji="0" lang="ko-KR" altLang="ko-KR" sz="800" b="0" i="0" u="none" strike="noStrike" cap="none" normalizeH="0" baseline="0" dirty="0" smtClean="0">
@@ -13546,19 +13506,6 @@
                   <a:noFill/>
                 </a:ln>
                 <a:solidFill>
-                  <a:srgbClr val="63A35C"/>
-                </a:solidFill>
-                <a:effectLst/>
-                <a:latin typeface="Consolas" panose="020B0609020204030204" pitchFamily="49" charset="0"/>
-              </a:rPr>
-              <a:t>"</a:t>
-            </a:r>
-            <a:r>
-              <a:rPr kumimoji="0" lang="ko-KR" altLang="ko-KR" sz="800" b="0" i="0" u="none" strike="noStrike" cap="none" normalizeH="0" baseline="0" dirty="0" smtClean="0">
-                <a:ln>
-                  <a:noFill/>
-                </a:ln>
-                <a:solidFill>
                   <a:srgbClr val="010101"/>
                 </a:solidFill>
                 <a:effectLst/>
@@ -13566,16 +13513,6 @@
               </a:rPr>
               <a:t>;</a:t>
             </a:r>
-            <a:endParaRPr kumimoji="0" lang="ko-KR" altLang="ko-KR" sz="800" b="0" i="0" u="none" strike="noStrike" cap="none" normalizeH="0" baseline="0" dirty="0" smtClean="0">
-              <a:ln>
-                <a:noFill/>
-              </a:ln>
-              <a:solidFill>
-                <a:srgbClr val="010101"/>
-              </a:solidFill>
-              <a:effectLst/>
-              <a:latin typeface="Consolas" panose="020B0609020204030204" pitchFamily="49" charset="0"/>
-            </a:endParaRPr>
           </a:p>
         </p:txBody>
       </p:sp>
@@ -14793,14 +14730,6 @@
                         </a:rPr>
                         <a:t>문제점</a:t>
                       </a:r>
-                      <a:endParaRPr lang="ko-KR" altLang="en-US" sz="1100" b="1" i="0" u="none" strike="noStrike" dirty="0" smtClean="0">
-                        <a:solidFill>
-                          <a:schemeClr val="tx1"/>
-                        </a:solidFill>
-                        <a:effectLst/>
-                        <a:latin typeface="맑은 고딕" panose="020B0503020000020004" pitchFamily="50" charset="-127"/>
-                        <a:ea typeface="+mn-ea"/>
-                      </a:endParaRPr>
                     </a:p>
                   </a:txBody>
                   <a:tcPr marL="9525" marR="9525" marT="9525" marB="0" anchor="ctr"/>
@@ -17983,14 +17912,6 @@
                         </a:rPr>
                         <a:t>문제점</a:t>
                       </a:r>
-                      <a:endParaRPr lang="ko-KR" altLang="en-US" sz="1100" b="1" i="0" u="none" strike="noStrike" dirty="0" smtClean="0">
-                        <a:solidFill>
-                          <a:schemeClr val="tx1"/>
-                        </a:solidFill>
-                        <a:effectLst/>
-                        <a:latin typeface="맑은 고딕" panose="020B0503020000020004" pitchFamily="50" charset="-127"/>
-                        <a:ea typeface="+mn-ea"/>
-                      </a:endParaRPr>
                     </a:p>
                   </a:txBody>
                   <a:tcPr marL="9525" marR="9525" marT="9525" marB="0" anchor="ctr"/>
@@ -21452,7 +21373,7 @@
         </p:nvSpPr>
         <p:spPr>
           <a:xfrm>
-            <a:off x="1172580" y="5510094"/>
+            <a:off x="1090815" y="5510094"/>
             <a:ext cx="3152518" cy="288032"/>
           </a:xfrm>
           <a:prstGeom prst="flowChartProcess">
@@ -21944,14 +21865,6 @@
                         </a:rPr>
                         <a:t>문제점</a:t>
                       </a:r>
-                      <a:endParaRPr lang="ko-KR" altLang="en-US" sz="1100" b="1" i="0" u="none" strike="noStrike" dirty="0" smtClean="0">
-                        <a:solidFill>
-                          <a:schemeClr val="tx1"/>
-                        </a:solidFill>
-                        <a:effectLst/>
-                        <a:latin typeface="맑은 고딕" panose="020B0503020000020004" pitchFamily="50" charset="-127"/>
-                        <a:ea typeface="+mn-ea"/>
-                      </a:endParaRPr>
                     </a:p>
                   </a:txBody>
                   <a:tcPr marL="9525" marR="9525" marT="9525" marB="0" anchor="ctr"/>
@@ -24280,11 +24193,7 @@
               </a:br>
               <a:r>
                 <a:rPr lang="ko-KR" altLang="en-US" sz="1100" b="1" dirty="0" smtClean="0"/>
-                <a:t>코드 </a:t>
-              </a:r>
-              <a:r>
-                <a:rPr lang="ko-KR" altLang="en-US" sz="1100" b="1" dirty="0" smtClean="0"/>
-                <a:t>리뷰 요청</a:t>
+                <a:t>코드 리뷰 요청</a:t>
               </a:r>
               <a:endParaRPr lang="ko-KR" altLang="en-US" sz="1100" b="1" dirty="0"/>
             </a:p>
@@ -24719,7 +24628,7 @@
               <a:t> (</a:t>
             </a:r>
             <a:r>
-              <a:rPr lang="ko-KR" altLang="en-US" sz="900" dirty="0" smtClean="0">
+              <a:rPr lang="ko-KR" altLang="en-US" sz="1050" dirty="0" smtClean="0">
                 <a:ln>
                   <a:solidFill>
                     <a:schemeClr val="tx1">
@@ -24731,22 +24640,7 @@
                 </a:ln>
                 <a:sym typeface="Wingdings" panose="05000000000000000000" pitchFamily="2" charset="2"/>
               </a:rPr>
-              <a:t>프로그램 설정 </a:t>
-            </a:r>
-            <a:r>
-              <a:rPr lang="ko-KR" altLang="en-US" sz="900" dirty="0" smtClean="0">
-                <a:ln>
-                  <a:solidFill>
-                    <a:schemeClr val="tx1">
-                      <a:lumMod val="50000"/>
-                      <a:lumOff val="50000"/>
-                      <a:alpha val="0"/>
-                    </a:schemeClr>
-                  </a:solidFill>
-                </a:ln>
-                <a:sym typeface="Wingdings" panose="05000000000000000000" pitchFamily="2" charset="2"/>
-              </a:rPr>
-              <a:t>값</a:t>
+              <a:t>프로그램 설정 값</a:t>
             </a:r>
             <a:r>
               <a:rPr lang="en-US" altLang="ko-KR" sz="1400" dirty="0" smtClean="0">
@@ -26905,24 +26799,7 @@
                   <a:srgbClr val="E9520B"/>
                 </a:solidFill>
               </a:rPr>
-              <a:t> </a:t>
-            </a:r>
-            <a:r>
-              <a:rPr lang="ko-KR" altLang="en-US" b="1" dirty="0" smtClean="0">
-                <a:ln>
-                  <a:solidFill>
-                    <a:schemeClr val="tx1">
-                      <a:lumMod val="50000"/>
-                      <a:lumOff val="50000"/>
-                      <a:alpha val="0"/>
-                    </a:schemeClr>
-                  </a:solidFill>
-                </a:ln>
-                <a:solidFill>
-                  <a:srgbClr val="E9520B"/>
-                </a:solidFill>
-              </a:rPr>
-              <a:t>항목</a:t>
+              <a:t> 항목</a:t>
             </a:r>
             <a:endParaRPr lang="en-US" altLang="ko-KR" b="1" dirty="0" smtClean="0">
               <a:ln>
@@ -30569,14 +30446,6 @@
                         </a:rPr>
                         <a:t>문제점</a:t>
                       </a:r>
-                      <a:endParaRPr lang="ko-KR" altLang="en-US" sz="1100" b="1" i="0" u="none" strike="noStrike" dirty="0" smtClean="0">
-                        <a:solidFill>
-                          <a:schemeClr val="tx1"/>
-                        </a:solidFill>
-                        <a:effectLst/>
-                        <a:latin typeface="맑은 고딕" panose="020B0503020000020004" pitchFamily="50" charset="-127"/>
-                        <a:ea typeface="+mn-ea"/>
-                      </a:endParaRPr>
                     </a:p>
                   </a:txBody>
                   <a:tcPr marL="9525" marR="9525" marT="9525" marB="0" anchor="ctr"/>
@@ -33405,14 +33274,6 @@
                         </a:rPr>
                         <a:t>문제점</a:t>
                       </a:r>
-                      <a:endParaRPr lang="ko-KR" altLang="en-US" sz="1100" b="1" i="0" u="none" strike="noStrike" dirty="0" smtClean="0">
-                        <a:solidFill>
-                          <a:schemeClr val="tx1"/>
-                        </a:solidFill>
-                        <a:effectLst/>
-                        <a:latin typeface="맑은 고딕" panose="020B0503020000020004" pitchFamily="50" charset="-127"/>
-                        <a:ea typeface="+mn-ea"/>
-                      </a:endParaRPr>
                     </a:p>
                   </a:txBody>
                   <a:tcPr marL="9525" marR="9525" marT="9525" marB="0" anchor="ctr"/>

--- a/CodeReviewTool/doc/CodeReview_점검_Tool_매뉴얼.pptx
+++ b/CodeReviewTool/doc/CodeReview_점검_Tool_매뉴얼.pptx
@@ -5,10 +5,10 @@
     <p:sldMasterId id="2147483660" r:id="rId1"/>
   </p:sldMasterIdLst>
   <p:notesMasterIdLst>
-    <p:notesMasterId r:id="rId18"/>
+    <p:notesMasterId r:id="rId19"/>
   </p:notesMasterIdLst>
   <p:handoutMasterIdLst>
-    <p:handoutMasterId r:id="rId19"/>
+    <p:handoutMasterId r:id="rId20"/>
   </p:handoutMasterIdLst>
   <p:sldIdLst>
     <p:sldId id="257" r:id="rId2"/>
@@ -27,33 +27,34 @@
     <p:sldId id="379" r:id="rId15"/>
     <p:sldId id="380" r:id="rId16"/>
     <p:sldId id="381" r:id="rId17"/>
+    <p:sldId id="385" r:id="rId18"/>
   </p:sldIdLst>
   <p:sldSz cx="9906000" cy="6858000" type="A4"/>
   <p:notesSz cx="6858000" cy="9144000"/>
   <p:embeddedFontLst>
     <p:embeddedFont>
       <p:font typeface="Calibri" panose="020F0502020204030204" pitchFamily="34" charset="0"/>
-      <p:regular r:id="rId20"/>
-      <p:bold r:id="rId21"/>
-      <p:italic r:id="rId22"/>
-      <p:boldItalic r:id="rId23"/>
+      <p:regular r:id="rId21"/>
+      <p:bold r:id="rId22"/>
+      <p:italic r:id="rId23"/>
+      <p:boldItalic r:id="rId24"/>
     </p:embeddedFont>
     <p:embeddedFont>
       <p:font typeface="Consolas" panose="020B0609020204030204" pitchFamily="49" charset="0"/>
-      <p:regular r:id="rId24"/>
-      <p:bold r:id="rId25"/>
-      <p:italic r:id="rId26"/>
-      <p:boldItalic r:id="rId27"/>
+      <p:regular r:id="rId25"/>
+      <p:bold r:id="rId26"/>
+      <p:italic r:id="rId27"/>
+      <p:boldItalic r:id="rId28"/>
     </p:embeddedFont>
     <p:embeddedFont>
       <p:font typeface="맑은 고딕" panose="020B0503020000020004" pitchFamily="50" charset="-127"/>
-      <p:regular r:id="rId28"/>
-      <p:bold r:id="rId29"/>
+      <p:regular r:id="rId29"/>
+      <p:bold r:id="rId30"/>
     </p:embeddedFont>
     <p:embeddedFont>
       <p:font typeface="Calibri Light" panose="020F0302020204030204" pitchFamily="34" charset="0"/>
-      <p:regular r:id="rId30"/>
-      <p:italic r:id="rId31"/>
+      <p:regular r:id="rId31"/>
+      <p:italic r:id="rId32"/>
     </p:embeddedFont>
   </p:embeddedFontLst>
   <p:defaultTextStyle>
@@ -176,6 +177,7 @@
             <p14:sldId id="379"/>
             <p14:sldId id="380"/>
             <p14:sldId id="381"/>
+            <p14:sldId id="385"/>
           </p14:sldIdLst>
         </p14:section>
       </p14:sectionLst>
@@ -283,7 +285,7 @@
           <a:p>
             <a:fld id="{036B6B10-1B09-480E-9EAC-7453F6B2BC47}" type="datetimeFigureOut">
               <a:rPr lang="ko-KR" altLang="en-US" smtClean="0"/>
-              <a:t>2024-10-10</a:t>
+              <a:t>2024-10-18</a:t>
             </a:fld>
             <a:endParaRPr lang="ko-KR" altLang="en-US"/>
           </a:p>
@@ -448,7 +450,7 @@
           <a:p>
             <a:fld id="{FE749B7C-4794-4872-A925-753F194DD9F3}" type="datetimeFigureOut">
               <a:rPr lang="ko-KR" altLang="en-US" smtClean="0"/>
-              <a:t>2024-10-10</a:t>
+              <a:t>2024-10-18</a:t>
             </a:fld>
             <a:endParaRPr lang="ko-KR" altLang="en-US"/>
           </a:p>
@@ -1848,7 +1850,7 @@
           <a:p>
             <a:fld id="{805658A3-C337-411C-A39B-D6A40476A7DB}" type="datetimeFigureOut">
               <a:rPr lang="ko-KR" altLang="en-US" smtClean="0"/>
-              <a:t>2024-10-10</a:t>
+              <a:t>2024-10-18</a:t>
             </a:fld>
             <a:endParaRPr lang="ko-KR" altLang="en-US"/>
           </a:p>
@@ -3461,23 +3463,23 @@
           <a:p>
             <a:pPr algn="ctr"/>
             <a:r>
-              <a:rPr lang="en-US" altLang="ko-KR" sz="1100" b="1" dirty="0"/>
-              <a:t>[</a:t>
-            </a:r>
-            <a:r>
-              <a:rPr lang="ko-KR" altLang="en-US" sz="1100" b="1" dirty="0"/>
-              <a:t>점검 방법</a:t>
-            </a:r>
-            <a:r>
-              <a:rPr lang="en-US" altLang="ko-KR" sz="1100" b="1" dirty="0"/>
+              <a:rPr lang="en-US" altLang="ko-KR" sz="1100" b="1" dirty="0" smtClean="0"/>
+              <a:t>[NG </a:t>
+            </a:r>
+            <a:r>
+              <a:rPr lang="ko-KR" altLang="en-US" sz="1100" b="1" dirty="0" smtClean="0"/>
+              <a:t>사항</a:t>
+            </a:r>
+            <a:r>
+              <a:rPr lang="en-US" altLang="ko-KR" sz="1100" b="1" dirty="0" smtClean="0"/>
               <a:t>]</a:t>
             </a:r>
             <a:r>
-              <a:rPr lang="ko-KR" altLang="en-US" sz="1100" b="1" dirty="0"/>
+              <a:rPr lang="ko-KR" altLang="en-US" sz="1100" b="1" dirty="0" smtClean="0"/>
               <a:t> </a:t>
             </a:r>
             <a:r>
-              <a:rPr lang="en-US" altLang="ko-KR" sz="1100" b="1" dirty="0"/>
+              <a:rPr lang="en-US" altLang="ko-KR" sz="1100" b="1" dirty="0" smtClean="0"/>
               <a:t> </a:t>
             </a:r>
             <a:r>
@@ -4319,7 +4321,7 @@
           <p:nvPr>
             <p:extLst>
               <p:ext uri="{D42A27DB-BD31-4B8C-83A1-F6EECF244321}">
-                <p14:modId xmlns:p14="http://schemas.microsoft.com/office/powerpoint/2010/main" val="3543317510"/>
+                <p14:modId xmlns:p14="http://schemas.microsoft.com/office/powerpoint/2010/main" val="4055194029"/>
               </p:ext>
             </p:extLst>
           </p:nvPr>
@@ -4358,7 +4360,7 @@
                     <a:p>
                       <a:pPr algn="ctr" fontAlgn="ctr"/>
                       <a:r>
-                        <a:rPr lang="ko-KR" altLang="en-US" sz="1100" u="none" strike="noStrike" dirty="0" smtClean="0">
+                        <a:rPr lang="ko-KR" altLang="en-US" sz="1100" b="1" u="none" strike="noStrike" dirty="0" smtClean="0">
                           <a:solidFill>
                             <a:schemeClr val="tx1"/>
                           </a:solidFill>
@@ -4385,7 +4387,7 @@
                     <a:p>
                       <a:pPr algn="ctr" fontAlgn="ctr"/>
                       <a:r>
-                        <a:rPr lang="ko-KR" altLang="en-US" sz="1100" u="none" strike="noStrike" dirty="0" smtClean="0">
+                        <a:rPr lang="ko-KR" altLang="en-US" sz="1100" b="1" u="none" strike="noStrike" dirty="0" smtClean="0">
                           <a:solidFill>
                             <a:schemeClr val="tx1"/>
                           </a:solidFill>
@@ -4435,7 +4437,7 @@
                         <a:defRPr/>
                       </a:pPr>
                       <a:r>
-                        <a:rPr lang="ko-KR" altLang="en-US" sz="1100" u="none" strike="noStrike" dirty="0" smtClean="0">
+                        <a:rPr lang="ko-KR" altLang="en-US" sz="1100" b="1" u="none" strike="noStrike" dirty="0" smtClean="0">
                           <a:solidFill>
                             <a:schemeClr val="tx1"/>
                           </a:solidFill>
@@ -4462,7 +4464,7 @@
                     <a:p>
                       <a:pPr lvl="1" algn="l" fontAlgn="ctr"/>
                       <a:r>
-                        <a:rPr lang="en-US" altLang="ko-KR" sz="1050" b="0" i="0" u="none" strike="noStrike" dirty="0" smtClean="0">
+                        <a:rPr lang="en-US" altLang="ko-KR" sz="1050" b="1" i="0" u="none" strike="noStrike" dirty="0" smtClean="0">
                           <a:solidFill>
                             <a:schemeClr val="tx1"/>
                           </a:solidFill>
@@ -4473,7 +4475,7 @@
                         <a:t>DP</a:t>
                       </a:r>
                       <a:r>
-                        <a:rPr lang="en-US" altLang="ko-KR" sz="1050" b="0" i="0" u="none" strike="noStrike" baseline="0" dirty="0" smtClean="0">
+                        <a:rPr lang="en-US" altLang="ko-KR" sz="1050" b="1" i="0" u="none" strike="noStrike" baseline="0" dirty="0" smtClean="0">
                           <a:solidFill>
                             <a:schemeClr val="tx1"/>
                           </a:solidFill>
@@ -4484,7 +4486,7 @@
                         <a:t> </a:t>
                       </a:r>
                       <a:r>
-                        <a:rPr lang="ko-KR" altLang="en-US" sz="1050" b="0" i="0" u="none" strike="noStrike" baseline="0" dirty="0" smtClean="0">
+                        <a:rPr lang="ko-KR" altLang="en-US" sz="1050" b="1" i="0" u="none" strike="noStrike" baseline="0" dirty="0" smtClean="0">
                           <a:solidFill>
                             <a:schemeClr val="tx1"/>
                           </a:solidFill>
@@ -4495,7 +4497,7 @@
                         <a:t>함수</a:t>
                       </a:r>
                       <a:r>
-                        <a:rPr lang="en-US" altLang="ko-KR" sz="1050" b="0" i="0" u="none" strike="noStrike" baseline="0" dirty="0" smtClean="0">
+                        <a:rPr lang="en-US" altLang="ko-KR" sz="1050" b="1" i="0" u="none" strike="noStrike" baseline="0" dirty="0" smtClean="0">
                           <a:solidFill>
                             <a:schemeClr val="tx1"/>
                           </a:solidFill>
@@ -4506,7 +4508,7 @@
                         <a:t>(</a:t>
                       </a:r>
                       <a:r>
-                        <a:rPr lang="en-US" altLang="ko-KR" sz="1050" b="0" i="0" u="none" strike="noStrike" baseline="0" dirty="0" err="1" smtClean="0">
+                        <a:rPr lang="en-US" altLang="ko-KR" sz="1050" b="1" i="0" u="none" strike="noStrike" baseline="0" dirty="0" err="1" smtClean="0">
                           <a:solidFill>
                             <a:schemeClr val="tx1"/>
                           </a:solidFill>
@@ -4517,7 +4519,7 @@
                         <a:t>dpGet</a:t>
                       </a:r>
                       <a:r>
-                        <a:rPr lang="en-US" altLang="ko-KR" sz="1050" b="0" i="0" u="none" strike="noStrike" baseline="0" dirty="0" smtClean="0">
+                        <a:rPr lang="en-US" altLang="ko-KR" sz="1050" b="1" i="0" u="none" strike="noStrike" baseline="0" dirty="0" smtClean="0">
                           <a:solidFill>
                             <a:schemeClr val="tx1"/>
                           </a:solidFill>
@@ -4528,7 +4530,7 @@
                         <a:t>, </a:t>
                       </a:r>
                       <a:r>
-                        <a:rPr lang="en-US" altLang="ko-KR" sz="1050" b="0" i="0" u="none" strike="noStrike" baseline="0" dirty="0" err="1" smtClean="0">
+                        <a:rPr lang="en-US" altLang="ko-KR" sz="1050" b="1" i="0" u="none" strike="noStrike" baseline="0" dirty="0" err="1" smtClean="0">
                           <a:solidFill>
                             <a:schemeClr val="tx1"/>
                           </a:solidFill>
@@ -4539,7 +4541,7 @@
                         <a:t>dpSet</a:t>
                       </a:r>
                       <a:r>
-                        <a:rPr lang="en-US" altLang="ko-KR" sz="1050" b="0" i="0" u="none" strike="noStrike" baseline="0" dirty="0" smtClean="0">
+                        <a:rPr lang="en-US" altLang="ko-KR" sz="1050" b="1" i="0" u="none" strike="noStrike" baseline="0" dirty="0" smtClean="0">
                           <a:solidFill>
                             <a:schemeClr val="tx1"/>
                           </a:solidFill>
@@ -4550,7 +4552,7 @@
                         <a:t>)</a:t>
                       </a:r>
                       <a:r>
-                        <a:rPr lang="ko-KR" altLang="en-US" sz="1050" b="0" i="0" u="none" strike="noStrike" baseline="0" dirty="0" smtClean="0">
+                        <a:rPr lang="ko-KR" altLang="en-US" sz="1050" b="1" i="0" u="none" strike="noStrike" baseline="0" dirty="0" smtClean="0">
                           <a:solidFill>
                             <a:schemeClr val="tx1"/>
                           </a:solidFill>
@@ -4561,7 +4563,7 @@
                         <a:t>를 개별 </a:t>
                       </a:r>
                       <a:r>
-                        <a:rPr lang="en-US" altLang="ko-KR" sz="1050" b="0" i="0" u="none" strike="noStrike" baseline="0" dirty="0" smtClean="0">
+                        <a:rPr lang="en-US" altLang="ko-KR" sz="1050" b="1" i="0" u="none" strike="noStrike" baseline="0" dirty="0" smtClean="0">
                           <a:solidFill>
                             <a:schemeClr val="tx1"/>
                           </a:solidFill>
@@ -4573,7 +4575,7 @@
                         <a:t> </a:t>
                       </a:r>
                       <a:r>
-                        <a:rPr lang="ko-KR" altLang="en-US" sz="1050" b="0" i="0" u="none" strike="noStrike" baseline="0" dirty="0" smtClean="0">
+                        <a:rPr lang="ko-KR" altLang="en-US" sz="1050" b="1" i="0" u="none" strike="noStrike" baseline="0" dirty="0" smtClean="0">
                           <a:solidFill>
                             <a:schemeClr val="tx1"/>
                           </a:solidFill>
@@ -4584,7 +4586,7 @@
                         <a:t>일괄 처리하여 </a:t>
                       </a:r>
                       <a:r>
-                        <a:rPr lang="en-US" altLang="ko-KR" sz="1050" b="0" i="0" u="none" strike="noStrike" baseline="0" dirty="0" smtClean="0">
+                        <a:rPr lang="en-US" altLang="ko-KR" sz="1050" b="1" i="0" u="none" strike="noStrike" baseline="0" dirty="0" smtClean="0">
                           <a:solidFill>
                             <a:schemeClr val="tx1"/>
                           </a:solidFill>
@@ -4595,7 +4597,7 @@
                         <a:t>Event Manager </a:t>
                       </a:r>
                       <a:r>
-                        <a:rPr lang="ko-KR" altLang="en-US" sz="1050" b="0" i="0" u="none" strike="noStrike" baseline="0" dirty="0" smtClean="0">
+                        <a:rPr lang="ko-KR" altLang="en-US" sz="1050" b="1" i="0" u="none" strike="noStrike" baseline="0" dirty="0" smtClean="0">
                           <a:solidFill>
                             <a:schemeClr val="tx1"/>
                           </a:solidFill>
@@ -4605,7 +4607,7 @@
                         </a:rPr>
                         <a:t>부하를 개선</a:t>
                       </a:r>
-                      <a:endParaRPr lang="ko-KR" altLang="en-US" sz="1050" b="0" i="0" u="none" strike="noStrike" dirty="0">
+                      <a:endParaRPr lang="ko-KR" altLang="en-US" sz="1050" b="1" i="0" u="none" strike="noStrike" dirty="0">
                         <a:solidFill>
                           <a:schemeClr val="tx1"/>
                         </a:solidFill>
@@ -4668,7 +4670,7 @@
                     <a:p>
                       <a:pPr lvl="1" algn="l" fontAlgn="ctr"/>
                       <a:r>
-                        <a:rPr lang="ko-KR" altLang="en-US" sz="1050" b="0" i="0" u="none" strike="noStrike" dirty="0" smtClean="0">
+                        <a:rPr lang="ko-KR" altLang="en-US" sz="1050" b="1" i="0" u="none" strike="noStrike" dirty="0" smtClean="0">
                           <a:solidFill>
                             <a:schemeClr val="tx1"/>
                           </a:solidFill>
@@ -4679,7 +4681,7 @@
                         <a:t>동일한 </a:t>
                       </a:r>
                       <a:r>
-                        <a:rPr lang="en-US" altLang="ko-KR" sz="1050" b="0" i="0" u="none" strike="noStrike" dirty="0" smtClean="0">
+                        <a:rPr lang="en-US" altLang="ko-KR" sz="1050" b="1" i="0" u="none" strike="noStrike" dirty="0" smtClean="0">
                           <a:solidFill>
                             <a:schemeClr val="tx1"/>
                           </a:solidFill>
@@ -4690,7 +4692,7 @@
                         <a:t>DP </a:t>
                       </a:r>
                       <a:r>
-                        <a:rPr lang="ko-KR" altLang="en-US" sz="1050" b="0" i="0" u="none" strike="noStrike" dirty="0" smtClean="0">
+                        <a:rPr lang="ko-KR" altLang="en-US" sz="1050" b="1" i="0" u="none" strike="noStrike" dirty="0" smtClean="0">
                           <a:solidFill>
                             <a:schemeClr val="tx1"/>
                           </a:solidFill>
@@ -4701,7 +4703,7 @@
                         <a:t>함수가 연속으로 처리된 경우 </a:t>
                       </a:r>
                       <a:r>
-                        <a:rPr lang="en-US" altLang="ko-KR" sz="1050" b="0" i="0" u="none" strike="noStrike" dirty="0" smtClean="0">
+                        <a:rPr lang="en-US" altLang="ko-KR" sz="1050" b="1" i="0" u="none" strike="noStrike" dirty="0" smtClean="0">
                           <a:solidFill>
                             <a:schemeClr val="tx1"/>
                           </a:solidFill>
@@ -4712,7 +4714,7 @@
                         <a:t>Event</a:t>
                       </a:r>
                       <a:r>
-                        <a:rPr lang="en-US" altLang="ko-KR" sz="1050" b="0" i="0" u="none" strike="noStrike" baseline="0" dirty="0" smtClean="0">
+                        <a:rPr lang="en-US" altLang="ko-KR" sz="1050" b="1" i="0" u="none" strike="noStrike" baseline="0" dirty="0" smtClean="0">
                           <a:solidFill>
                             <a:schemeClr val="tx1"/>
                           </a:solidFill>
@@ -4723,7 +4725,7 @@
                         <a:t> Manager </a:t>
                       </a:r>
                       <a:r>
-                        <a:rPr lang="ko-KR" altLang="en-US" sz="1050" b="0" i="0" u="none" strike="noStrike" baseline="0" dirty="0" smtClean="0">
+                        <a:rPr lang="ko-KR" altLang="en-US" sz="1050" b="1" i="0" u="none" strike="noStrike" baseline="0" dirty="0" smtClean="0">
                           <a:solidFill>
                             <a:schemeClr val="tx1"/>
                           </a:solidFill>
@@ -4733,7 +4735,7 @@
                         </a:rPr>
                         <a:t>부하 상승</a:t>
                       </a:r>
-                      <a:endParaRPr lang="ko-KR" altLang="en-US" sz="1050" b="0" i="0" u="none" strike="noStrike" dirty="0">
+                      <a:endParaRPr lang="ko-KR" altLang="en-US" sz="1050" b="1" i="0" u="none" strike="noStrike" dirty="0">
                         <a:solidFill>
                           <a:schemeClr val="tx1"/>
                         </a:solidFill>
@@ -4775,7 +4777,7 @@
                         <a:defRPr/>
                       </a:pPr>
                       <a:r>
-                        <a:rPr lang="ko-KR" altLang="en-US" sz="1100" u="none" strike="noStrike" dirty="0" smtClean="0">
+                        <a:rPr lang="ko-KR" altLang="en-US" sz="1100" b="1" u="none" strike="noStrike" dirty="0" smtClean="0">
                           <a:solidFill>
                             <a:schemeClr val="tx1"/>
                           </a:solidFill>
@@ -4802,7 +4804,7 @@
                     <a:p>
                       <a:pPr lvl="1" algn="l" fontAlgn="ctr"/>
                       <a:r>
-                        <a:rPr lang="en-US" altLang="ko-KR" sz="1050" b="0" i="0" u="none" strike="noStrike" dirty="0" smtClean="0">
+                        <a:rPr lang="en-US" altLang="ko-KR" sz="1050" b="1" i="0" u="none" strike="noStrike" dirty="0" smtClean="0">
                           <a:solidFill>
                             <a:schemeClr val="tx1"/>
                           </a:solidFill>
@@ -4813,7 +4815,7 @@
                         <a:t>DP </a:t>
                       </a:r>
                       <a:r>
-                        <a:rPr lang="ko-KR" altLang="en-US" sz="1050" b="0" i="0" u="none" strike="noStrike" dirty="0" smtClean="0">
+                        <a:rPr lang="ko-KR" altLang="en-US" sz="1050" b="1" i="0" u="none" strike="noStrike" dirty="0" smtClean="0">
                           <a:solidFill>
                             <a:schemeClr val="tx1"/>
                           </a:solidFill>
@@ -4824,7 +4826,7 @@
                         <a:t>함수</a:t>
                       </a:r>
                       <a:r>
-                        <a:rPr lang="en-US" altLang="ko-KR" sz="1050" b="0" i="0" u="none" strike="noStrike" dirty="0" smtClean="0">
+                        <a:rPr lang="en-US" altLang="ko-KR" sz="1050" b="1" i="0" u="none" strike="noStrike" dirty="0" smtClean="0">
                           <a:solidFill>
                             <a:schemeClr val="tx1"/>
                           </a:solidFill>
@@ -4835,7 +4837,7 @@
                         <a:t>(</a:t>
                       </a:r>
                       <a:r>
-                        <a:rPr lang="en-US" altLang="ko-KR" sz="1050" b="0" i="0" u="none" strike="noStrike" dirty="0" err="1" smtClean="0">
+                        <a:rPr lang="en-US" altLang="ko-KR" sz="1050" b="1" i="0" u="none" strike="noStrike" dirty="0" err="1" smtClean="0">
                           <a:solidFill>
                             <a:schemeClr val="tx1"/>
                           </a:solidFill>
@@ -4846,7 +4848,7 @@
                         <a:t>dpGet</a:t>
                       </a:r>
                       <a:r>
-                        <a:rPr lang="en-US" altLang="ko-KR" sz="1050" b="0" i="0" u="none" strike="noStrike" dirty="0" smtClean="0">
+                        <a:rPr lang="en-US" altLang="ko-KR" sz="1050" b="1" i="0" u="none" strike="noStrike" dirty="0" smtClean="0">
                           <a:solidFill>
                             <a:schemeClr val="tx1"/>
                           </a:solidFill>
@@ -4857,7 +4859,7 @@
                         <a:t>, </a:t>
                       </a:r>
                       <a:r>
-                        <a:rPr lang="en-US" altLang="ko-KR" sz="1050" b="0" i="0" u="none" strike="noStrike" dirty="0" err="1" smtClean="0">
+                        <a:rPr lang="en-US" altLang="ko-KR" sz="1050" b="1" i="0" u="none" strike="noStrike" dirty="0" err="1" smtClean="0">
                           <a:solidFill>
                             <a:schemeClr val="tx1"/>
                           </a:solidFill>
@@ -4868,7 +4870,7 @@
                         <a:t>dpSet</a:t>
                       </a:r>
                       <a:r>
-                        <a:rPr lang="en-US" altLang="ko-KR" sz="1050" b="0" i="0" u="none" strike="noStrike" dirty="0" smtClean="0">
+                        <a:rPr lang="en-US" altLang="ko-KR" sz="1050" b="1" i="0" u="none" strike="noStrike" dirty="0" smtClean="0">
                           <a:solidFill>
                             <a:schemeClr val="tx1"/>
                           </a:solidFill>
@@ -4879,7 +4881,7 @@
                         <a:t>)</a:t>
                       </a:r>
                       <a:r>
-                        <a:rPr lang="ko-KR" altLang="en-US" sz="1050" b="0" i="0" u="none" strike="noStrike" dirty="0" smtClean="0">
+                        <a:rPr lang="ko-KR" altLang="en-US" sz="1050" b="1" i="0" u="none" strike="noStrike" dirty="0" smtClean="0">
                           <a:solidFill>
                             <a:schemeClr val="tx1"/>
                           </a:solidFill>
@@ -4890,7 +4892,7 @@
                         <a:t>을 개별</a:t>
                       </a:r>
                       <a:r>
-                        <a:rPr lang="ko-KR" altLang="en-US" sz="1050" b="0" i="0" u="none" strike="noStrike" baseline="0" dirty="0" smtClean="0">
+                        <a:rPr lang="ko-KR" altLang="en-US" sz="1050" b="1" i="0" u="none" strike="noStrike" baseline="0" dirty="0" smtClean="0">
                           <a:solidFill>
                             <a:schemeClr val="tx1"/>
                           </a:solidFill>
@@ -4901,7 +4903,7 @@
                         <a:t> </a:t>
                       </a:r>
                       <a:r>
-                        <a:rPr lang="en-US" altLang="ko-KR" sz="1050" b="0" i="0" u="none" strike="noStrike" baseline="0" dirty="0" smtClean="0">
+                        <a:rPr lang="en-US" altLang="ko-KR" sz="1050" b="1" i="0" u="none" strike="noStrike" baseline="0" dirty="0" smtClean="0">
                           <a:solidFill>
                             <a:schemeClr val="tx1"/>
                           </a:solidFill>
@@ -4913,7 +4915,7 @@
                         <a:t> </a:t>
                       </a:r>
                       <a:r>
-                        <a:rPr lang="ko-KR" altLang="en-US" sz="1050" b="0" i="0" u="none" strike="noStrike" baseline="0" dirty="0" smtClean="0">
+                        <a:rPr lang="ko-KR" altLang="en-US" sz="1050" b="1" i="0" u="none" strike="noStrike" baseline="0" dirty="0" smtClean="0">
                           <a:solidFill>
                             <a:schemeClr val="tx1"/>
                           </a:solidFill>
@@ -4924,7 +4926,7 @@
                         </a:rPr>
                         <a:t>일괄 처리로 수정</a:t>
                       </a:r>
-                      <a:endParaRPr lang="ko-KR" altLang="en-US" sz="1050" b="0" i="0" u="none" strike="noStrike" dirty="0">
+                      <a:endParaRPr lang="ko-KR" altLang="en-US" sz="1050" b="1" i="0" u="none" strike="noStrike" dirty="0">
                         <a:solidFill>
                           <a:schemeClr val="tx1"/>
                         </a:solidFill>
@@ -4946,6 +4948,46 @@
           </a:graphicData>
         </a:graphic>
       </p:graphicFrame>
+      <p:sp>
+        <p:nvSpPr>
+          <p:cNvPr id="13" name="오른쪽 화살표 12"/>
+          <p:cNvSpPr/>
+          <p:nvPr/>
+        </p:nvSpPr>
+        <p:spPr>
+          <a:xfrm>
+            <a:off x="4819654" y="3784026"/>
+            <a:ext cx="501865" cy="367308"/>
+          </a:xfrm>
+          <a:prstGeom prst="rightArrow">
+            <a:avLst/>
+          </a:prstGeom>
+        </p:spPr>
+        <p:style>
+          <a:lnRef idx="2">
+            <a:schemeClr val="accent2">
+              <a:shade val="50000"/>
+            </a:schemeClr>
+          </a:lnRef>
+          <a:fillRef idx="1">
+            <a:schemeClr val="accent2"/>
+          </a:fillRef>
+          <a:effectRef idx="0">
+            <a:schemeClr val="accent2"/>
+          </a:effectRef>
+          <a:fontRef idx="minor">
+            <a:schemeClr val="lt1"/>
+          </a:fontRef>
+        </p:style>
+        <p:txBody>
+          <a:bodyPr rtlCol="0" anchor="ctr"/>
+          <a:lstStyle/>
+          <a:p>
+            <a:pPr algn="ctr"/>
+            <a:endParaRPr lang="ko-KR" altLang="en-US"/>
+          </a:p>
+        </p:txBody>
+      </p:sp>
     </p:spTree>
     <p:extLst>
       <p:ext uri="{BB962C8B-B14F-4D97-AF65-F5344CB8AC3E}">
@@ -5234,23 +5276,23 @@
           <a:p>
             <a:pPr algn="ctr"/>
             <a:r>
-              <a:rPr lang="en-US" altLang="ko-KR" sz="1100" b="1" dirty="0"/>
-              <a:t>[</a:t>
-            </a:r>
-            <a:r>
-              <a:rPr lang="ko-KR" altLang="en-US" sz="1100" b="1" dirty="0"/>
-              <a:t>점검 방법</a:t>
-            </a:r>
-            <a:r>
-              <a:rPr lang="en-US" altLang="ko-KR" sz="1100" b="1" dirty="0"/>
+              <a:rPr lang="en-US" altLang="ko-KR" sz="1100" b="1" dirty="0" smtClean="0"/>
+              <a:t>[NG </a:t>
+            </a:r>
+            <a:r>
+              <a:rPr lang="ko-KR" altLang="en-US" sz="1100" b="1" dirty="0" smtClean="0"/>
+              <a:t>사항</a:t>
+            </a:r>
+            <a:r>
+              <a:rPr lang="en-US" altLang="ko-KR" sz="1100" b="1" dirty="0" smtClean="0"/>
               <a:t>]</a:t>
             </a:r>
             <a:r>
-              <a:rPr lang="ko-KR" altLang="en-US" sz="1100" b="1" dirty="0"/>
+              <a:rPr lang="ko-KR" altLang="en-US" sz="1100" b="1" dirty="0" smtClean="0"/>
               <a:t> </a:t>
             </a:r>
             <a:r>
-              <a:rPr lang="en-US" altLang="ko-KR" sz="1100" b="1" dirty="0"/>
+              <a:rPr lang="en-US" altLang="ko-KR" sz="1100" b="1" dirty="0" smtClean="0"/>
               <a:t> </a:t>
             </a:r>
             <a:r>
@@ -7724,7 +7766,7 @@
           <p:nvPr>
             <p:extLst>
               <p:ext uri="{D42A27DB-BD31-4B8C-83A1-F6EECF244321}">
-                <p14:modId xmlns:p14="http://schemas.microsoft.com/office/powerpoint/2010/main" val="490035163"/>
+                <p14:modId xmlns:p14="http://schemas.microsoft.com/office/powerpoint/2010/main" val="3697394605"/>
               </p:ext>
             </p:extLst>
           </p:nvPr>
@@ -8148,7 +8190,29 @@
                           <a:latin typeface="맑은 고딕" panose="020B0503020000020004" pitchFamily="50" charset="-127"/>
                           <a:ea typeface="맑은 고딕" panose="020B0503020000020004" pitchFamily="50" charset="-127"/>
                         </a:rPr>
-                        <a:t>와 같은 작업의 경우 별도 </a:t>
+                        <a:t>와 같은 </a:t>
+                      </a:r>
+                      <a:r>
+                        <a:rPr lang="ko-KR" altLang="en-US" sz="1050" b="0" i="0" u="none" strike="noStrike" baseline="0" dirty="0" smtClean="0">
+                          <a:solidFill>
+                            <a:schemeClr val="tx1"/>
+                          </a:solidFill>
+                          <a:effectLst/>
+                          <a:latin typeface="맑은 고딕" panose="020B0503020000020004" pitchFamily="50" charset="-127"/>
+                          <a:ea typeface="맑은 고딕" panose="020B0503020000020004" pitchFamily="50" charset="-127"/>
+                        </a:rPr>
+                        <a:t>동작의 </a:t>
+                      </a:r>
+                      <a:r>
+                        <a:rPr lang="ko-KR" altLang="en-US" sz="1050" b="0" i="0" u="none" strike="noStrike" baseline="0" dirty="0" smtClean="0">
+                          <a:solidFill>
+                            <a:schemeClr val="tx1"/>
+                          </a:solidFill>
+                          <a:effectLst/>
+                          <a:latin typeface="맑은 고딕" panose="020B0503020000020004" pitchFamily="50" charset="-127"/>
+                          <a:ea typeface="맑은 고딕" panose="020B0503020000020004" pitchFamily="50" charset="-127"/>
+                        </a:rPr>
+                        <a:t>경우 별도 </a:t>
                       </a:r>
                       <a:r>
                         <a:rPr lang="en-US" altLang="ko-KR" sz="1050" b="0" i="0" u="none" strike="noStrike" baseline="0" dirty="0" smtClean="0">
@@ -8194,6 +8258,46 @@
           </a:graphicData>
         </a:graphic>
       </p:graphicFrame>
+      <p:sp>
+        <p:nvSpPr>
+          <p:cNvPr id="11" name="오른쪽 화살표 10"/>
+          <p:cNvSpPr/>
+          <p:nvPr/>
+        </p:nvSpPr>
+        <p:spPr>
+          <a:xfrm>
+            <a:off x="2610799" y="4310719"/>
+            <a:ext cx="3079194" cy="288712"/>
+          </a:xfrm>
+          <a:prstGeom prst="rightArrow">
+            <a:avLst/>
+          </a:prstGeom>
+        </p:spPr>
+        <p:style>
+          <a:lnRef idx="2">
+            <a:schemeClr val="accent2">
+              <a:shade val="50000"/>
+            </a:schemeClr>
+          </a:lnRef>
+          <a:fillRef idx="1">
+            <a:schemeClr val="accent2"/>
+          </a:fillRef>
+          <a:effectRef idx="0">
+            <a:schemeClr val="accent2"/>
+          </a:effectRef>
+          <a:fontRef idx="minor">
+            <a:schemeClr val="lt1"/>
+          </a:fontRef>
+        </p:style>
+        <p:txBody>
+          <a:bodyPr rtlCol="0" anchor="ctr"/>
+          <a:lstStyle/>
+          <a:p>
+            <a:pPr algn="ctr"/>
+            <a:endParaRPr lang="ko-KR" altLang="en-US"/>
+          </a:p>
+        </p:txBody>
+      </p:sp>
     </p:spTree>
     <p:extLst>
       <p:ext uri="{BB962C8B-B14F-4D97-AF65-F5344CB8AC3E}">
@@ -9860,16 +9964,20 @@
           <a:p>
             <a:pPr algn="ctr"/>
             <a:r>
-              <a:rPr lang="en-US" altLang="ko-KR" sz="1100" b="1" dirty="0"/>
-              <a:t>[</a:t>
-            </a:r>
-            <a:r>
-              <a:rPr lang="ko-KR" altLang="en-US" sz="1100" b="1" dirty="0"/>
-              <a:t>점검 방법</a:t>
-            </a:r>
-            <a:r>
               <a:rPr lang="en-US" altLang="ko-KR" sz="1100" b="1" dirty="0" smtClean="0"/>
-              <a:t>] DP </a:t>
+              <a:t>[NG </a:t>
+            </a:r>
+            <a:r>
+              <a:rPr lang="ko-KR" altLang="en-US" sz="1100" b="1" dirty="0" smtClean="0"/>
+              <a:t>사항</a:t>
+            </a:r>
+            <a:r>
+              <a:rPr lang="en-US" altLang="ko-KR" sz="1100" b="1" dirty="0" smtClean="0"/>
+              <a:t>] </a:t>
+            </a:r>
+            <a:r>
+              <a:rPr lang="en-US" altLang="ko-KR" sz="1100" b="1" dirty="0" smtClean="0"/>
+              <a:t>DP </a:t>
             </a:r>
             <a:r>
               <a:rPr lang="ko-KR" altLang="en-US" sz="1100" b="1" dirty="0" smtClean="0"/>
@@ -11110,23 +11218,23 @@
           <a:p>
             <a:pPr algn="ctr"/>
             <a:r>
-              <a:rPr lang="en-US" altLang="ko-KR" sz="1100" b="1" dirty="0"/>
-              <a:t>[</a:t>
-            </a:r>
-            <a:r>
-              <a:rPr lang="ko-KR" altLang="en-US" sz="1100" b="1" dirty="0"/>
-              <a:t>점검 방법</a:t>
-            </a:r>
-            <a:r>
-              <a:rPr lang="en-US" altLang="ko-KR" sz="1100" b="1" dirty="0"/>
+              <a:rPr lang="en-US" altLang="ko-KR" sz="1100" b="1" dirty="0" smtClean="0"/>
+              <a:t>[NG </a:t>
+            </a:r>
+            <a:r>
+              <a:rPr lang="ko-KR" altLang="en-US" sz="1100" b="1" dirty="0" smtClean="0"/>
+              <a:t>사항</a:t>
+            </a:r>
+            <a:r>
+              <a:rPr lang="en-US" altLang="ko-KR" sz="1100" b="1" dirty="0" smtClean="0"/>
               <a:t>]</a:t>
             </a:r>
             <a:r>
-              <a:rPr lang="ko-KR" altLang="en-US" sz="1100" b="1" dirty="0"/>
+              <a:rPr lang="ko-KR" altLang="en-US" sz="1100" b="1" dirty="0" smtClean="0"/>
               <a:t> </a:t>
             </a:r>
             <a:r>
-              <a:rPr lang="en-US" altLang="ko-KR" sz="1100" b="1" dirty="0"/>
+              <a:rPr lang="en-US" altLang="ko-KR" sz="1100" b="1" dirty="0" smtClean="0"/>
               <a:t> </a:t>
             </a:r>
             <a:r>
@@ -22117,6 +22225,2921 @@
 </p:sld>
 </file>
 
+<file path=ppt/slides/slide17.xml><?xml version="1.0" encoding="utf-8"?>
+<p:sld xmlns:a="http://schemas.openxmlformats.org/drawingml/2006/main" xmlns:r="http://schemas.openxmlformats.org/officeDocument/2006/relationships" xmlns:p="http://schemas.openxmlformats.org/presentationml/2006/main">
+  <p:cSld>
+    <p:spTree>
+      <p:nvGrpSpPr>
+        <p:cNvPr id="1" name=""/>
+        <p:cNvGrpSpPr/>
+        <p:nvPr/>
+      </p:nvGrpSpPr>
+      <p:grpSpPr>
+        <a:xfrm>
+          <a:off x="0" y="0"/>
+          <a:ext cx="0" cy="0"/>
+          <a:chOff x="0" y="0"/>
+          <a:chExt cx="0" cy="0"/>
+        </a:xfrm>
+      </p:grpSpPr>
+      <p:sp>
+        <p:nvSpPr>
+          <p:cNvPr id="5" name="TextBox 4"/>
+          <p:cNvSpPr txBox="1"/>
+          <p:nvPr/>
+        </p:nvSpPr>
+        <p:spPr>
+          <a:xfrm>
+            <a:off x="345600" y="980728"/>
+            <a:ext cx="9342704" cy="507831"/>
+          </a:xfrm>
+          <a:prstGeom prst="rect">
+            <a:avLst/>
+          </a:prstGeom>
+          <a:noFill/>
+        </p:spPr>
+        <p:txBody>
+          <a:bodyPr wrap="square" rtlCol="0">
+            <a:spAutoFit/>
+          </a:bodyPr>
+          <a:lstStyle/>
+          <a:p>
+            <a:pPr marL="0" lvl="1">
+              <a:lnSpc>
+                <a:spcPct val="150000"/>
+              </a:lnSpc>
+            </a:pPr>
+            <a:r>
+              <a:rPr lang="ko-KR" altLang="en-US" b="1" dirty="0" smtClean="0">
+                <a:ln>
+                  <a:solidFill>
+                    <a:schemeClr val="tx1">
+                      <a:lumMod val="50000"/>
+                      <a:lumOff val="50000"/>
+                      <a:alpha val="0"/>
+                    </a:schemeClr>
+                  </a:solidFill>
+                </a:ln>
+                <a:solidFill>
+                  <a:srgbClr val="E9520B"/>
+                </a:solidFill>
+              </a:rPr>
+              <a:t>■ </a:t>
+            </a:r>
+            <a:r>
+              <a:rPr lang="en-US" altLang="ko-KR" b="1" dirty="0" smtClean="0">
+                <a:ln>
+                  <a:solidFill>
+                    <a:schemeClr val="tx1">
+                      <a:lumMod val="50000"/>
+                      <a:lumOff val="50000"/>
+                      <a:alpha val="0"/>
+                    </a:schemeClr>
+                  </a:solidFill>
+                </a:ln>
+                <a:solidFill>
+                  <a:srgbClr val="E9520B"/>
+                </a:solidFill>
+              </a:rPr>
+              <a:t>[</a:t>
+            </a:r>
+            <a:r>
+              <a:rPr lang="ko-KR" altLang="en-US" b="1" dirty="0" smtClean="0">
+                <a:ln>
+                  <a:solidFill>
+                    <a:schemeClr val="tx1">
+                      <a:lumMod val="50000"/>
+                      <a:lumOff val="50000"/>
+                      <a:alpha val="0"/>
+                    </a:schemeClr>
+                  </a:solidFill>
+                </a:ln>
+                <a:solidFill>
+                  <a:srgbClr val="E9520B"/>
+                </a:solidFill>
+              </a:rPr>
+              <a:t>코드 표준</a:t>
+            </a:r>
+            <a:r>
+              <a:rPr lang="en-US" altLang="ko-KR" b="1" dirty="0" smtClean="0">
+                <a:ln>
+                  <a:solidFill>
+                    <a:schemeClr val="tx1">
+                      <a:lumMod val="50000"/>
+                      <a:lumOff val="50000"/>
+                      <a:alpha val="0"/>
+                    </a:schemeClr>
+                  </a:solidFill>
+                </a:ln>
+                <a:solidFill>
+                  <a:srgbClr val="E9520B"/>
+                </a:solidFill>
+              </a:rPr>
+              <a:t>] </a:t>
+            </a:r>
+            <a:r>
+              <a:rPr lang="ko-KR" altLang="en-US" b="1" dirty="0" smtClean="0">
+                <a:ln>
+                  <a:solidFill>
+                    <a:schemeClr val="tx1">
+                      <a:lumMod val="50000"/>
+                      <a:lumOff val="50000"/>
+                      <a:alpha val="0"/>
+                    </a:schemeClr>
+                  </a:solidFill>
+                </a:ln>
+                <a:solidFill>
+                  <a:srgbClr val="E9520B"/>
+                </a:solidFill>
+              </a:rPr>
+              <a:t>불필요한 코드 금지</a:t>
+            </a:r>
+            <a:endParaRPr lang="en-US" altLang="ko-KR" b="1" dirty="0">
+              <a:ln>
+                <a:solidFill>
+                  <a:schemeClr val="tx1">
+                    <a:lumMod val="50000"/>
+                    <a:lumOff val="50000"/>
+                    <a:alpha val="0"/>
+                  </a:schemeClr>
+                </a:solidFill>
+              </a:ln>
+              <a:solidFill>
+                <a:srgbClr val="E9520B"/>
+              </a:solidFill>
+            </a:endParaRPr>
+          </a:p>
+        </p:txBody>
+      </p:sp>
+      <p:sp>
+        <p:nvSpPr>
+          <p:cNvPr id="6" name="제목 1"/>
+          <p:cNvSpPr>
+            <a:spLocks noGrp="1"/>
+          </p:cNvSpPr>
+          <p:nvPr>
+            <p:ph type="title" idx="4294967295"/>
+          </p:nvPr>
+        </p:nvSpPr>
+        <p:spPr>
+          <a:xfrm>
+            <a:off x="452500" y="224644"/>
+            <a:ext cx="6858903" cy="504056"/>
+          </a:xfrm>
+          <a:ln>
+            <a:noFill/>
+          </a:ln>
+        </p:spPr>
+        <p:txBody>
+          <a:bodyPr>
+            <a:normAutofit/>
+          </a:bodyPr>
+          <a:lstStyle/>
+          <a:p>
+            <a:r>
+              <a:rPr lang="en-US" altLang="ko-KR" sz="2800" b="1" dirty="0">
+                <a:ln>
+                  <a:solidFill>
+                    <a:prstClr val="white">
+                      <a:alpha val="0"/>
+                    </a:prstClr>
+                  </a:solidFill>
+                </a:ln>
+                <a:solidFill>
+                  <a:prstClr val="white">
+                    <a:lumMod val="50000"/>
+                  </a:prstClr>
+                </a:solidFill>
+                <a:latin typeface="+mn-ea"/>
+              </a:rPr>
+              <a:t>APPENDIX</a:t>
+            </a:r>
+            <a:endParaRPr lang="ko-KR" altLang="en-US" sz="2800" b="1" dirty="0">
+              <a:latin typeface="+mn-ea"/>
+              <a:ea typeface="+mn-ea"/>
+            </a:endParaRPr>
+          </a:p>
+        </p:txBody>
+      </p:sp>
+      <p:graphicFrame>
+        <p:nvGraphicFramePr>
+          <p:cNvPr id="21" name="표 20"/>
+          <p:cNvGraphicFramePr>
+            <a:graphicFrameLocks noGrp="1"/>
+          </p:cNvGraphicFramePr>
+          <p:nvPr>
+            <p:extLst>
+              <p:ext uri="{D42A27DB-BD31-4B8C-83A1-F6EECF244321}">
+                <p14:modId xmlns:p14="http://schemas.microsoft.com/office/powerpoint/2010/main" val="2874305785"/>
+              </p:ext>
+            </p:extLst>
+          </p:nvPr>
+        </p:nvGraphicFramePr>
+        <p:xfrm>
+          <a:off x="888341" y="1567771"/>
+          <a:ext cx="8257222" cy="1259649"/>
+        </p:xfrm>
+        <a:graphic>
+          <a:graphicData uri="http://schemas.openxmlformats.org/drawingml/2006/table">
+            <a:tbl>
+              <a:tblPr firstRow="1" firstCol="1" bandRow="1">
+                <a:tableStyleId>{F5AB1C69-6EDB-4FF4-983F-18BD219EF322}</a:tableStyleId>
+              </a:tblPr>
+              <a:tblGrid>
+                <a:gridCol w="1616387">
+                  <a:extLst>
+                    <a:ext uri="{9D8B030D-6E8A-4147-A177-3AD203B41FA5}">
+                      <a16:colId xmlns:a16="http://schemas.microsoft.com/office/drawing/2014/main" val="3322228484"/>
+                    </a:ext>
+                  </a:extLst>
+                </a:gridCol>
+                <a:gridCol w="6640835">
+                  <a:extLst>
+                    <a:ext uri="{9D8B030D-6E8A-4147-A177-3AD203B41FA5}">
+                      <a16:colId xmlns:a16="http://schemas.microsoft.com/office/drawing/2014/main" val="3088701884"/>
+                    </a:ext>
+                  </a:extLst>
+                </a:gridCol>
+              </a:tblGrid>
+              <a:tr h="302568">
+                <a:tc>
+                  <a:txBody>
+                    <a:bodyPr/>
+                    <a:lstStyle/>
+                    <a:p>
+                      <a:pPr algn="ctr" fontAlgn="ctr"/>
+                      <a:r>
+                        <a:rPr lang="ko-KR" altLang="en-US" sz="1100" u="none" strike="noStrike" dirty="0" smtClean="0">
+                          <a:solidFill>
+                            <a:schemeClr val="tx1"/>
+                          </a:solidFill>
+                          <a:effectLst/>
+                        </a:rPr>
+                        <a:t>구분</a:t>
+                      </a:r>
+                      <a:endParaRPr lang="ko-KR" altLang="en-US" sz="1100" b="1" i="0" u="none" strike="noStrike" dirty="0">
+                        <a:solidFill>
+                          <a:schemeClr val="tx1"/>
+                        </a:solidFill>
+                        <a:effectLst/>
+                        <a:latin typeface="맑은 고딕" panose="020B0503020000020004" pitchFamily="50" charset="-127"/>
+                        <a:ea typeface="맑은 고딕" panose="020B0503020000020004" pitchFamily="50" charset="-127"/>
+                      </a:endParaRPr>
+                    </a:p>
+                  </a:txBody>
+                  <a:tcPr marL="9525" marR="9525" marT="9525" marB="0" anchor="ctr"/>
+                </a:tc>
+                <a:tc>
+                  <a:txBody>
+                    <a:bodyPr/>
+                    <a:lstStyle/>
+                    <a:p>
+                      <a:pPr algn="ctr" fontAlgn="ctr"/>
+                      <a:r>
+                        <a:rPr lang="ko-KR" altLang="en-US" sz="1100" u="none" strike="noStrike" dirty="0" smtClean="0">
+                          <a:solidFill>
+                            <a:schemeClr val="tx1"/>
+                          </a:solidFill>
+                          <a:effectLst/>
+                        </a:rPr>
+                        <a:t>내용</a:t>
+                      </a:r>
+                      <a:endParaRPr lang="ko-KR" altLang="en-US" sz="1100" b="1" i="0" u="none" strike="noStrike" dirty="0">
+                        <a:solidFill>
+                          <a:schemeClr val="tx1"/>
+                        </a:solidFill>
+                        <a:effectLst/>
+                        <a:latin typeface="맑은 고딕" panose="020B0503020000020004" pitchFamily="50" charset="-127"/>
+                        <a:ea typeface="+mn-ea"/>
+                      </a:endParaRPr>
+                    </a:p>
+                  </a:txBody>
+                  <a:tcPr marL="9525" marR="9525" marT="9525" marB="0" anchor="ctr"/>
+                </a:tc>
+                <a:extLst>
+                  <a:ext uri="{0D108BD9-81ED-4DB2-BD59-A6C34878D82A}">
+                    <a16:rowId xmlns:a16="http://schemas.microsoft.com/office/drawing/2014/main" val="1185981779"/>
+                  </a:ext>
+                </a:extLst>
+              </a:tr>
+              <a:tr h="334525">
+                <a:tc>
+                  <a:txBody>
+                    <a:bodyPr/>
+                    <a:lstStyle/>
+                    <a:p>
+                      <a:pPr marL="0" marR="0" indent="0" algn="ctr" defTabSz="914400" rtl="0" eaLnBrk="1" fontAlgn="ctr" latinLnBrk="1" hangingPunct="1">
+                        <a:lnSpc>
+                          <a:spcPct val="100000"/>
+                        </a:lnSpc>
+                        <a:spcBef>
+                          <a:spcPts val="0"/>
+                        </a:spcBef>
+                        <a:spcAft>
+                          <a:spcPts val="0"/>
+                        </a:spcAft>
+                        <a:buClrTx/>
+                        <a:buSzTx/>
+                        <a:buFontTx/>
+                        <a:buNone/>
+                        <a:tabLst/>
+                        <a:defRPr/>
+                      </a:pPr>
+                      <a:r>
+                        <a:rPr lang="ko-KR" altLang="en-US" sz="1100" u="none" strike="noStrike" dirty="0" smtClean="0">
+                          <a:solidFill>
+                            <a:schemeClr val="tx1"/>
+                          </a:solidFill>
+                          <a:effectLst/>
+                        </a:rPr>
+                        <a:t>목적</a:t>
+                      </a:r>
+                      <a:endParaRPr lang="ko-KR" altLang="en-US" sz="1100" b="1" i="0" u="none" strike="noStrike" dirty="0" smtClean="0">
+                        <a:solidFill>
+                          <a:schemeClr val="tx1"/>
+                        </a:solidFill>
+                        <a:effectLst/>
+                        <a:latin typeface="맑은 고딕" panose="020B0503020000020004" pitchFamily="50" charset="-127"/>
+                        <a:ea typeface="+mn-ea"/>
+                      </a:endParaRPr>
+                    </a:p>
+                  </a:txBody>
+                  <a:tcPr marL="9525" marR="9525" marT="9525" marB="0" anchor="ctr"/>
+                </a:tc>
+                <a:tc>
+                  <a:txBody>
+                    <a:bodyPr/>
+                    <a:lstStyle/>
+                    <a:p>
+                      <a:pPr lvl="1" algn="l" fontAlgn="ctr"/>
+                      <a:r>
+                        <a:rPr lang="ko-KR" altLang="en-US" sz="1050" b="0" i="0" u="none" strike="noStrike" dirty="0" smtClean="0">
+                          <a:solidFill>
+                            <a:schemeClr val="tx1"/>
+                          </a:solidFill>
+                          <a:effectLst/>
+                          <a:latin typeface="맑은 고딕" panose="020B0503020000020004" pitchFamily="50" charset="-127"/>
+                          <a:ea typeface="+mn-ea"/>
+                        </a:rPr>
+                        <a:t>불필요한 코드를 줄이고 코드 품질 향상</a:t>
+                      </a:r>
+                      <a:endParaRPr lang="ko-KR" altLang="en-US" sz="1050" b="0" i="0" u="none" strike="noStrike" dirty="0">
+                        <a:solidFill>
+                          <a:schemeClr val="tx1"/>
+                        </a:solidFill>
+                        <a:effectLst/>
+                        <a:latin typeface="맑은 고딕" panose="020B0503020000020004" pitchFamily="50" charset="-127"/>
+                        <a:ea typeface="+mn-ea"/>
+                      </a:endParaRPr>
+                    </a:p>
+                  </a:txBody>
+                  <a:tcPr marL="9525" marR="9525" marT="9525" marB="0" anchor="ctr"/>
+                </a:tc>
+                <a:extLst>
+                  <a:ext uri="{0D108BD9-81ED-4DB2-BD59-A6C34878D82A}">
+                    <a16:rowId xmlns:a16="http://schemas.microsoft.com/office/drawing/2014/main" val="440942454"/>
+                  </a:ext>
+                </a:extLst>
+              </a:tr>
+              <a:tr h="311278">
+                <a:tc>
+                  <a:txBody>
+                    <a:bodyPr/>
+                    <a:lstStyle/>
+                    <a:p>
+                      <a:pPr marL="0" marR="0" indent="0" algn="ctr" defTabSz="914400" rtl="0" eaLnBrk="1" fontAlgn="ctr" latinLnBrk="1" hangingPunct="1">
+                        <a:lnSpc>
+                          <a:spcPct val="100000"/>
+                        </a:lnSpc>
+                        <a:spcBef>
+                          <a:spcPts val="0"/>
+                        </a:spcBef>
+                        <a:spcAft>
+                          <a:spcPts val="0"/>
+                        </a:spcAft>
+                        <a:buClrTx/>
+                        <a:buSzTx/>
+                        <a:buFontTx/>
+                        <a:buNone/>
+                        <a:tabLst/>
+                        <a:defRPr/>
+                      </a:pPr>
+                      <a:r>
+                        <a:rPr lang="ko-KR" altLang="en-US" sz="1100" b="1" i="0" u="none" strike="noStrike" dirty="0" smtClean="0">
+                          <a:solidFill>
+                            <a:schemeClr val="tx1"/>
+                          </a:solidFill>
+                          <a:effectLst/>
+                          <a:latin typeface="맑은 고딕" panose="020B0503020000020004" pitchFamily="50" charset="-127"/>
+                          <a:ea typeface="+mn-ea"/>
+                        </a:rPr>
+                        <a:t>문제점</a:t>
+                      </a:r>
+                    </a:p>
+                  </a:txBody>
+                  <a:tcPr marL="9525" marR="9525" marT="9525" marB="0" anchor="ctr"/>
+                </a:tc>
+                <a:tc>
+                  <a:txBody>
+                    <a:bodyPr/>
+                    <a:lstStyle/>
+                    <a:p>
+                      <a:pPr lvl="1" algn="l" fontAlgn="ctr"/>
+                      <a:r>
+                        <a:rPr lang="ko-KR" altLang="en-US" sz="1050" b="0" i="0" u="none" strike="noStrike" dirty="0" smtClean="0">
+                          <a:solidFill>
+                            <a:schemeClr val="tx1"/>
+                          </a:solidFill>
+                          <a:effectLst/>
+                          <a:latin typeface="맑은 고딕" panose="020B0503020000020004" pitchFamily="50" charset="-127"/>
+                          <a:ea typeface="+mn-ea"/>
+                        </a:rPr>
+                        <a:t>코드의 </a:t>
+                      </a:r>
+                      <a:r>
+                        <a:rPr lang="ko-KR" altLang="en-US" sz="1050" b="0" i="0" u="none" strike="noStrike" dirty="0" err="1" smtClean="0">
+                          <a:solidFill>
+                            <a:schemeClr val="tx1"/>
+                          </a:solidFill>
+                          <a:effectLst/>
+                          <a:latin typeface="맑은 고딕" panose="020B0503020000020004" pitchFamily="50" charset="-127"/>
+                          <a:ea typeface="+mn-ea"/>
+                        </a:rPr>
+                        <a:t>가독성</a:t>
+                      </a:r>
+                      <a:r>
+                        <a:rPr lang="ko-KR" altLang="en-US" sz="1050" b="0" i="0" u="none" strike="noStrike" baseline="0" dirty="0" smtClean="0">
+                          <a:solidFill>
+                            <a:schemeClr val="tx1"/>
+                          </a:solidFill>
+                          <a:effectLst/>
+                          <a:latin typeface="맑은 고딕" panose="020B0503020000020004" pitchFamily="50" charset="-127"/>
+                          <a:ea typeface="+mn-ea"/>
+                        </a:rPr>
+                        <a:t> 및 유지보수 저하</a:t>
+                      </a:r>
+                      <a:r>
+                        <a:rPr lang="en-US" altLang="ko-KR" sz="1050" b="0" i="0" u="none" strike="noStrike" baseline="0" dirty="0" smtClean="0">
+                          <a:solidFill>
+                            <a:schemeClr val="tx1"/>
+                          </a:solidFill>
+                          <a:effectLst/>
+                          <a:latin typeface="맑은 고딕" panose="020B0503020000020004" pitchFamily="50" charset="-127"/>
+                          <a:ea typeface="+mn-ea"/>
+                        </a:rPr>
+                        <a:t>, </a:t>
+                      </a:r>
+                      <a:r>
+                        <a:rPr lang="ko-KR" altLang="en-US" sz="1050" b="0" i="0" u="none" strike="noStrike" baseline="0" dirty="0" smtClean="0">
+                          <a:solidFill>
+                            <a:schemeClr val="tx1"/>
+                          </a:solidFill>
+                          <a:effectLst/>
+                          <a:latin typeface="맑은 고딕" panose="020B0503020000020004" pitchFamily="50" charset="-127"/>
+                          <a:ea typeface="+mn-ea"/>
+                        </a:rPr>
+                        <a:t>코드 리뷰 시간 증가 문제점 발생</a:t>
+                      </a:r>
+                      <a:endParaRPr lang="ko-KR" altLang="en-US" sz="1050" b="0" i="0" u="none" strike="noStrike" dirty="0">
+                        <a:solidFill>
+                          <a:schemeClr val="tx1"/>
+                        </a:solidFill>
+                        <a:effectLst/>
+                        <a:latin typeface="맑은 고딕" panose="020B0503020000020004" pitchFamily="50" charset="-127"/>
+                        <a:ea typeface="+mn-ea"/>
+                      </a:endParaRPr>
+                    </a:p>
+                  </a:txBody>
+                  <a:tcPr marL="9525" marR="9525" marT="9525" marB="0" anchor="ctr"/>
+                </a:tc>
+                <a:extLst>
+                  <a:ext uri="{0D108BD9-81ED-4DB2-BD59-A6C34878D82A}">
+                    <a16:rowId xmlns:a16="http://schemas.microsoft.com/office/drawing/2014/main" val="989399519"/>
+                  </a:ext>
+                </a:extLst>
+              </a:tr>
+              <a:tr h="311278">
+                <a:tc>
+                  <a:txBody>
+                    <a:bodyPr/>
+                    <a:lstStyle/>
+                    <a:p>
+                      <a:pPr marL="0" marR="0" indent="0" algn="ctr" defTabSz="914400" rtl="0" eaLnBrk="1" fontAlgn="ctr" latinLnBrk="1" hangingPunct="1">
+                        <a:lnSpc>
+                          <a:spcPct val="100000"/>
+                        </a:lnSpc>
+                        <a:spcBef>
+                          <a:spcPts val="0"/>
+                        </a:spcBef>
+                        <a:spcAft>
+                          <a:spcPts val="0"/>
+                        </a:spcAft>
+                        <a:buClrTx/>
+                        <a:buSzTx/>
+                        <a:buFontTx/>
+                        <a:buNone/>
+                        <a:tabLst/>
+                        <a:defRPr/>
+                      </a:pPr>
+                      <a:r>
+                        <a:rPr lang="ko-KR" altLang="en-US" sz="1100" u="none" strike="noStrike" dirty="0" smtClean="0">
+                          <a:solidFill>
+                            <a:schemeClr val="tx1"/>
+                          </a:solidFill>
+                          <a:effectLst/>
+                        </a:rPr>
+                        <a:t>개선 방법</a:t>
+                      </a:r>
+                      <a:endParaRPr lang="ko-KR" altLang="en-US" sz="1100" b="1" i="0" u="none" strike="noStrike" dirty="0" smtClean="0">
+                        <a:solidFill>
+                          <a:schemeClr val="tx1"/>
+                        </a:solidFill>
+                        <a:effectLst/>
+                        <a:latin typeface="맑은 고딕" panose="020B0503020000020004" pitchFamily="50" charset="-127"/>
+                        <a:ea typeface="+mn-ea"/>
+                      </a:endParaRPr>
+                    </a:p>
+                  </a:txBody>
+                  <a:tcPr marL="9525" marR="9525" marT="9525" marB="0" anchor="ctr"/>
+                </a:tc>
+                <a:tc>
+                  <a:txBody>
+                    <a:bodyPr/>
+                    <a:lstStyle/>
+                    <a:p>
+                      <a:pPr lvl="1" algn="l" fontAlgn="ctr"/>
+                      <a:r>
+                        <a:rPr lang="ko-KR" altLang="en-US" sz="1050" b="0" i="0" u="none" strike="noStrike" dirty="0" smtClean="0">
+                          <a:solidFill>
+                            <a:schemeClr val="tx1"/>
+                          </a:solidFill>
+                          <a:effectLst/>
+                          <a:latin typeface="맑은 고딕" panose="020B0503020000020004" pitchFamily="50" charset="-127"/>
+                          <a:ea typeface="맑은 고딕" panose="020B0503020000020004" pitchFamily="50" charset="-127"/>
+                        </a:rPr>
+                        <a:t>불필요한 코드 삭제 필요</a:t>
+                      </a:r>
+                      <a:endParaRPr lang="ko-KR" altLang="en-US" sz="1050" b="0" i="0" u="none" strike="noStrike" dirty="0">
+                        <a:solidFill>
+                          <a:schemeClr val="tx1"/>
+                        </a:solidFill>
+                        <a:effectLst/>
+                        <a:latin typeface="맑은 고딕" panose="020B0503020000020004" pitchFamily="50" charset="-127"/>
+                        <a:ea typeface="맑은 고딕" panose="020B0503020000020004" pitchFamily="50" charset="-127"/>
+                      </a:endParaRPr>
+                    </a:p>
+                  </a:txBody>
+                  <a:tcPr marL="9525" marR="9525" marT="9525" marB="0" anchor="ctr"/>
+                </a:tc>
+                <a:extLst>
+                  <a:ext uri="{0D108BD9-81ED-4DB2-BD59-A6C34878D82A}">
+                    <a16:rowId xmlns:a16="http://schemas.microsoft.com/office/drawing/2014/main" val="3276884812"/>
+                  </a:ext>
+                </a:extLst>
+              </a:tr>
+            </a:tbl>
+          </a:graphicData>
+        </a:graphic>
+      </p:graphicFrame>
+      <p:sp>
+        <p:nvSpPr>
+          <p:cNvPr id="7" name="Rectangle 1"/>
+          <p:cNvSpPr>
+            <a:spLocks noChangeArrowheads="1"/>
+          </p:cNvSpPr>
+          <p:nvPr/>
+        </p:nvSpPr>
+        <p:spPr bwMode="auto">
+          <a:xfrm>
+            <a:off x="1128520" y="3309954"/>
+            <a:ext cx="7776864" cy="2631490"/>
+          </a:xfrm>
+          <a:prstGeom prst="rect">
+            <a:avLst/>
+          </a:prstGeom>
+          <a:solidFill>
+            <a:srgbClr val="FFFFFF"/>
+          </a:solidFill>
+          <a:ln w="9525">
+            <a:solidFill>
+              <a:schemeClr val="bg1">
+                <a:lumMod val="75000"/>
+              </a:schemeClr>
+            </a:solidFill>
+            <a:miter lim="800000"/>
+            <a:headEnd/>
+            <a:tailEnd/>
+          </a:ln>
+          <a:effectLst/>
+          <a:extLst>
+            <a:ext uri="{AF507438-7753-43E0-B8FC-AC1667EBCBE1}">
+              <a14:hiddenEffects xmlns:a14="http://schemas.microsoft.com/office/drawing/2010/main">
+                <a:effectLst>
+                  <a:outerShdw dist="35921" dir="2700000" algn="ctr" rotWithShape="0">
+                    <a:schemeClr val="bg2"/>
+                  </a:outerShdw>
+                </a:effectLst>
+              </a14:hiddenEffects>
+            </a:ext>
+          </a:extLst>
+        </p:spPr>
+        <p:txBody>
+          <a:bodyPr vert="horz" wrap="square" lIns="0" tIns="0" rIns="0" bIns="0" numCol="1" anchor="ctr" anchorCtr="0" compatLnSpc="1">
+            <a:prstTxWarp prst="textNoShape">
+              <a:avLst/>
+            </a:prstTxWarp>
+            <a:spAutoFit/>
+          </a:bodyPr>
+          <a:lstStyle/>
+          <a:p>
+            <a:pPr marL="0" marR="0" lvl="0" indent="0" algn="l" defTabSz="914400" rtl="0" eaLnBrk="0" fontAlgn="base" latinLnBrk="0" hangingPunct="0">
+              <a:lnSpc>
+                <a:spcPct val="100000"/>
+              </a:lnSpc>
+              <a:spcBef>
+                <a:spcPct val="0"/>
+              </a:spcBef>
+              <a:spcAft>
+                <a:spcPct val="0"/>
+              </a:spcAft>
+              <a:buClrTx/>
+              <a:buSzTx/>
+              <a:buFontTx/>
+              <a:buNone/>
+              <a:tabLst/>
+            </a:pPr>
+            <a:r>
+              <a:rPr kumimoji="0" lang="ko-KR" altLang="ko-KR" sz="900" b="0" i="0" u="none" strike="noStrike" cap="none" normalizeH="0" baseline="0" dirty="0" err="1" smtClean="0">
+                <a:ln>
+                  <a:noFill/>
+                </a:ln>
+                <a:solidFill>
+                  <a:srgbClr val="A71D5D"/>
+                </a:solidFill>
+                <a:effectLst/>
+                <a:latin typeface="Consolas" panose="020B0609020204030204" pitchFamily="49" charset="0"/>
+              </a:rPr>
+              <a:t>void</a:t>
+            </a:r>
+            <a:r>
+              <a:rPr kumimoji="0" lang="ko-KR" altLang="ko-KR" sz="900" b="0" i="0" u="none" strike="noStrike" cap="none" normalizeH="0" baseline="0" dirty="0" smtClean="0">
+                <a:ln>
+                  <a:noFill/>
+                </a:ln>
+                <a:solidFill>
+                  <a:srgbClr val="010101"/>
+                </a:solidFill>
+                <a:effectLst/>
+                <a:latin typeface="Consolas" panose="020B0609020204030204" pitchFamily="49" charset="0"/>
+              </a:rPr>
+              <a:t> </a:t>
+            </a:r>
+            <a:r>
+              <a:rPr kumimoji="0" lang="ko-KR" altLang="ko-KR" sz="900" b="0" i="0" u="none" strike="noStrike" cap="none" normalizeH="0" baseline="0" dirty="0" err="1" smtClean="0">
+                <a:ln>
+                  <a:noFill/>
+                </a:ln>
+                <a:solidFill>
+                  <a:srgbClr val="010101"/>
+                </a:solidFill>
+                <a:effectLst/>
+                <a:latin typeface="Consolas" panose="020B0609020204030204" pitchFamily="49" charset="0"/>
+              </a:rPr>
+              <a:t>init_query</a:t>
+            </a:r>
+            <a:r>
+              <a:rPr kumimoji="0" lang="ko-KR" altLang="ko-KR" sz="900" b="0" i="0" u="none" strike="noStrike" cap="none" normalizeH="0" baseline="0" dirty="0" smtClean="0">
+                <a:ln>
+                  <a:noFill/>
+                </a:ln>
+                <a:solidFill>
+                  <a:srgbClr val="010101"/>
+                </a:solidFill>
+                <a:effectLst/>
+                <a:latin typeface="Consolas" panose="020B0609020204030204" pitchFamily="49" charset="0"/>
+              </a:rPr>
+              <a:t>()</a:t>
+            </a:r>
+          </a:p>
+          <a:p>
+            <a:pPr marL="0" marR="0" lvl="0" indent="0" algn="l" defTabSz="914400" rtl="0" eaLnBrk="0" fontAlgn="base" latinLnBrk="0" hangingPunct="0">
+              <a:lnSpc>
+                <a:spcPct val="100000"/>
+              </a:lnSpc>
+              <a:spcBef>
+                <a:spcPct val="0"/>
+              </a:spcBef>
+              <a:spcAft>
+                <a:spcPct val="0"/>
+              </a:spcAft>
+              <a:buClrTx/>
+              <a:buSzTx/>
+              <a:buFontTx/>
+              <a:buNone/>
+              <a:tabLst/>
+            </a:pPr>
+            <a:r>
+              <a:rPr kumimoji="0" lang="ko-KR" altLang="ko-KR" sz="900" b="0" i="0" u="none" strike="noStrike" cap="none" normalizeH="0" baseline="0" dirty="0" smtClean="0">
+                <a:ln>
+                  <a:noFill/>
+                </a:ln>
+                <a:solidFill>
+                  <a:srgbClr val="010101"/>
+                </a:solidFill>
+                <a:effectLst/>
+                <a:latin typeface="Consolas" panose="020B0609020204030204" pitchFamily="49" charset="0"/>
+              </a:rPr>
+              <a:t>{</a:t>
+            </a:r>
+          </a:p>
+          <a:p>
+            <a:pPr lvl="1" eaLnBrk="0" fontAlgn="base" latinLnBrk="0" hangingPunct="0">
+              <a:spcBef>
+                <a:spcPct val="0"/>
+              </a:spcBef>
+              <a:spcAft>
+                <a:spcPct val="0"/>
+              </a:spcAft>
+            </a:pPr>
+            <a:r>
+              <a:rPr kumimoji="0" lang="ko-KR" altLang="ko-KR" sz="900" b="0" i="0" u="none" strike="noStrike" cap="none" normalizeH="0" baseline="0" dirty="0" err="1" smtClean="0">
+                <a:ln>
+                  <a:noFill/>
+                </a:ln>
+                <a:solidFill>
+                  <a:srgbClr val="066DE2"/>
+                </a:solidFill>
+                <a:effectLst/>
+                <a:latin typeface="Consolas" panose="020B0609020204030204" pitchFamily="49" charset="0"/>
+              </a:rPr>
+              <a:t>string</a:t>
+            </a:r>
+            <a:r>
+              <a:rPr kumimoji="0" lang="ko-KR" altLang="ko-KR" sz="900" b="0" i="0" u="none" strike="noStrike" cap="none" normalizeH="0" baseline="0" dirty="0" smtClean="0">
+                <a:ln>
+                  <a:noFill/>
+                </a:ln>
+                <a:solidFill>
+                  <a:srgbClr val="010101"/>
+                </a:solidFill>
+                <a:effectLst/>
+                <a:latin typeface="Consolas" panose="020B0609020204030204" pitchFamily="49" charset="0"/>
+              </a:rPr>
+              <a:t> </a:t>
+            </a:r>
+            <a:r>
+              <a:rPr kumimoji="0" lang="ko-KR" altLang="ko-KR" sz="900" b="0" i="0" u="none" strike="noStrike" cap="none" normalizeH="0" baseline="0" dirty="0" err="1" smtClean="0">
+                <a:ln>
+                  <a:noFill/>
+                </a:ln>
+                <a:solidFill>
+                  <a:srgbClr val="010101"/>
+                </a:solidFill>
+                <a:effectLst/>
+                <a:latin typeface="Consolas" panose="020B0609020204030204" pitchFamily="49" charset="0"/>
+              </a:rPr>
+              <a:t>query</a:t>
+            </a:r>
+            <a:r>
+              <a:rPr kumimoji="0" lang="ko-KR" altLang="ko-KR" sz="900" b="0" i="0" u="none" strike="noStrike" cap="none" normalizeH="0" baseline="0" dirty="0" smtClean="0">
+                <a:ln>
+                  <a:noFill/>
+                </a:ln>
+                <a:solidFill>
+                  <a:srgbClr val="010101"/>
+                </a:solidFill>
+                <a:effectLst/>
+                <a:latin typeface="Consolas" panose="020B0609020204030204" pitchFamily="49" charset="0"/>
+              </a:rPr>
+              <a:t>, </a:t>
+            </a:r>
+            <a:r>
+              <a:rPr kumimoji="0" lang="ko-KR" altLang="ko-KR" sz="900" b="0" i="0" u="none" strike="noStrike" cap="none" normalizeH="0" baseline="0" dirty="0" err="1" smtClean="0">
+                <a:ln>
+                  <a:noFill/>
+                </a:ln>
+                <a:solidFill>
+                  <a:srgbClr val="010101"/>
+                </a:solidFill>
+                <a:effectLst/>
+                <a:latin typeface="Consolas" panose="020B0609020204030204" pitchFamily="49" charset="0"/>
+              </a:rPr>
+              <a:t>from_query</a:t>
+            </a:r>
+            <a:r>
+              <a:rPr kumimoji="0" lang="ko-KR" altLang="ko-KR" sz="900" b="0" i="0" u="none" strike="noStrike" cap="none" normalizeH="0" baseline="0" dirty="0" smtClean="0">
+                <a:ln>
+                  <a:noFill/>
+                </a:ln>
+                <a:solidFill>
+                  <a:srgbClr val="010101"/>
+                </a:solidFill>
+                <a:effectLst/>
+                <a:latin typeface="Consolas" panose="020B0609020204030204" pitchFamily="49" charset="0"/>
+              </a:rPr>
+              <a:t>, </a:t>
+            </a:r>
+            <a:r>
+              <a:rPr kumimoji="0" lang="ko-KR" altLang="ko-KR" sz="900" b="0" i="0" u="none" strike="noStrike" cap="none" normalizeH="0" baseline="0" dirty="0" err="1" smtClean="0">
+                <a:ln>
+                  <a:noFill/>
+                </a:ln>
+                <a:solidFill>
+                  <a:srgbClr val="010101"/>
+                </a:solidFill>
+                <a:effectLst/>
+                <a:latin typeface="Consolas" panose="020B0609020204030204" pitchFamily="49" charset="0"/>
+              </a:rPr>
+              <a:t>where_query</a:t>
+            </a:r>
+            <a:r>
+              <a:rPr kumimoji="0" lang="ko-KR" altLang="ko-KR" sz="900" b="0" i="0" u="none" strike="noStrike" cap="none" normalizeH="0" baseline="0" dirty="0" smtClean="0">
+                <a:ln>
+                  <a:noFill/>
+                </a:ln>
+                <a:solidFill>
+                  <a:srgbClr val="010101"/>
+                </a:solidFill>
+                <a:effectLst/>
+                <a:latin typeface="Consolas" panose="020B0609020204030204" pitchFamily="49" charset="0"/>
+              </a:rPr>
+              <a:t>;</a:t>
+            </a:r>
+          </a:p>
+          <a:p>
+            <a:pPr lvl="1" eaLnBrk="0" fontAlgn="base" latinLnBrk="0" hangingPunct="0">
+              <a:spcBef>
+                <a:spcPct val="0"/>
+              </a:spcBef>
+              <a:spcAft>
+                <a:spcPct val="0"/>
+              </a:spcAft>
+            </a:pPr>
+            <a:r>
+              <a:rPr kumimoji="0" lang="ko-KR" altLang="ko-KR" sz="900" b="0" i="0" u="none" strike="noStrike" cap="none" normalizeH="0" baseline="0" dirty="0" err="1" smtClean="0">
+                <a:ln>
+                  <a:noFill/>
+                </a:ln>
+                <a:solidFill>
+                  <a:srgbClr val="010101"/>
+                </a:solidFill>
+                <a:effectLst/>
+                <a:latin typeface="Consolas" panose="020B0609020204030204" pitchFamily="49" charset="0"/>
+              </a:rPr>
+              <a:t>dyn_dyn_anytype</a:t>
+            </a:r>
+            <a:r>
+              <a:rPr kumimoji="0" lang="ko-KR" altLang="ko-KR" sz="900" b="0" i="0" u="none" strike="noStrike" cap="none" normalizeH="0" baseline="0" dirty="0" smtClean="0">
+                <a:ln>
+                  <a:noFill/>
+                </a:ln>
+                <a:solidFill>
+                  <a:srgbClr val="010101"/>
+                </a:solidFill>
+                <a:effectLst/>
+                <a:latin typeface="Consolas" panose="020B0609020204030204" pitchFamily="49" charset="0"/>
+              </a:rPr>
+              <a:t> </a:t>
+            </a:r>
+            <a:r>
+              <a:rPr kumimoji="0" lang="ko-KR" altLang="ko-KR" sz="900" b="0" i="0" u="none" strike="noStrike" cap="none" normalizeH="0" baseline="0" dirty="0" err="1" smtClean="0">
+                <a:ln>
+                  <a:noFill/>
+                </a:ln>
+                <a:solidFill>
+                  <a:srgbClr val="010101"/>
+                </a:solidFill>
+                <a:effectLst/>
+                <a:latin typeface="Consolas" panose="020B0609020204030204" pitchFamily="49" charset="0"/>
+              </a:rPr>
+              <a:t>tbval</a:t>
+            </a:r>
+            <a:r>
+              <a:rPr kumimoji="0" lang="ko-KR" altLang="ko-KR" sz="900" b="0" i="0" u="none" strike="noStrike" cap="none" normalizeH="0" baseline="0" dirty="0" smtClean="0">
+                <a:ln>
+                  <a:noFill/>
+                </a:ln>
+                <a:solidFill>
+                  <a:srgbClr val="010101"/>
+                </a:solidFill>
+                <a:effectLst/>
+                <a:latin typeface="Consolas" panose="020B0609020204030204" pitchFamily="49" charset="0"/>
+              </a:rPr>
+              <a:t>;</a:t>
+            </a:r>
+          </a:p>
+          <a:p>
+            <a:pPr lvl="1" eaLnBrk="0" fontAlgn="base" latinLnBrk="0" hangingPunct="0">
+              <a:spcBef>
+                <a:spcPct val="0"/>
+              </a:spcBef>
+              <a:spcAft>
+                <a:spcPct val="0"/>
+              </a:spcAft>
+            </a:pPr>
+            <a:r>
+              <a:rPr kumimoji="0" lang="ko-KR" altLang="ko-KR" sz="900" b="0" i="0" u="none" strike="noStrike" cap="none" normalizeH="0" baseline="0" dirty="0" err="1" smtClean="0">
+                <a:ln>
+                  <a:noFill/>
+                </a:ln>
+                <a:solidFill>
+                  <a:srgbClr val="A71D5D"/>
+                </a:solidFill>
+                <a:effectLst/>
+                <a:latin typeface="Consolas" panose="020B0609020204030204" pitchFamily="49" charset="0"/>
+              </a:rPr>
+              <a:t>for</a:t>
+            </a:r>
+            <a:r>
+              <a:rPr kumimoji="0" lang="ko-KR" altLang="ko-KR" sz="900" b="0" i="0" u="none" strike="noStrike" cap="none" normalizeH="0" baseline="0" dirty="0" smtClean="0">
+                <a:ln>
+                  <a:noFill/>
+                </a:ln>
+                <a:solidFill>
+                  <a:srgbClr val="010101"/>
+                </a:solidFill>
+                <a:effectLst/>
+                <a:latin typeface="Consolas" panose="020B0609020204030204" pitchFamily="49" charset="0"/>
+              </a:rPr>
+              <a:t>(</a:t>
+            </a:r>
+            <a:r>
+              <a:rPr kumimoji="0" lang="ko-KR" altLang="ko-KR" sz="900" b="0" i="0" u="none" strike="noStrike" cap="none" normalizeH="0" baseline="0" dirty="0" err="1" smtClean="0">
+                <a:ln>
+                  <a:noFill/>
+                </a:ln>
+                <a:solidFill>
+                  <a:srgbClr val="066DE2"/>
+                </a:solidFill>
+                <a:effectLst/>
+                <a:latin typeface="Consolas" panose="020B0609020204030204" pitchFamily="49" charset="0"/>
+              </a:rPr>
+              <a:t>int</a:t>
+            </a:r>
+            <a:r>
+              <a:rPr kumimoji="0" lang="ko-KR" altLang="ko-KR" sz="900" b="0" i="0" u="none" strike="noStrike" cap="none" normalizeH="0" baseline="0" dirty="0" smtClean="0">
+                <a:ln>
+                  <a:noFill/>
+                </a:ln>
+                <a:solidFill>
+                  <a:srgbClr val="010101"/>
+                </a:solidFill>
+                <a:effectLst/>
+                <a:latin typeface="Consolas" panose="020B0609020204030204" pitchFamily="49" charset="0"/>
+              </a:rPr>
+              <a:t> </a:t>
+            </a:r>
+            <a:r>
+              <a:rPr kumimoji="0" lang="ko-KR" altLang="ko-KR" sz="900" b="0" i="0" u="none" strike="noStrike" cap="none" normalizeH="0" baseline="0" dirty="0" err="1" smtClean="0">
+                <a:ln>
+                  <a:noFill/>
+                </a:ln>
+                <a:solidFill>
+                  <a:srgbClr val="010101"/>
+                </a:solidFill>
+                <a:effectLst/>
+                <a:latin typeface="Consolas" panose="020B0609020204030204" pitchFamily="49" charset="0"/>
+              </a:rPr>
+              <a:t>i</a:t>
+            </a:r>
+            <a:r>
+              <a:rPr kumimoji="0" lang="ko-KR" altLang="ko-KR" sz="900" b="0" i="0" u="none" strike="noStrike" cap="none" normalizeH="0" baseline="0" dirty="0" smtClean="0">
+                <a:ln>
+                  <a:noFill/>
+                </a:ln>
+                <a:solidFill>
+                  <a:srgbClr val="010101"/>
+                </a:solidFill>
+                <a:effectLst/>
+                <a:latin typeface="Consolas" panose="020B0609020204030204" pitchFamily="49" charset="0"/>
+              </a:rPr>
+              <a:t> </a:t>
+            </a:r>
+            <a:r>
+              <a:rPr kumimoji="0" lang="ko-KR" altLang="ko-KR" sz="900" b="0" i="0" u="none" strike="noStrike" cap="none" normalizeH="0" baseline="0" dirty="0" smtClean="0">
+                <a:ln>
+                  <a:noFill/>
+                </a:ln>
+                <a:solidFill>
+                  <a:srgbClr val="A71D5D"/>
+                </a:solidFill>
+                <a:effectLst/>
+                <a:latin typeface="Consolas" panose="020B0609020204030204" pitchFamily="49" charset="0"/>
+              </a:rPr>
+              <a:t>=</a:t>
+            </a:r>
+            <a:r>
+              <a:rPr kumimoji="0" lang="ko-KR" altLang="ko-KR" sz="900" b="0" i="0" u="none" strike="noStrike" cap="none" normalizeH="0" baseline="0" dirty="0" smtClean="0">
+                <a:ln>
+                  <a:noFill/>
+                </a:ln>
+                <a:solidFill>
+                  <a:srgbClr val="010101"/>
+                </a:solidFill>
+                <a:effectLst/>
+                <a:latin typeface="Consolas" panose="020B0609020204030204" pitchFamily="49" charset="0"/>
+              </a:rPr>
+              <a:t> </a:t>
+            </a:r>
+            <a:r>
+              <a:rPr kumimoji="0" lang="ko-KR" altLang="ko-KR" sz="900" b="0" i="0" u="none" strike="noStrike" cap="none" normalizeH="0" baseline="0" dirty="0" smtClean="0">
+                <a:ln>
+                  <a:noFill/>
+                </a:ln>
+                <a:solidFill>
+                  <a:srgbClr val="0099CC"/>
+                </a:solidFill>
+                <a:effectLst/>
+                <a:latin typeface="Consolas" panose="020B0609020204030204" pitchFamily="49" charset="0"/>
+              </a:rPr>
+              <a:t>1</a:t>
+            </a:r>
+            <a:r>
+              <a:rPr kumimoji="0" lang="ko-KR" altLang="ko-KR" sz="900" b="0" i="0" u="none" strike="noStrike" cap="none" normalizeH="0" baseline="0" dirty="0" smtClean="0">
+                <a:ln>
+                  <a:noFill/>
+                </a:ln>
+                <a:solidFill>
+                  <a:srgbClr val="010101"/>
+                </a:solidFill>
+                <a:effectLst/>
+                <a:latin typeface="Consolas" panose="020B0609020204030204" pitchFamily="49" charset="0"/>
+              </a:rPr>
+              <a:t>; </a:t>
+            </a:r>
+            <a:r>
+              <a:rPr kumimoji="0" lang="ko-KR" altLang="ko-KR" sz="900" b="0" i="0" u="none" strike="noStrike" cap="none" normalizeH="0" baseline="0" dirty="0" err="1" smtClean="0">
+                <a:ln>
+                  <a:noFill/>
+                </a:ln>
+                <a:solidFill>
+                  <a:srgbClr val="010101"/>
+                </a:solidFill>
+                <a:effectLst/>
+                <a:latin typeface="Consolas" panose="020B0609020204030204" pitchFamily="49" charset="0"/>
+              </a:rPr>
+              <a:t>i</a:t>
+            </a:r>
+            <a:r>
+              <a:rPr kumimoji="0" lang="ko-KR" altLang="ko-KR" sz="900" b="0" i="0" u="none" strike="noStrike" cap="none" normalizeH="0" baseline="0" dirty="0" smtClean="0">
+                <a:ln>
+                  <a:noFill/>
+                </a:ln>
+                <a:solidFill>
+                  <a:srgbClr val="010101"/>
+                </a:solidFill>
+                <a:effectLst/>
+                <a:latin typeface="Consolas" panose="020B0609020204030204" pitchFamily="49" charset="0"/>
+              </a:rPr>
+              <a:t> </a:t>
+            </a:r>
+            <a:r>
+              <a:rPr kumimoji="0" lang="ko-KR" altLang="ko-KR" sz="900" b="0" i="0" u="none" strike="noStrike" cap="none" normalizeH="0" baseline="0" dirty="0" smtClean="0">
+                <a:ln>
+                  <a:noFill/>
+                </a:ln>
+                <a:solidFill>
+                  <a:srgbClr val="A71D5D"/>
+                </a:solidFill>
+                <a:effectLst/>
+                <a:latin typeface="Consolas" panose="020B0609020204030204" pitchFamily="49" charset="0"/>
+              </a:rPr>
+              <a:t>&lt;=</a:t>
+            </a:r>
+            <a:r>
+              <a:rPr kumimoji="0" lang="ko-KR" altLang="ko-KR" sz="900" b="0" i="0" u="none" strike="noStrike" cap="none" normalizeH="0" baseline="0" dirty="0" smtClean="0">
+                <a:ln>
+                  <a:noFill/>
+                </a:ln>
+                <a:solidFill>
+                  <a:srgbClr val="010101"/>
+                </a:solidFill>
+                <a:effectLst/>
+                <a:latin typeface="Consolas" panose="020B0609020204030204" pitchFamily="49" charset="0"/>
+              </a:rPr>
+              <a:t> </a:t>
+            </a:r>
+            <a:r>
+              <a:rPr kumimoji="0" lang="ko-KR" altLang="ko-KR" sz="900" b="0" i="0" u="none" strike="noStrike" cap="none" normalizeH="0" baseline="0" dirty="0" err="1" smtClean="0">
+                <a:ln>
+                  <a:noFill/>
+                </a:ln>
+                <a:solidFill>
+                  <a:srgbClr val="010101"/>
+                </a:solidFill>
+                <a:effectLst/>
+                <a:latin typeface="Consolas" panose="020B0609020204030204" pitchFamily="49" charset="0"/>
+              </a:rPr>
+              <a:t>dynlen</a:t>
+            </a:r>
+            <a:r>
+              <a:rPr kumimoji="0" lang="ko-KR" altLang="ko-KR" sz="900" b="0" i="0" u="none" strike="noStrike" cap="none" normalizeH="0" baseline="0" dirty="0" smtClean="0">
+                <a:ln>
+                  <a:noFill/>
+                </a:ln>
+                <a:solidFill>
+                  <a:srgbClr val="010101"/>
+                </a:solidFill>
+                <a:effectLst/>
+                <a:latin typeface="Consolas" panose="020B0609020204030204" pitchFamily="49" charset="0"/>
+              </a:rPr>
+              <a:t>(</a:t>
+            </a:r>
+            <a:r>
+              <a:rPr kumimoji="0" lang="ko-KR" altLang="ko-KR" sz="900" b="0" i="0" u="none" strike="noStrike" cap="none" normalizeH="0" baseline="0" dirty="0" err="1" smtClean="0">
+                <a:ln>
+                  <a:noFill/>
+                </a:ln>
+                <a:solidFill>
+                  <a:srgbClr val="010101"/>
+                </a:solidFill>
+                <a:effectLst/>
+                <a:latin typeface="Consolas" panose="020B0609020204030204" pitchFamily="49" charset="0"/>
+              </a:rPr>
+              <a:t>cfg_dp_type_list</a:t>
+            </a:r>
+            <a:r>
+              <a:rPr kumimoji="0" lang="ko-KR" altLang="ko-KR" sz="900" b="0" i="0" u="none" strike="noStrike" cap="none" normalizeH="0" baseline="0" dirty="0" smtClean="0">
+                <a:ln>
+                  <a:noFill/>
+                </a:ln>
+                <a:solidFill>
+                  <a:srgbClr val="010101"/>
+                </a:solidFill>
+                <a:effectLst/>
+                <a:latin typeface="Consolas" panose="020B0609020204030204" pitchFamily="49" charset="0"/>
+              </a:rPr>
+              <a:t>); </a:t>
+            </a:r>
+            <a:r>
+              <a:rPr kumimoji="0" lang="ko-KR" altLang="ko-KR" sz="900" b="0" i="0" u="none" strike="noStrike" cap="none" normalizeH="0" baseline="0" dirty="0" err="1" smtClean="0">
+                <a:ln>
+                  <a:noFill/>
+                </a:ln>
+                <a:solidFill>
+                  <a:srgbClr val="010101"/>
+                </a:solidFill>
+                <a:effectLst/>
+                <a:latin typeface="Consolas" panose="020B0609020204030204" pitchFamily="49" charset="0"/>
+              </a:rPr>
+              <a:t>i</a:t>
+            </a:r>
+            <a:r>
+              <a:rPr kumimoji="0" lang="ko-KR" altLang="ko-KR" sz="900" b="0" i="0" u="none" strike="noStrike" cap="none" normalizeH="0" baseline="0" dirty="0" smtClean="0">
+                <a:ln>
+                  <a:noFill/>
+                </a:ln>
+                <a:solidFill>
+                  <a:srgbClr val="A71D5D"/>
+                </a:solidFill>
+                <a:effectLst/>
+                <a:latin typeface="Consolas" panose="020B0609020204030204" pitchFamily="49" charset="0"/>
+              </a:rPr>
+              <a:t>++</a:t>
+            </a:r>
+            <a:r>
+              <a:rPr kumimoji="0" lang="ko-KR" altLang="ko-KR" sz="900" b="0" i="0" u="none" strike="noStrike" cap="none" normalizeH="0" baseline="0" dirty="0" smtClean="0">
+                <a:ln>
+                  <a:noFill/>
+                </a:ln>
+                <a:solidFill>
+                  <a:srgbClr val="010101"/>
+                </a:solidFill>
+                <a:effectLst/>
+                <a:latin typeface="Consolas" panose="020B0609020204030204" pitchFamily="49" charset="0"/>
+              </a:rPr>
+              <a:t>)</a:t>
+            </a:r>
+          </a:p>
+          <a:p>
+            <a:pPr lvl="1" eaLnBrk="0" fontAlgn="base" latinLnBrk="0" hangingPunct="0">
+              <a:spcBef>
+                <a:spcPct val="0"/>
+              </a:spcBef>
+              <a:spcAft>
+                <a:spcPct val="0"/>
+              </a:spcAft>
+            </a:pPr>
+            <a:r>
+              <a:rPr kumimoji="0" lang="ko-KR" altLang="ko-KR" sz="900" b="0" i="0" u="none" strike="noStrike" cap="none" normalizeH="0" baseline="0" dirty="0" smtClean="0">
+                <a:ln>
+                  <a:noFill/>
+                </a:ln>
+                <a:solidFill>
+                  <a:srgbClr val="010101"/>
+                </a:solidFill>
+                <a:effectLst/>
+                <a:latin typeface="Consolas" panose="020B0609020204030204" pitchFamily="49" charset="0"/>
+              </a:rPr>
+              <a:t>{</a:t>
+            </a:r>
+          </a:p>
+          <a:p>
+            <a:pPr lvl="2" eaLnBrk="0" fontAlgn="base" latinLnBrk="0" hangingPunct="0">
+              <a:spcBef>
+                <a:spcPct val="0"/>
+              </a:spcBef>
+              <a:spcAft>
+                <a:spcPct val="0"/>
+              </a:spcAft>
+            </a:pPr>
+            <a:r>
+              <a:rPr kumimoji="0" lang="ko-KR" altLang="ko-KR" sz="900" b="0" i="0" u="none" strike="noStrike" cap="none" normalizeH="0" baseline="0" dirty="0" err="1" smtClean="0">
+                <a:ln>
+                  <a:noFill/>
+                </a:ln>
+                <a:solidFill>
+                  <a:srgbClr val="066DE2"/>
+                </a:solidFill>
+                <a:effectLst/>
+                <a:latin typeface="Consolas" panose="020B0609020204030204" pitchFamily="49" charset="0"/>
+              </a:rPr>
+              <a:t>string</a:t>
+            </a:r>
+            <a:r>
+              <a:rPr kumimoji="0" lang="ko-KR" altLang="ko-KR" sz="900" b="0" i="0" u="none" strike="noStrike" cap="none" normalizeH="0" baseline="0" dirty="0" smtClean="0">
+                <a:ln>
+                  <a:noFill/>
+                </a:ln>
+                <a:solidFill>
+                  <a:srgbClr val="010101"/>
+                </a:solidFill>
+                <a:effectLst/>
+                <a:latin typeface="Consolas" panose="020B0609020204030204" pitchFamily="49" charset="0"/>
+              </a:rPr>
+              <a:t> </a:t>
+            </a:r>
+            <a:r>
+              <a:rPr kumimoji="0" lang="ko-KR" altLang="ko-KR" sz="900" b="0" i="0" u="none" strike="noStrike" cap="none" normalizeH="0" baseline="0" dirty="0" err="1" smtClean="0">
+                <a:ln>
+                  <a:noFill/>
+                </a:ln>
+                <a:solidFill>
+                  <a:srgbClr val="010101"/>
+                </a:solidFill>
+                <a:effectLst/>
+                <a:latin typeface="Consolas" panose="020B0609020204030204" pitchFamily="49" charset="0"/>
+              </a:rPr>
+              <a:t>dp_type</a:t>
+            </a:r>
+            <a:r>
+              <a:rPr kumimoji="0" lang="ko-KR" altLang="ko-KR" sz="900" b="0" i="0" u="none" strike="noStrike" cap="none" normalizeH="0" baseline="0" dirty="0" smtClean="0">
+                <a:ln>
+                  <a:noFill/>
+                </a:ln>
+                <a:solidFill>
+                  <a:srgbClr val="010101"/>
+                </a:solidFill>
+                <a:effectLst/>
+                <a:latin typeface="Consolas" panose="020B0609020204030204" pitchFamily="49" charset="0"/>
+              </a:rPr>
+              <a:t> </a:t>
+            </a:r>
+            <a:r>
+              <a:rPr kumimoji="0" lang="ko-KR" altLang="ko-KR" sz="900" b="0" i="0" u="none" strike="noStrike" cap="none" normalizeH="0" baseline="0" dirty="0" smtClean="0">
+                <a:ln>
+                  <a:noFill/>
+                </a:ln>
+                <a:solidFill>
+                  <a:srgbClr val="A71D5D"/>
+                </a:solidFill>
+                <a:effectLst/>
+                <a:latin typeface="Consolas" panose="020B0609020204030204" pitchFamily="49" charset="0"/>
+              </a:rPr>
+              <a:t>=</a:t>
+            </a:r>
+            <a:r>
+              <a:rPr kumimoji="0" lang="ko-KR" altLang="ko-KR" sz="900" b="0" i="0" u="none" strike="noStrike" cap="none" normalizeH="0" baseline="0" dirty="0" smtClean="0">
+                <a:ln>
+                  <a:noFill/>
+                </a:ln>
+                <a:solidFill>
+                  <a:srgbClr val="010101"/>
+                </a:solidFill>
+                <a:effectLst/>
+                <a:latin typeface="Consolas" panose="020B0609020204030204" pitchFamily="49" charset="0"/>
+              </a:rPr>
+              <a:t> </a:t>
+            </a:r>
+            <a:r>
+              <a:rPr kumimoji="0" lang="ko-KR" altLang="ko-KR" sz="900" b="0" i="0" u="none" strike="noStrike" cap="none" normalizeH="0" baseline="0" dirty="0" err="1" smtClean="0">
+                <a:ln>
+                  <a:noFill/>
+                </a:ln>
+                <a:solidFill>
+                  <a:srgbClr val="010101"/>
+                </a:solidFill>
+                <a:effectLst/>
+                <a:latin typeface="Consolas" panose="020B0609020204030204" pitchFamily="49" charset="0"/>
+              </a:rPr>
+              <a:t>cfg_dp_type_list</a:t>
+            </a:r>
+            <a:r>
+              <a:rPr kumimoji="0" lang="ko-KR" altLang="ko-KR" sz="900" b="0" i="0" u="none" strike="noStrike" cap="none" normalizeH="0" baseline="0" dirty="0" smtClean="0">
+                <a:ln>
+                  <a:noFill/>
+                </a:ln>
+                <a:solidFill>
+                  <a:srgbClr val="010101"/>
+                </a:solidFill>
+                <a:effectLst/>
+                <a:latin typeface="Consolas" panose="020B0609020204030204" pitchFamily="49" charset="0"/>
+              </a:rPr>
+              <a:t>[</a:t>
+            </a:r>
+            <a:r>
+              <a:rPr kumimoji="0" lang="ko-KR" altLang="ko-KR" sz="900" b="0" i="0" u="none" strike="noStrike" cap="none" normalizeH="0" baseline="0" dirty="0" err="1" smtClean="0">
+                <a:ln>
+                  <a:noFill/>
+                </a:ln>
+                <a:solidFill>
+                  <a:srgbClr val="010101"/>
+                </a:solidFill>
+                <a:effectLst/>
+                <a:latin typeface="Consolas" panose="020B0609020204030204" pitchFamily="49" charset="0"/>
+              </a:rPr>
+              <a:t>i</a:t>
+            </a:r>
+            <a:r>
+              <a:rPr kumimoji="0" lang="ko-KR" altLang="ko-KR" sz="900" b="0" i="0" u="none" strike="noStrike" cap="none" normalizeH="0" baseline="0" dirty="0" smtClean="0">
+                <a:ln>
+                  <a:noFill/>
+                </a:ln>
+                <a:solidFill>
+                  <a:srgbClr val="010101"/>
+                </a:solidFill>
+                <a:effectLst/>
+                <a:latin typeface="Consolas" panose="020B0609020204030204" pitchFamily="49" charset="0"/>
+              </a:rPr>
+              <a:t>];</a:t>
+            </a:r>
+          </a:p>
+          <a:p>
+            <a:pPr lvl="2" eaLnBrk="0" fontAlgn="base" latinLnBrk="0" hangingPunct="0">
+              <a:spcBef>
+                <a:spcPct val="0"/>
+              </a:spcBef>
+              <a:spcAft>
+                <a:spcPct val="0"/>
+              </a:spcAft>
+            </a:pPr>
+            <a:r>
+              <a:rPr kumimoji="0" lang="ko-KR" altLang="ko-KR" sz="900" b="0" i="0" u="none" strike="noStrike" cap="none" normalizeH="0" baseline="0" dirty="0" err="1" smtClean="0">
+                <a:ln>
+                  <a:noFill/>
+                </a:ln>
+                <a:solidFill>
+                  <a:srgbClr val="010101"/>
+                </a:solidFill>
+                <a:effectLst/>
+                <a:latin typeface="Consolas" panose="020B0609020204030204" pitchFamily="49" charset="0"/>
+              </a:rPr>
+              <a:t>query</a:t>
+            </a:r>
+            <a:r>
+              <a:rPr kumimoji="0" lang="ko-KR" altLang="ko-KR" sz="900" b="0" i="0" u="none" strike="noStrike" cap="none" normalizeH="0" baseline="0" dirty="0" smtClean="0">
+                <a:ln>
+                  <a:noFill/>
+                </a:ln>
+                <a:solidFill>
+                  <a:srgbClr val="010101"/>
+                </a:solidFill>
+                <a:effectLst/>
+                <a:latin typeface="Consolas" panose="020B0609020204030204" pitchFamily="49" charset="0"/>
+              </a:rPr>
+              <a:t> </a:t>
+            </a:r>
+            <a:r>
+              <a:rPr kumimoji="0" lang="ko-KR" altLang="ko-KR" sz="900" b="0" i="0" u="none" strike="noStrike" cap="none" normalizeH="0" baseline="0" dirty="0" smtClean="0">
+                <a:ln>
+                  <a:noFill/>
+                </a:ln>
+                <a:solidFill>
+                  <a:srgbClr val="A71D5D"/>
+                </a:solidFill>
+                <a:effectLst/>
+                <a:latin typeface="Consolas" panose="020B0609020204030204" pitchFamily="49" charset="0"/>
+              </a:rPr>
+              <a:t>=</a:t>
+            </a:r>
+            <a:r>
+              <a:rPr kumimoji="0" lang="ko-KR" altLang="ko-KR" sz="900" b="0" i="0" u="none" strike="noStrike" cap="none" normalizeH="0" baseline="0" dirty="0" smtClean="0">
+                <a:ln>
+                  <a:noFill/>
+                </a:ln>
+                <a:solidFill>
+                  <a:srgbClr val="010101"/>
+                </a:solidFill>
+                <a:effectLst/>
+                <a:latin typeface="Consolas" panose="020B0609020204030204" pitchFamily="49" charset="0"/>
+              </a:rPr>
+              <a:t> </a:t>
+            </a:r>
+            <a:r>
+              <a:rPr kumimoji="0" lang="ko-KR" altLang="ko-KR" sz="900" b="0" i="0" u="none" strike="noStrike" cap="none" normalizeH="0" baseline="0" dirty="0" smtClean="0">
+                <a:ln>
+                  <a:noFill/>
+                </a:ln>
+                <a:solidFill>
+                  <a:srgbClr val="63A35C"/>
+                </a:solidFill>
+                <a:effectLst/>
+                <a:latin typeface="Consolas" panose="020B0609020204030204" pitchFamily="49" charset="0"/>
+              </a:rPr>
+              <a:t>"</a:t>
+            </a:r>
+            <a:r>
+              <a:rPr kumimoji="0" lang="ko-KR" altLang="ko-KR" sz="900" b="0" i="0" u="none" strike="noStrike" cap="none" normalizeH="0" baseline="0" dirty="0" err="1" smtClean="0">
+                <a:ln>
+                  <a:noFill/>
+                </a:ln>
+                <a:solidFill>
+                  <a:srgbClr val="63A35C"/>
+                </a:solidFill>
+                <a:effectLst/>
+                <a:latin typeface="Consolas" panose="020B0609020204030204" pitchFamily="49" charset="0"/>
+              </a:rPr>
+              <a:t>SELECT</a:t>
+            </a:r>
+            <a:r>
+              <a:rPr kumimoji="0" lang="ko-KR" altLang="ko-KR" sz="900" b="0" i="0" u="none" strike="noStrike" cap="none" normalizeH="0" baseline="0" dirty="0" smtClean="0">
+                <a:ln>
+                  <a:noFill/>
+                </a:ln>
+                <a:solidFill>
+                  <a:srgbClr val="63A35C"/>
+                </a:solidFill>
+                <a:effectLst/>
+                <a:latin typeface="Consolas" panose="020B0609020204030204" pitchFamily="49" charset="0"/>
+              </a:rPr>
+              <a:t> '_</a:t>
+            </a:r>
+            <a:r>
+              <a:rPr kumimoji="0" lang="ko-KR" altLang="ko-KR" sz="900" b="0" i="0" u="none" strike="noStrike" cap="none" normalizeH="0" baseline="0" dirty="0" err="1" smtClean="0">
+                <a:ln>
+                  <a:noFill/>
+                </a:ln>
+                <a:solidFill>
+                  <a:srgbClr val="63A35C"/>
+                </a:solidFill>
+                <a:effectLst/>
+                <a:latin typeface="Consolas" panose="020B0609020204030204" pitchFamily="49" charset="0"/>
+              </a:rPr>
+              <a:t>online</a:t>
+            </a:r>
+            <a:r>
+              <a:rPr kumimoji="0" lang="ko-KR" altLang="ko-KR" sz="900" b="0" i="0" u="none" strike="noStrike" cap="none" normalizeH="0" baseline="0" dirty="0" smtClean="0">
+                <a:ln>
+                  <a:noFill/>
+                </a:ln>
+                <a:solidFill>
+                  <a:srgbClr val="63A35C"/>
+                </a:solidFill>
+                <a:effectLst/>
+                <a:latin typeface="Consolas" panose="020B0609020204030204" pitchFamily="49" charset="0"/>
+              </a:rPr>
+              <a:t>.._</a:t>
+            </a:r>
+            <a:r>
+              <a:rPr kumimoji="0" lang="ko-KR" altLang="ko-KR" sz="900" b="0" i="0" u="none" strike="noStrike" cap="none" normalizeH="0" baseline="0" dirty="0" err="1" smtClean="0">
+                <a:ln>
+                  <a:noFill/>
+                </a:ln>
+                <a:solidFill>
+                  <a:srgbClr val="63A35C"/>
+                </a:solidFill>
+                <a:effectLst/>
+                <a:latin typeface="Consolas" panose="020B0609020204030204" pitchFamily="49" charset="0"/>
+              </a:rPr>
+              <a:t>value</a:t>
+            </a:r>
+            <a:r>
+              <a:rPr kumimoji="0" lang="ko-KR" altLang="ko-KR" sz="900" b="0" i="0" u="none" strike="noStrike" cap="none" normalizeH="0" baseline="0" dirty="0" smtClean="0">
+                <a:ln>
+                  <a:noFill/>
+                </a:ln>
+                <a:solidFill>
+                  <a:srgbClr val="63A35C"/>
+                </a:solidFill>
+                <a:effectLst/>
+                <a:latin typeface="Consolas" panose="020B0609020204030204" pitchFamily="49" charset="0"/>
+              </a:rPr>
+              <a:t>' </a:t>
+            </a:r>
+            <a:r>
+              <a:rPr kumimoji="0" lang="ko-KR" altLang="ko-KR" sz="900" b="0" i="0" u="none" strike="noStrike" cap="none" normalizeH="0" baseline="0" dirty="0" err="1" smtClean="0">
+                <a:ln>
+                  <a:noFill/>
+                </a:ln>
+                <a:solidFill>
+                  <a:srgbClr val="63A35C"/>
+                </a:solidFill>
+                <a:effectLst/>
+                <a:latin typeface="Consolas" panose="020B0609020204030204" pitchFamily="49" charset="0"/>
+              </a:rPr>
+              <a:t>FROM</a:t>
+            </a:r>
+            <a:r>
+              <a:rPr kumimoji="0" lang="ko-KR" altLang="ko-KR" sz="900" b="0" i="0" u="none" strike="noStrike" cap="none" normalizeH="0" baseline="0" dirty="0" smtClean="0">
+                <a:ln>
+                  <a:noFill/>
+                </a:ln>
+                <a:solidFill>
+                  <a:srgbClr val="63A35C"/>
+                </a:solidFill>
+                <a:effectLst/>
+                <a:latin typeface="Consolas" panose="020B0609020204030204" pitchFamily="49" charset="0"/>
+              </a:rPr>
+              <a:t> "</a:t>
+            </a:r>
+            <a:r>
+              <a:rPr kumimoji="0" lang="ko-KR" altLang="ko-KR" sz="900" b="0" i="0" u="none" strike="noStrike" cap="none" normalizeH="0" baseline="0" dirty="0" smtClean="0">
+                <a:ln>
+                  <a:noFill/>
+                </a:ln>
+                <a:solidFill>
+                  <a:srgbClr val="010101"/>
+                </a:solidFill>
+                <a:effectLst/>
+                <a:latin typeface="Consolas" panose="020B0609020204030204" pitchFamily="49" charset="0"/>
+              </a:rPr>
+              <a:t> </a:t>
+            </a:r>
+            <a:r>
+              <a:rPr kumimoji="0" lang="ko-KR" altLang="ko-KR" sz="900" b="0" i="0" u="none" strike="noStrike" cap="none" normalizeH="0" baseline="0" dirty="0" smtClean="0">
+                <a:ln>
+                  <a:noFill/>
+                </a:ln>
+                <a:solidFill>
+                  <a:srgbClr val="A71D5D"/>
+                </a:solidFill>
+                <a:effectLst/>
+                <a:latin typeface="Consolas" panose="020B0609020204030204" pitchFamily="49" charset="0"/>
+              </a:rPr>
+              <a:t>+</a:t>
+            </a:r>
+            <a:r>
+              <a:rPr kumimoji="0" lang="ko-KR" altLang="ko-KR" sz="900" b="0" i="0" u="none" strike="noStrike" cap="none" normalizeH="0" baseline="0" dirty="0" smtClean="0">
+                <a:ln>
+                  <a:noFill/>
+                </a:ln>
+                <a:solidFill>
+                  <a:srgbClr val="010101"/>
+                </a:solidFill>
+                <a:effectLst/>
+                <a:latin typeface="Consolas" panose="020B0609020204030204" pitchFamily="49" charset="0"/>
+              </a:rPr>
+              <a:t> </a:t>
+            </a:r>
+            <a:r>
+              <a:rPr kumimoji="0" lang="ko-KR" altLang="ko-KR" sz="900" b="0" i="0" u="none" strike="noStrike" cap="none" normalizeH="0" baseline="0" dirty="0" err="1" smtClean="0">
+                <a:ln>
+                  <a:noFill/>
+                </a:ln>
+                <a:solidFill>
+                  <a:srgbClr val="010101"/>
+                </a:solidFill>
+                <a:effectLst/>
+                <a:latin typeface="Consolas" panose="020B0609020204030204" pitchFamily="49" charset="0"/>
+              </a:rPr>
+              <a:t>str_from</a:t>
+            </a:r>
+            <a:r>
+              <a:rPr kumimoji="0" lang="ko-KR" altLang="ko-KR" sz="900" b="0" i="0" u="none" strike="noStrike" cap="none" normalizeH="0" baseline="0" dirty="0" smtClean="0">
+                <a:ln>
+                  <a:noFill/>
+                </a:ln>
+                <a:solidFill>
+                  <a:srgbClr val="010101"/>
+                </a:solidFill>
+                <a:effectLst/>
+                <a:latin typeface="Consolas" panose="020B0609020204030204" pitchFamily="49" charset="0"/>
+              </a:rPr>
+              <a:t>(</a:t>
+            </a:r>
+            <a:r>
+              <a:rPr kumimoji="0" lang="ko-KR" altLang="ko-KR" sz="900" b="0" i="0" u="none" strike="noStrike" cap="none" normalizeH="0" baseline="0" dirty="0" err="1" smtClean="0">
+                <a:ln>
+                  <a:noFill/>
+                </a:ln>
+                <a:solidFill>
+                  <a:srgbClr val="010101"/>
+                </a:solidFill>
+                <a:effectLst/>
+                <a:latin typeface="Consolas" panose="020B0609020204030204" pitchFamily="49" charset="0"/>
+              </a:rPr>
+              <a:t>cfg_cmdchktm_para</a:t>
+            </a:r>
+            <a:r>
+              <a:rPr kumimoji="0" lang="ko-KR" altLang="ko-KR" sz="900" b="0" i="0" u="none" strike="noStrike" cap="none" normalizeH="0" baseline="0" dirty="0" smtClean="0">
+                <a:ln>
+                  <a:noFill/>
+                </a:ln>
+                <a:solidFill>
+                  <a:srgbClr val="010101"/>
+                </a:solidFill>
+                <a:effectLst/>
+                <a:latin typeface="Consolas" panose="020B0609020204030204" pitchFamily="49" charset="0"/>
+              </a:rPr>
+              <a:t>) </a:t>
+            </a:r>
+            <a:r>
+              <a:rPr kumimoji="0" lang="ko-KR" altLang="ko-KR" sz="900" b="0" i="0" u="none" strike="noStrike" cap="none" normalizeH="0" baseline="0" dirty="0" smtClean="0">
+                <a:ln>
+                  <a:noFill/>
+                </a:ln>
+                <a:solidFill>
+                  <a:srgbClr val="A71D5D"/>
+                </a:solidFill>
+                <a:effectLst/>
+                <a:latin typeface="Consolas" panose="020B0609020204030204" pitchFamily="49" charset="0"/>
+              </a:rPr>
+              <a:t>+</a:t>
+            </a:r>
+            <a:r>
+              <a:rPr kumimoji="0" lang="ko-KR" altLang="ko-KR" sz="900" b="0" i="0" u="none" strike="noStrike" cap="none" normalizeH="0" baseline="0" dirty="0" smtClean="0">
+                <a:ln>
+                  <a:noFill/>
+                </a:ln>
+                <a:solidFill>
+                  <a:srgbClr val="010101"/>
+                </a:solidFill>
+                <a:effectLst/>
+                <a:latin typeface="Consolas" panose="020B0609020204030204" pitchFamily="49" charset="0"/>
+              </a:rPr>
+              <a:t> </a:t>
+            </a:r>
+            <a:r>
+              <a:rPr kumimoji="0" lang="ko-KR" altLang="ko-KR" sz="900" b="0" i="0" u="none" strike="noStrike" cap="none" normalizeH="0" baseline="0" dirty="0" smtClean="0">
+                <a:ln>
+                  <a:noFill/>
+                </a:ln>
+                <a:solidFill>
+                  <a:srgbClr val="63A35C"/>
+                </a:solidFill>
+                <a:effectLst/>
+                <a:latin typeface="Consolas" panose="020B0609020204030204" pitchFamily="49" charset="0"/>
+              </a:rPr>
+              <a:t>" </a:t>
+            </a:r>
+            <a:r>
+              <a:rPr kumimoji="0" lang="ko-KR" altLang="ko-KR" sz="900" b="0" i="0" u="none" strike="noStrike" cap="none" normalizeH="0" baseline="0" dirty="0" err="1" smtClean="0">
+                <a:ln>
+                  <a:noFill/>
+                </a:ln>
+                <a:solidFill>
+                  <a:srgbClr val="63A35C"/>
+                </a:solidFill>
+                <a:effectLst/>
+                <a:latin typeface="Consolas" panose="020B0609020204030204" pitchFamily="49" charset="0"/>
+              </a:rPr>
+              <a:t>WHERE</a:t>
+            </a:r>
+            <a:r>
+              <a:rPr kumimoji="0" lang="ko-KR" altLang="ko-KR" sz="900" b="0" i="0" u="none" strike="noStrike" cap="none" normalizeH="0" baseline="0" dirty="0" smtClean="0">
+                <a:ln>
+                  <a:noFill/>
+                </a:ln>
+                <a:solidFill>
+                  <a:srgbClr val="63A35C"/>
+                </a:solidFill>
+                <a:effectLst/>
+                <a:latin typeface="Consolas" panose="020B0609020204030204" pitchFamily="49" charset="0"/>
+              </a:rPr>
+              <a:t> "</a:t>
+            </a:r>
+            <a:r>
+              <a:rPr kumimoji="0" lang="ko-KR" altLang="ko-KR" sz="900" b="0" i="0" u="none" strike="noStrike" cap="none" normalizeH="0" baseline="0" dirty="0" smtClean="0">
+                <a:ln>
+                  <a:noFill/>
+                </a:ln>
+                <a:solidFill>
+                  <a:srgbClr val="010101"/>
+                </a:solidFill>
+                <a:effectLst/>
+                <a:latin typeface="Consolas" panose="020B0609020204030204" pitchFamily="49" charset="0"/>
+              </a:rPr>
+              <a:t> </a:t>
+            </a:r>
+            <a:r>
+              <a:rPr kumimoji="0" lang="ko-KR" altLang="ko-KR" sz="900" b="0" i="0" u="none" strike="noStrike" cap="none" normalizeH="0" baseline="0" dirty="0" smtClean="0">
+                <a:ln>
+                  <a:noFill/>
+                </a:ln>
+                <a:solidFill>
+                  <a:srgbClr val="A71D5D"/>
+                </a:solidFill>
+                <a:effectLst/>
+                <a:latin typeface="Consolas" panose="020B0609020204030204" pitchFamily="49" charset="0"/>
+              </a:rPr>
+              <a:t>+</a:t>
+            </a:r>
+            <a:r>
+              <a:rPr kumimoji="0" lang="ko-KR" altLang="ko-KR" sz="900" b="0" i="0" u="none" strike="noStrike" cap="none" normalizeH="0" baseline="0" dirty="0" smtClean="0">
+                <a:ln>
+                  <a:noFill/>
+                </a:ln>
+                <a:solidFill>
+                  <a:srgbClr val="010101"/>
+                </a:solidFill>
+                <a:effectLst/>
+                <a:latin typeface="Consolas" panose="020B0609020204030204" pitchFamily="49" charset="0"/>
+              </a:rPr>
+              <a:t> </a:t>
+            </a:r>
+            <a:r>
+              <a:rPr kumimoji="0" lang="ko-KR" altLang="ko-KR" sz="900" b="0" i="0" u="none" strike="noStrike" cap="none" normalizeH="0" baseline="0" dirty="0" err="1" smtClean="0">
+                <a:ln>
+                  <a:noFill/>
+                </a:ln>
+                <a:solidFill>
+                  <a:srgbClr val="010101"/>
+                </a:solidFill>
+                <a:effectLst/>
+                <a:latin typeface="Consolas" panose="020B0609020204030204" pitchFamily="49" charset="0"/>
+              </a:rPr>
+              <a:t>str_where</a:t>
+            </a:r>
+            <a:r>
+              <a:rPr kumimoji="0" lang="ko-KR" altLang="ko-KR" sz="900" b="0" i="0" u="none" strike="noStrike" cap="none" normalizeH="0" baseline="0" dirty="0" smtClean="0">
+                <a:ln>
+                  <a:noFill/>
+                </a:ln>
+                <a:solidFill>
+                  <a:srgbClr val="010101"/>
+                </a:solidFill>
+                <a:effectLst/>
+                <a:latin typeface="Consolas" panose="020B0609020204030204" pitchFamily="49" charset="0"/>
+              </a:rPr>
+              <a:t>(</a:t>
+            </a:r>
+            <a:r>
+              <a:rPr kumimoji="0" lang="ko-KR" altLang="ko-KR" sz="900" b="0" i="0" u="none" strike="noStrike" cap="none" normalizeH="0" baseline="0" dirty="0" err="1" smtClean="0">
+                <a:ln>
+                  <a:noFill/>
+                </a:ln>
+                <a:solidFill>
+                  <a:srgbClr val="010101"/>
+                </a:solidFill>
+                <a:effectLst/>
+                <a:latin typeface="Consolas" panose="020B0609020204030204" pitchFamily="49" charset="0"/>
+              </a:rPr>
+              <a:t>dp_type</a:t>
+            </a:r>
+            <a:r>
+              <a:rPr kumimoji="0" lang="ko-KR" altLang="ko-KR" sz="900" b="0" i="0" u="none" strike="noStrike" cap="none" normalizeH="0" baseline="0" dirty="0" smtClean="0">
+                <a:ln>
+                  <a:noFill/>
+                </a:ln>
+                <a:solidFill>
+                  <a:srgbClr val="010101"/>
+                </a:solidFill>
+                <a:effectLst/>
+                <a:latin typeface="Consolas" panose="020B0609020204030204" pitchFamily="49" charset="0"/>
+              </a:rPr>
+              <a:t>);</a:t>
+            </a:r>
+          </a:p>
+          <a:p>
+            <a:pPr lvl="2" eaLnBrk="0" fontAlgn="base" latinLnBrk="0" hangingPunct="0">
+              <a:spcBef>
+                <a:spcPct val="0"/>
+              </a:spcBef>
+              <a:spcAft>
+                <a:spcPct val="0"/>
+              </a:spcAft>
+            </a:pPr>
+            <a:r>
+              <a:rPr kumimoji="0" lang="ko-KR" altLang="ko-KR" sz="900" b="0" i="0" u="none" strike="noStrike" cap="none" normalizeH="0" baseline="0" dirty="0" err="1" smtClean="0">
+                <a:ln>
+                  <a:noFill/>
+                </a:ln>
+                <a:solidFill>
+                  <a:srgbClr val="A71D5D"/>
+                </a:solidFill>
+                <a:effectLst/>
+                <a:latin typeface="Consolas" panose="020B0609020204030204" pitchFamily="49" charset="0"/>
+              </a:rPr>
+              <a:t>if</a:t>
+            </a:r>
+            <a:r>
+              <a:rPr kumimoji="0" lang="ko-KR" altLang="ko-KR" sz="900" b="0" i="0" u="none" strike="noStrike" cap="none" normalizeH="0" baseline="0" dirty="0" smtClean="0">
+                <a:ln>
+                  <a:noFill/>
+                </a:ln>
+                <a:solidFill>
+                  <a:srgbClr val="010101"/>
+                </a:solidFill>
+                <a:effectLst/>
+                <a:latin typeface="Consolas" panose="020B0609020204030204" pitchFamily="49" charset="0"/>
+              </a:rPr>
+              <a:t> (</a:t>
+            </a:r>
+            <a:r>
+              <a:rPr kumimoji="0" lang="ko-KR" altLang="ko-KR" sz="900" b="0" i="0" u="none" strike="noStrike" cap="none" normalizeH="0" baseline="0" dirty="0" err="1" smtClean="0">
+                <a:ln>
+                  <a:noFill/>
+                </a:ln>
+                <a:solidFill>
+                  <a:srgbClr val="010101"/>
+                </a:solidFill>
+                <a:effectLst/>
+                <a:latin typeface="Consolas" panose="020B0609020204030204" pitchFamily="49" charset="0"/>
+              </a:rPr>
+              <a:t>init_mapping</a:t>
+            </a:r>
+            <a:r>
+              <a:rPr kumimoji="0" lang="ko-KR" altLang="ko-KR" sz="900" b="0" i="0" u="none" strike="noStrike" cap="none" normalizeH="0" baseline="0" dirty="0" smtClean="0">
+                <a:ln>
+                  <a:noFill/>
+                </a:ln>
+                <a:solidFill>
+                  <a:srgbClr val="010101"/>
+                </a:solidFill>
+                <a:effectLst/>
+                <a:latin typeface="Consolas" panose="020B0609020204030204" pitchFamily="49" charset="0"/>
+              </a:rPr>
+              <a:t>(</a:t>
+            </a:r>
+            <a:r>
+              <a:rPr kumimoji="0" lang="ko-KR" altLang="ko-KR" sz="900" b="0" i="0" u="none" strike="noStrike" cap="none" normalizeH="0" baseline="0" dirty="0" err="1" smtClean="0">
+                <a:ln>
+                  <a:noFill/>
+                </a:ln>
+                <a:solidFill>
+                  <a:srgbClr val="010101"/>
+                </a:solidFill>
+                <a:effectLst/>
+                <a:latin typeface="Consolas" panose="020B0609020204030204" pitchFamily="49" charset="0"/>
+              </a:rPr>
+              <a:t>query</a:t>
+            </a:r>
+            <a:r>
+              <a:rPr kumimoji="0" lang="ko-KR" altLang="ko-KR" sz="900" b="0" i="0" u="none" strike="noStrike" cap="none" normalizeH="0" baseline="0" dirty="0" smtClean="0">
+                <a:ln>
+                  <a:noFill/>
+                </a:ln>
+                <a:solidFill>
+                  <a:srgbClr val="010101"/>
+                </a:solidFill>
+                <a:effectLst/>
+                <a:latin typeface="Consolas" panose="020B0609020204030204" pitchFamily="49" charset="0"/>
+              </a:rPr>
+              <a:t>) </a:t>
+            </a:r>
+            <a:r>
+              <a:rPr kumimoji="0" lang="ko-KR" altLang="ko-KR" sz="900" b="0" i="0" u="none" strike="noStrike" cap="none" normalizeH="0" baseline="0" dirty="0" smtClean="0">
+                <a:ln>
+                  <a:noFill/>
+                </a:ln>
+                <a:solidFill>
+                  <a:srgbClr val="A71D5D"/>
+                </a:solidFill>
+                <a:effectLst/>
+                <a:latin typeface="Consolas" panose="020B0609020204030204" pitchFamily="49" charset="0"/>
+              </a:rPr>
+              <a:t>==</a:t>
+            </a:r>
+            <a:r>
+              <a:rPr kumimoji="0" lang="ko-KR" altLang="ko-KR" sz="900" b="0" i="0" u="none" strike="noStrike" cap="none" normalizeH="0" baseline="0" dirty="0" smtClean="0">
+                <a:ln>
+                  <a:noFill/>
+                </a:ln>
+                <a:solidFill>
+                  <a:srgbClr val="010101"/>
+                </a:solidFill>
+                <a:effectLst/>
+                <a:latin typeface="Consolas" panose="020B0609020204030204" pitchFamily="49" charset="0"/>
+              </a:rPr>
+              <a:t> </a:t>
+            </a:r>
+            <a:r>
+              <a:rPr kumimoji="0" lang="ko-KR" altLang="ko-KR" sz="900" b="0" i="0" u="none" strike="noStrike" cap="none" normalizeH="0" baseline="0" dirty="0" err="1" smtClean="0">
+                <a:ln>
+                  <a:noFill/>
+                </a:ln>
+                <a:solidFill>
+                  <a:srgbClr val="A71D5D"/>
+                </a:solidFill>
+                <a:effectLst/>
+                <a:latin typeface="Consolas" panose="020B0609020204030204" pitchFamily="49" charset="0"/>
+              </a:rPr>
+              <a:t>true</a:t>
+            </a:r>
+            <a:r>
+              <a:rPr kumimoji="0" lang="ko-KR" altLang="ko-KR" sz="900" b="0" i="0" u="none" strike="noStrike" cap="none" normalizeH="0" baseline="0" dirty="0" smtClean="0">
+                <a:ln>
+                  <a:noFill/>
+                </a:ln>
+                <a:solidFill>
+                  <a:srgbClr val="010101"/>
+                </a:solidFill>
+                <a:effectLst/>
+                <a:latin typeface="Consolas" panose="020B0609020204030204" pitchFamily="49" charset="0"/>
+              </a:rPr>
+              <a:t>)</a:t>
+            </a:r>
+          </a:p>
+          <a:p>
+            <a:pPr lvl="2" eaLnBrk="0" fontAlgn="base" latinLnBrk="0" hangingPunct="0">
+              <a:spcBef>
+                <a:spcPct val="0"/>
+              </a:spcBef>
+              <a:spcAft>
+                <a:spcPct val="0"/>
+              </a:spcAft>
+            </a:pPr>
+            <a:r>
+              <a:rPr kumimoji="0" lang="ko-KR" altLang="ko-KR" sz="900" b="0" i="0" u="none" strike="noStrike" cap="none" normalizeH="0" baseline="0" dirty="0" smtClean="0">
+                <a:ln>
+                  <a:noFill/>
+                </a:ln>
+                <a:solidFill>
+                  <a:srgbClr val="010101"/>
+                </a:solidFill>
+                <a:effectLst/>
+                <a:latin typeface="Consolas" panose="020B0609020204030204" pitchFamily="49" charset="0"/>
+              </a:rPr>
+              <a:t>{</a:t>
+            </a:r>
+          </a:p>
+          <a:p>
+            <a:pPr lvl="3" eaLnBrk="0" fontAlgn="base" latinLnBrk="0" hangingPunct="0">
+              <a:spcBef>
+                <a:spcPct val="0"/>
+              </a:spcBef>
+              <a:spcAft>
+                <a:spcPct val="0"/>
+              </a:spcAft>
+            </a:pPr>
+            <a:r>
+              <a:rPr kumimoji="0" lang="ko-KR" altLang="ko-KR" sz="900" b="0" i="0" u="none" strike="noStrike" cap="none" normalizeH="0" baseline="0" dirty="0" err="1" smtClean="0">
+                <a:ln>
+                  <a:noFill/>
+                </a:ln>
+                <a:solidFill>
+                  <a:srgbClr val="010101"/>
+                </a:solidFill>
+                <a:effectLst/>
+                <a:latin typeface="Consolas" panose="020B0609020204030204" pitchFamily="49" charset="0"/>
+              </a:rPr>
+              <a:t>writeLog</a:t>
+            </a:r>
+            <a:r>
+              <a:rPr kumimoji="0" lang="ko-KR" altLang="ko-KR" sz="900" b="0" i="0" u="none" strike="noStrike" cap="none" normalizeH="0" baseline="0" dirty="0" smtClean="0">
+                <a:ln>
+                  <a:noFill/>
+                </a:ln>
+                <a:solidFill>
+                  <a:srgbClr val="010101"/>
+                </a:solidFill>
+                <a:effectLst/>
+                <a:latin typeface="Consolas" panose="020B0609020204030204" pitchFamily="49" charset="0"/>
+              </a:rPr>
+              <a:t>(</a:t>
+            </a:r>
+            <a:r>
+              <a:rPr kumimoji="0" lang="ko-KR" altLang="ko-KR" sz="900" b="0" i="0" u="none" strike="noStrike" cap="none" normalizeH="0" baseline="0" dirty="0" err="1" smtClean="0">
+                <a:ln>
+                  <a:noFill/>
+                </a:ln>
+                <a:solidFill>
+                  <a:srgbClr val="010101"/>
+                </a:solidFill>
+                <a:effectLst/>
+                <a:latin typeface="Consolas" panose="020B0609020204030204" pitchFamily="49" charset="0"/>
+              </a:rPr>
+              <a:t>g_script_name</a:t>
+            </a:r>
+            <a:r>
+              <a:rPr kumimoji="0" lang="ko-KR" altLang="ko-KR" sz="900" b="0" i="0" u="none" strike="noStrike" cap="none" normalizeH="0" baseline="0" dirty="0" smtClean="0">
+                <a:ln>
+                  <a:noFill/>
+                </a:ln>
+                <a:solidFill>
+                  <a:srgbClr val="010101"/>
+                </a:solidFill>
+                <a:effectLst/>
+                <a:latin typeface="Consolas" panose="020B0609020204030204" pitchFamily="49" charset="0"/>
+              </a:rPr>
+              <a:t>, </a:t>
+            </a:r>
+            <a:r>
+              <a:rPr kumimoji="0" lang="ko-KR" altLang="ko-KR" sz="900" b="0" i="0" u="none" strike="noStrike" cap="none" normalizeH="0" baseline="0" dirty="0" smtClean="0">
+                <a:ln>
+                  <a:noFill/>
+                </a:ln>
+                <a:solidFill>
+                  <a:srgbClr val="63A35C"/>
+                </a:solidFill>
+                <a:effectLst/>
+                <a:latin typeface="Consolas" panose="020B0609020204030204" pitchFamily="49" charset="0"/>
+              </a:rPr>
+              <a:t>"3. </a:t>
+            </a:r>
+            <a:r>
+              <a:rPr kumimoji="0" lang="ko-KR" altLang="ko-KR" sz="900" b="0" i="0" u="none" strike="noStrike" cap="none" normalizeH="0" baseline="0" dirty="0" err="1" smtClean="0">
+                <a:ln>
+                  <a:noFill/>
+                </a:ln>
+                <a:solidFill>
+                  <a:srgbClr val="63A35C"/>
+                </a:solidFill>
+                <a:effectLst/>
+                <a:latin typeface="Consolas" panose="020B0609020204030204" pitchFamily="49" charset="0"/>
+              </a:rPr>
+              <a:t>init_mapping</a:t>
+            </a:r>
+            <a:r>
+              <a:rPr kumimoji="0" lang="ko-KR" altLang="ko-KR" sz="900" b="0" i="0" u="none" strike="noStrike" cap="none" normalizeH="0" baseline="0" dirty="0" smtClean="0">
+                <a:ln>
+                  <a:noFill/>
+                </a:ln>
+                <a:solidFill>
+                  <a:srgbClr val="63A35C"/>
+                </a:solidFill>
+                <a:effectLst/>
+                <a:latin typeface="Consolas" panose="020B0609020204030204" pitchFamily="49" charset="0"/>
+              </a:rPr>
+              <a:t>() - </a:t>
+            </a:r>
+            <a:r>
+              <a:rPr kumimoji="0" lang="ko-KR" altLang="ko-KR" sz="900" b="0" i="0" u="none" strike="noStrike" cap="none" normalizeH="0" baseline="0" dirty="0" err="1" smtClean="0">
+                <a:ln>
+                  <a:noFill/>
+                </a:ln>
+                <a:solidFill>
+                  <a:srgbClr val="63A35C"/>
+                </a:solidFill>
+                <a:effectLst/>
+                <a:latin typeface="Consolas" panose="020B0609020204030204" pitchFamily="49" charset="0"/>
+              </a:rPr>
+              <a:t>init_mapping</a:t>
+            </a:r>
+            <a:r>
+              <a:rPr kumimoji="0" lang="ko-KR" altLang="ko-KR" sz="900" b="0" i="0" u="none" strike="noStrike" cap="none" normalizeH="0" baseline="0" dirty="0" smtClean="0">
+                <a:ln>
+                  <a:noFill/>
+                </a:ln>
+                <a:solidFill>
+                  <a:srgbClr val="63A35C"/>
+                </a:solidFill>
+                <a:effectLst/>
+                <a:latin typeface="Consolas" panose="020B0609020204030204" pitchFamily="49" charset="0"/>
+              </a:rPr>
+              <a:t> </a:t>
+            </a:r>
+            <a:r>
+              <a:rPr kumimoji="0" lang="ko-KR" altLang="ko-KR" sz="900" b="0" i="0" u="none" strike="noStrike" cap="none" normalizeH="0" baseline="0" dirty="0" err="1" smtClean="0">
+                <a:ln>
+                  <a:noFill/>
+                </a:ln>
+                <a:solidFill>
+                  <a:srgbClr val="63A35C"/>
+                </a:solidFill>
+                <a:effectLst/>
+                <a:latin typeface="Consolas" panose="020B0609020204030204" pitchFamily="49" charset="0"/>
+              </a:rPr>
+              <a:t>Load</a:t>
+            </a:r>
+            <a:r>
+              <a:rPr kumimoji="0" lang="ko-KR" altLang="ko-KR" sz="900" b="0" i="0" u="none" strike="noStrike" cap="none" normalizeH="0" baseline="0" dirty="0" smtClean="0">
+                <a:ln>
+                  <a:noFill/>
+                </a:ln>
+                <a:solidFill>
+                  <a:srgbClr val="63A35C"/>
+                </a:solidFill>
+                <a:effectLst/>
+                <a:latin typeface="Consolas" panose="020B0609020204030204" pitchFamily="49" charset="0"/>
+              </a:rPr>
+              <a:t> </a:t>
+            </a:r>
+            <a:r>
+              <a:rPr kumimoji="0" lang="ko-KR" altLang="ko-KR" sz="900" b="0" i="0" u="none" strike="noStrike" cap="none" normalizeH="0" baseline="0" dirty="0" err="1" smtClean="0">
+                <a:ln>
+                  <a:noFill/>
+                </a:ln>
+                <a:solidFill>
+                  <a:srgbClr val="63A35C"/>
+                </a:solidFill>
+                <a:effectLst/>
+                <a:latin typeface="Consolas" panose="020B0609020204030204" pitchFamily="49" charset="0"/>
+              </a:rPr>
+              <a:t>OK</a:t>
+            </a:r>
+            <a:r>
+              <a:rPr kumimoji="0" lang="ko-KR" altLang="ko-KR" sz="900" b="0" i="0" u="none" strike="noStrike" cap="none" normalizeH="0" baseline="0" dirty="0" smtClean="0">
+                <a:ln>
+                  <a:noFill/>
+                </a:ln>
+                <a:solidFill>
+                  <a:srgbClr val="63A35C"/>
+                </a:solidFill>
+                <a:effectLst/>
+                <a:latin typeface="Consolas" panose="020B0609020204030204" pitchFamily="49" charset="0"/>
+              </a:rPr>
+              <a:t>. </a:t>
+            </a:r>
+            <a:r>
+              <a:rPr kumimoji="0" lang="ko-KR" altLang="ko-KR" sz="900" b="0" i="0" u="none" strike="noStrike" cap="none" normalizeH="0" baseline="0" dirty="0" err="1" smtClean="0">
+                <a:ln>
+                  <a:noFill/>
+                </a:ln>
+                <a:solidFill>
+                  <a:srgbClr val="63A35C"/>
+                </a:solidFill>
+                <a:effectLst/>
+                <a:latin typeface="Consolas" panose="020B0609020204030204" pitchFamily="49" charset="0"/>
+              </a:rPr>
+              <a:t>query</a:t>
+            </a:r>
+            <a:r>
+              <a:rPr kumimoji="0" lang="ko-KR" altLang="ko-KR" sz="900" b="0" i="0" u="none" strike="noStrike" cap="none" normalizeH="0" baseline="0" dirty="0" smtClean="0">
+                <a:ln>
+                  <a:noFill/>
+                </a:ln>
+                <a:solidFill>
+                  <a:srgbClr val="63A35C"/>
+                </a:solidFill>
+                <a:effectLst/>
+                <a:latin typeface="Consolas" panose="020B0609020204030204" pitchFamily="49" charset="0"/>
+              </a:rPr>
+              <a:t> = "</a:t>
+            </a:r>
+            <a:r>
+              <a:rPr kumimoji="0" lang="ko-KR" altLang="ko-KR" sz="900" b="0" i="0" u="none" strike="noStrike" cap="none" normalizeH="0" baseline="0" dirty="0" smtClean="0">
+                <a:ln>
+                  <a:noFill/>
+                </a:ln>
+                <a:solidFill>
+                  <a:srgbClr val="010101"/>
+                </a:solidFill>
+                <a:effectLst/>
+                <a:latin typeface="Consolas" panose="020B0609020204030204" pitchFamily="49" charset="0"/>
+              </a:rPr>
+              <a:t> </a:t>
+            </a:r>
+            <a:r>
+              <a:rPr kumimoji="0" lang="ko-KR" altLang="ko-KR" sz="900" b="0" i="0" u="none" strike="noStrike" cap="none" normalizeH="0" baseline="0" dirty="0" smtClean="0">
+                <a:ln>
+                  <a:noFill/>
+                </a:ln>
+                <a:solidFill>
+                  <a:srgbClr val="A71D5D"/>
+                </a:solidFill>
+                <a:effectLst/>
+                <a:latin typeface="Consolas" panose="020B0609020204030204" pitchFamily="49" charset="0"/>
+              </a:rPr>
+              <a:t>+</a:t>
+            </a:r>
+            <a:r>
+              <a:rPr kumimoji="0" lang="ko-KR" altLang="ko-KR" sz="900" b="0" i="0" u="none" strike="noStrike" cap="none" normalizeH="0" baseline="0" dirty="0" smtClean="0">
+                <a:ln>
+                  <a:noFill/>
+                </a:ln>
+                <a:solidFill>
+                  <a:srgbClr val="010101"/>
+                </a:solidFill>
+                <a:effectLst/>
+                <a:latin typeface="Consolas" panose="020B0609020204030204" pitchFamily="49" charset="0"/>
+              </a:rPr>
+              <a:t> </a:t>
+            </a:r>
+            <a:r>
+              <a:rPr kumimoji="0" lang="ko-KR" altLang="ko-KR" sz="900" b="0" i="0" u="none" strike="noStrike" cap="none" normalizeH="0" baseline="0" dirty="0" err="1" smtClean="0">
+                <a:ln>
+                  <a:noFill/>
+                </a:ln>
+                <a:solidFill>
+                  <a:srgbClr val="010101"/>
+                </a:solidFill>
+                <a:effectLst/>
+                <a:latin typeface="Consolas" panose="020B0609020204030204" pitchFamily="49" charset="0"/>
+              </a:rPr>
+              <a:t>query</a:t>
+            </a:r>
+            <a:r>
+              <a:rPr kumimoji="0" lang="ko-KR" altLang="ko-KR" sz="900" b="0" i="0" u="none" strike="noStrike" cap="none" normalizeH="0" baseline="0" dirty="0" smtClean="0">
+                <a:ln>
+                  <a:noFill/>
+                </a:ln>
+                <a:solidFill>
+                  <a:srgbClr val="010101"/>
+                </a:solidFill>
+                <a:effectLst/>
+                <a:latin typeface="Consolas" panose="020B0609020204030204" pitchFamily="49" charset="0"/>
+              </a:rPr>
+              <a:t>, </a:t>
+            </a:r>
+            <a:r>
+              <a:rPr kumimoji="0" lang="ko-KR" altLang="ko-KR" sz="900" b="0" i="0" u="none" strike="noStrike" cap="none" normalizeH="0" baseline="0" dirty="0" err="1" smtClean="0">
+                <a:ln>
+                  <a:noFill/>
+                </a:ln>
+                <a:solidFill>
+                  <a:srgbClr val="010101"/>
+                </a:solidFill>
+                <a:effectLst/>
+                <a:latin typeface="Consolas" panose="020B0609020204030204" pitchFamily="49" charset="0"/>
+              </a:rPr>
+              <a:t>LV_INFO</a:t>
+            </a:r>
+            <a:r>
+              <a:rPr kumimoji="0" lang="ko-KR" altLang="ko-KR" sz="900" b="0" i="0" u="none" strike="noStrike" cap="none" normalizeH="0" baseline="0" dirty="0" smtClean="0">
+                <a:ln>
+                  <a:noFill/>
+                </a:ln>
+                <a:solidFill>
+                  <a:srgbClr val="010101"/>
+                </a:solidFill>
+                <a:effectLst/>
+                <a:latin typeface="Consolas" panose="020B0609020204030204" pitchFamily="49" charset="0"/>
+              </a:rPr>
+              <a:t>);</a:t>
+            </a:r>
+          </a:p>
+          <a:p>
+            <a:pPr lvl="2" eaLnBrk="0" fontAlgn="base" latinLnBrk="0" hangingPunct="0">
+              <a:spcBef>
+                <a:spcPct val="0"/>
+              </a:spcBef>
+              <a:spcAft>
+                <a:spcPct val="0"/>
+              </a:spcAft>
+            </a:pPr>
+            <a:r>
+              <a:rPr kumimoji="0" lang="ko-KR" altLang="ko-KR" sz="900" b="0" i="0" u="none" strike="noStrike" cap="none" normalizeH="0" baseline="0" dirty="0" smtClean="0">
+                <a:ln>
+                  <a:noFill/>
+                </a:ln>
+                <a:solidFill>
+                  <a:srgbClr val="010101"/>
+                </a:solidFill>
+                <a:effectLst/>
+                <a:latin typeface="Consolas" panose="020B0609020204030204" pitchFamily="49" charset="0"/>
+              </a:rPr>
+              <a:t>}</a:t>
+            </a:r>
+          </a:p>
+          <a:p>
+            <a:pPr lvl="2" eaLnBrk="0" fontAlgn="base" latinLnBrk="0" hangingPunct="0">
+              <a:spcBef>
+                <a:spcPct val="0"/>
+              </a:spcBef>
+              <a:spcAft>
+                <a:spcPct val="0"/>
+              </a:spcAft>
+            </a:pPr>
+            <a:r>
+              <a:rPr kumimoji="0" lang="ko-KR" altLang="ko-KR" sz="900" b="0" i="0" u="none" strike="noStrike" cap="none" normalizeH="0" baseline="0" dirty="0" err="1" smtClean="0">
+                <a:ln>
+                  <a:noFill/>
+                </a:ln>
+                <a:solidFill>
+                  <a:srgbClr val="A71D5D"/>
+                </a:solidFill>
+                <a:effectLst/>
+                <a:latin typeface="Consolas" panose="020B0609020204030204" pitchFamily="49" charset="0"/>
+              </a:rPr>
+              <a:t>else</a:t>
+            </a:r>
+            <a:endParaRPr kumimoji="0" lang="ko-KR" altLang="ko-KR" sz="900" b="0" i="0" u="none" strike="noStrike" cap="none" normalizeH="0" baseline="0" dirty="0" smtClean="0">
+              <a:ln>
+                <a:noFill/>
+              </a:ln>
+              <a:solidFill>
+                <a:srgbClr val="010101"/>
+              </a:solidFill>
+              <a:effectLst/>
+              <a:latin typeface="Consolas" panose="020B0609020204030204" pitchFamily="49" charset="0"/>
+            </a:endParaRPr>
+          </a:p>
+          <a:p>
+            <a:pPr lvl="2" eaLnBrk="0" fontAlgn="base" latinLnBrk="0" hangingPunct="0">
+              <a:spcBef>
+                <a:spcPct val="0"/>
+              </a:spcBef>
+              <a:spcAft>
+                <a:spcPct val="0"/>
+              </a:spcAft>
+            </a:pPr>
+            <a:r>
+              <a:rPr kumimoji="0" lang="ko-KR" altLang="ko-KR" sz="900" b="0" i="0" u="none" strike="noStrike" cap="none" normalizeH="0" baseline="0" dirty="0" smtClean="0">
+                <a:ln>
+                  <a:noFill/>
+                </a:ln>
+                <a:solidFill>
+                  <a:srgbClr val="010101"/>
+                </a:solidFill>
+                <a:effectLst/>
+                <a:latin typeface="Consolas" panose="020B0609020204030204" pitchFamily="49" charset="0"/>
+              </a:rPr>
+              <a:t>{</a:t>
+            </a:r>
+          </a:p>
+          <a:p>
+            <a:pPr lvl="3" eaLnBrk="0" fontAlgn="base" latinLnBrk="0" hangingPunct="0">
+              <a:spcBef>
+                <a:spcPct val="0"/>
+              </a:spcBef>
+              <a:spcAft>
+                <a:spcPct val="0"/>
+              </a:spcAft>
+            </a:pPr>
+            <a:r>
+              <a:rPr kumimoji="0" lang="ko-KR" altLang="ko-KR" sz="900" b="0" i="0" u="none" strike="noStrike" cap="none" normalizeH="0" baseline="0" dirty="0" err="1" smtClean="0">
+                <a:ln>
+                  <a:noFill/>
+                </a:ln>
+                <a:solidFill>
+                  <a:srgbClr val="010101"/>
+                </a:solidFill>
+                <a:effectLst/>
+                <a:latin typeface="Consolas" panose="020B0609020204030204" pitchFamily="49" charset="0"/>
+              </a:rPr>
+              <a:t>writeLog</a:t>
+            </a:r>
+            <a:r>
+              <a:rPr kumimoji="0" lang="ko-KR" altLang="ko-KR" sz="900" b="0" i="0" u="none" strike="noStrike" cap="none" normalizeH="0" baseline="0" dirty="0" smtClean="0">
+                <a:ln>
+                  <a:noFill/>
+                </a:ln>
+                <a:solidFill>
+                  <a:srgbClr val="010101"/>
+                </a:solidFill>
+                <a:effectLst/>
+                <a:latin typeface="Consolas" panose="020B0609020204030204" pitchFamily="49" charset="0"/>
+              </a:rPr>
+              <a:t>(</a:t>
+            </a:r>
+            <a:r>
+              <a:rPr kumimoji="0" lang="ko-KR" altLang="ko-KR" sz="900" b="0" i="0" u="none" strike="noStrike" cap="none" normalizeH="0" baseline="0" dirty="0" err="1" smtClean="0">
+                <a:ln>
+                  <a:noFill/>
+                </a:ln>
+                <a:solidFill>
+                  <a:srgbClr val="010101"/>
+                </a:solidFill>
+                <a:effectLst/>
+                <a:latin typeface="Consolas" panose="020B0609020204030204" pitchFamily="49" charset="0"/>
+              </a:rPr>
+              <a:t>g_script_name</a:t>
+            </a:r>
+            <a:r>
+              <a:rPr kumimoji="0" lang="ko-KR" altLang="ko-KR" sz="900" b="0" i="0" u="none" strike="noStrike" cap="none" normalizeH="0" baseline="0" dirty="0" smtClean="0">
+                <a:ln>
+                  <a:noFill/>
+                </a:ln>
+                <a:solidFill>
+                  <a:srgbClr val="010101"/>
+                </a:solidFill>
+                <a:effectLst/>
+                <a:latin typeface="Consolas" panose="020B0609020204030204" pitchFamily="49" charset="0"/>
+              </a:rPr>
+              <a:t>, </a:t>
+            </a:r>
+            <a:r>
+              <a:rPr kumimoji="0" lang="ko-KR" altLang="ko-KR" sz="900" b="0" i="0" u="none" strike="noStrike" cap="none" normalizeH="0" baseline="0" dirty="0" smtClean="0">
+                <a:ln>
+                  <a:noFill/>
+                </a:ln>
+                <a:solidFill>
+                  <a:srgbClr val="63A35C"/>
+                </a:solidFill>
+                <a:effectLst/>
+                <a:latin typeface="Consolas" panose="020B0609020204030204" pitchFamily="49" charset="0"/>
+              </a:rPr>
+              <a:t>"3. </a:t>
+            </a:r>
+            <a:r>
+              <a:rPr kumimoji="0" lang="ko-KR" altLang="ko-KR" sz="900" b="0" i="0" u="none" strike="noStrike" cap="none" normalizeH="0" baseline="0" dirty="0" err="1" smtClean="0">
+                <a:ln>
+                  <a:noFill/>
+                </a:ln>
+                <a:solidFill>
+                  <a:srgbClr val="63A35C"/>
+                </a:solidFill>
+                <a:effectLst/>
+                <a:latin typeface="Consolas" panose="020B0609020204030204" pitchFamily="49" charset="0"/>
+              </a:rPr>
+              <a:t>init_mapping</a:t>
+            </a:r>
+            <a:r>
+              <a:rPr kumimoji="0" lang="ko-KR" altLang="ko-KR" sz="900" b="0" i="0" u="none" strike="noStrike" cap="none" normalizeH="0" baseline="0" dirty="0" smtClean="0">
+                <a:ln>
+                  <a:noFill/>
+                </a:ln>
+                <a:solidFill>
+                  <a:srgbClr val="63A35C"/>
+                </a:solidFill>
+                <a:effectLst/>
+                <a:latin typeface="Consolas" panose="020B0609020204030204" pitchFamily="49" charset="0"/>
+              </a:rPr>
+              <a:t>() - </a:t>
+            </a:r>
+            <a:r>
+              <a:rPr kumimoji="0" lang="ko-KR" altLang="ko-KR" sz="900" b="0" i="0" u="none" strike="noStrike" cap="none" normalizeH="0" baseline="0" dirty="0" err="1" smtClean="0">
+                <a:ln>
+                  <a:noFill/>
+                </a:ln>
+                <a:solidFill>
+                  <a:srgbClr val="63A35C"/>
+                </a:solidFill>
+                <a:effectLst/>
+                <a:latin typeface="Consolas" panose="020B0609020204030204" pitchFamily="49" charset="0"/>
+              </a:rPr>
+              <a:t>init_mapping</a:t>
+            </a:r>
+            <a:r>
+              <a:rPr kumimoji="0" lang="ko-KR" altLang="ko-KR" sz="900" b="0" i="0" u="none" strike="noStrike" cap="none" normalizeH="0" baseline="0" dirty="0" smtClean="0">
+                <a:ln>
+                  <a:noFill/>
+                </a:ln>
+                <a:solidFill>
+                  <a:srgbClr val="63A35C"/>
+                </a:solidFill>
+                <a:effectLst/>
+                <a:latin typeface="Consolas" panose="020B0609020204030204" pitchFamily="49" charset="0"/>
+              </a:rPr>
+              <a:t> </a:t>
+            </a:r>
+            <a:r>
+              <a:rPr kumimoji="0" lang="ko-KR" altLang="ko-KR" sz="900" b="0" i="0" u="none" strike="noStrike" cap="none" normalizeH="0" baseline="0" dirty="0" err="1" smtClean="0">
+                <a:ln>
+                  <a:noFill/>
+                </a:ln>
+                <a:solidFill>
+                  <a:srgbClr val="63A35C"/>
+                </a:solidFill>
+                <a:effectLst/>
+                <a:latin typeface="Consolas" panose="020B0609020204030204" pitchFamily="49" charset="0"/>
+              </a:rPr>
+              <a:t>Load</a:t>
+            </a:r>
+            <a:r>
+              <a:rPr kumimoji="0" lang="ko-KR" altLang="ko-KR" sz="900" b="0" i="0" u="none" strike="noStrike" cap="none" normalizeH="0" baseline="0" dirty="0" smtClean="0">
+                <a:ln>
+                  <a:noFill/>
+                </a:ln>
+                <a:solidFill>
+                  <a:srgbClr val="63A35C"/>
+                </a:solidFill>
+                <a:effectLst/>
+                <a:latin typeface="Consolas" panose="020B0609020204030204" pitchFamily="49" charset="0"/>
+              </a:rPr>
+              <a:t> </a:t>
+            </a:r>
+            <a:r>
+              <a:rPr kumimoji="0" lang="ko-KR" altLang="ko-KR" sz="900" b="0" i="0" u="none" strike="noStrike" cap="none" normalizeH="0" baseline="0" dirty="0" err="1" smtClean="0">
+                <a:ln>
+                  <a:noFill/>
+                </a:ln>
+                <a:solidFill>
+                  <a:srgbClr val="63A35C"/>
+                </a:solidFill>
+                <a:effectLst/>
+                <a:latin typeface="Consolas" panose="020B0609020204030204" pitchFamily="49" charset="0"/>
+              </a:rPr>
+              <a:t>NG</a:t>
+            </a:r>
+            <a:r>
+              <a:rPr kumimoji="0" lang="ko-KR" altLang="ko-KR" sz="900" b="0" i="0" u="none" strike="noStrike" cap="none" normalizeH="0" baseline="0" dirty="0" smtClean="0">
+                <a:ln>
+                  <a:noFill/>
+                </a:ln>
+                <a:solidFill>
+                  <a:srgbClr val="63A35C"/>
+                </a:solidFill>
+                <a:effectLst/>
+                <a:latin typeface="Consolas" panose="020B0609020204030204" pitchFamily="49" charset="0"/>
+              </a:rPr>
+              <a:t>. </a:t>
+            </a:r>
+            <a:r>
+              <a:rPr kumimoji="0" lang="ko-KR" altLang="ko-KR" sz="900" b="0" i="0" u="none" strike="noStrike" cap="none" normalizeH="0" baseline="0" dirty="0" err="1" smtClean="0">
+                <a:ln>
+                  <a:noFill/>
+                </a:ln>
+                <a:solidFill>
+                  <a:srgbClr val="63A35C"/>
+                </a:solidFill>
+                <a:effectLst/>
+                <a:latin typeface="Consolas" panose="020B0609020204030204" pitchFamily="49" charset="0"/>
+              </a:rPr>
+              <a:t>query</a:t>
+            </a:r>
+            <a:r>
+              <a:rPr kumimoji="0" lang="ko-KR" altLang="ko-KR" sz="900" b="0" i="0" u="none" strike="noStrike" cap="none" normalizeH="0" baseline="0" dirty="0" smtClean="0">
+                <a:ln>
+                  <a:noFill/>
+                </a:ln>
+                <a:solidFill>
+                  <a:srgbClr val="63A35C"/>
+                </a:solidFill>
+                <a:effectLst/>
+                <a:latin typeface="Consolas" panose="020B0609020204030204" pitchFamily="49" charset="0"/>
+              </a:rPr>
+              <a:t> = "</a:t>
+            </a:r>
+            <a:r>
+              <a:rPr kumimoji="0" lang="ko-KR" altLang="ko-KR" sz="900" b="0" i="0" u="none" strike="noStrike" cap="none" normalizeH="0" baseline="0" dirty="0" smtClean="0">
+                <a:ln>
+                  <a:noFill/>
+                </a:ln>
+                <a:solidFill>
+                  <a:srgbClr val="010101"/>
+                </a:solidFill>
+                <a:effectLst/>
+                <a:latin typeface="Consolas" panose="020B0609020204030204" pitchFamily="49" charset="0"/>
+              </a:rPr>
+              <a:t> </a:t>
+            </a:r>
+            <a:r>
+              <a:rPr kumimoji="0" lang="ko-KR" altLang="ko-KR" sz="900" b="0" i="0" u="none" strike="noStrike" cap="none" normalizeH="0" baseline="0" dirty="0" smtClean="0">
+                <a:ln>
+                  <a:noFill/>
+                </a:ln>
+                <a:solidFill>
+                  <a:srgbClr val="A71D5D"/>
+                </a:solidFill>
+                <a:effectLst/>
+                <a:latin typeface="Consolas" panose="020B0609020204030204" pitchFamily="49" charset="0"/>
+              </a:rPr>
+              <a:t>+</a:t>
+            </a:r>
+            <a:r>
+              <a:rPr kumimoji="0" lang="ko-KR" altLang="ko-KR" sz="900" b="0" i="0" u="none" strike="noStrike" cap="none" normalizeH="0" baseline="0" dirty="0" smtClean="0">
+                <a:ln>
+                  <a:noFill/>
+                </a:ln>
+                <a:solidFill>
+                  <a:srgbClr val="010101"/>
+                </a:solidFill>
+                <a:effectLst/>
+                <a:latin typeface="Consolas" panose="020B0609020204030204" pitchFamily="49" charset="0"/>
+              </a:rPr>
+              <a:t> </a:t>
+            </a:r>
+            <a:r>
+              <a:rPr kumimoji="0" lang="ko-KR" altLang="ko-KR" sz="900" b="0" i="0" u="none" strike="noStrike" cap="none" normalizeH="0" baseline="0" dirty="0" err="1" smtClean="0">
+                <a:ln>
+                  <a:noFill/>
+                </a:ln>
+                <a:solidFill>
+                  <a:srgbClr val="010101"/>
+                </a:solidFill>
+                <a:effectLst/>
+                <a:latin typeface="Consolas" panose="020B0609020204030204" pitchFamily="49" charset="0"/>
+              </a:rPr>
+              <a:t>query</a:t>
+            </a:r>
+            <a:r>
+              <a:rPr kumimoji="0" lang="ko-KR" altLang="ko-KR" sz="900" b="0" i="0" u="none" strike="noStrike" cap="none" normalizeH="0" baseline="0" dirty="0" smtClean="0">
+                <a:ln>
+                  <a:noFill/>
+                </a:ln>
+                <a:solidFill>
+                  <a:srgbClr val="010101"/>
+                </a:solidFill>
+                <a:effectLst/>
+                <a:latin typeface="Consolas" panose="020B0609020204030204" pitchFamily="49" charset="0"/>
+              </a:rPr>
+              <a:t>, </a:t>
+            </a:r>
+            <a:r>
+              <a:rPr kumimoji="0" lang="ko-KR" altLang="ko-KR" sz="900" b="0" i="0" u="none" strike="noStrike" cap="none" normalizeH="0" baseline="0" dirty="0" err="1" smtClean="0">
+                <a:ln>
+                  <a:noFill/>
+                </a:ln>
+                <a:solidFill>
+                  <a:srgbClr val="010101"/>
+                </a:solidFill>
+                <a:effectLst/>
+                <a:latin typeface="Consolas" panose="020B0609020204030204" pitchFamily="49" charset="0"/>
+              </a:rPr>
+              <a:t>LV_ERR</a:t>
+            </a:r>
+            <a:r>
+              <a:rPr kumimoji="0" lang="ko-KR" altLang="ko-KR" sz="900" b="0" i="0" u="none" strike="noStrike" cap="none" normalizeH="0" baseline="0" dirty="0" smtClean="0">
+                <a:ln>
+                  <a:noFill/>
+                </a:ln>
+                <a:solidFill>
+                  <a:srgbClr val="010101"/>
+                </a:solidFill>
+                <a:effectLst/>
+                <a:latin typeface="Consolas" panose="020B0609020204030204" pitchFamily="49" charset="0"/>
+              </a:rPr>
+              <a:t>);</a:t>
+            </a:r>
+          </a:p>
+          <a:p>
+            <a:pPr lvl="3" eaLnBrk="0" fontAlgn="base" latinLnBrk="0" hangingPunct="0">
+              <a:spcBef>
+                <a:spcPct val="0"/>
+              </a:spcBef>
+              <a:spcAft>
+                <a:spcPct val="0"/>
+              </a:spcAft>
+            </a:pPr>
+            <a:r>
+              <a:rPr kumimoji="0" lang="ko-KR" altLang="ko-KR" sz="900" b="0" i="0" u="none" strike="noStrike" cap="none" normalizeH="0" baseline="0" dirty="0" err="1" smtClean="0">
+                <a:ln>
+                  <a:noFill/>
+                </a:ln>
+                <a:solidFill>
+                  <a:srgbClr val="010101"/>
+                </a:solidFill>
+                <a:effectLst/>
+                <a:latin typeface="Consolas" panose="020B0609020204030204" pitchFamily="49" charset="0"/>
+              </a:rPr>
+              <a:t>exit</a:t>
+            </a:r>
+            <a:r>
+              <a:rPr kumimoji="0" lang="ko-KR" altLang="ko-KR" sz="900" b="0" i="0" u="none" strike="noStrike" cap="none" normalizeH="0" baseline="0" dirty="0" smtClean="0">
+                <a:ln>
+                  <a:noFill/>
+                </a:ln>
+                <a:solidFill>
+                  <a:srgbClr val="010101"/>
+                </a:solidFill>
+                <a:effectLst/>
+                <a:latin typeface="Consolas" panose="020B0609020204030204" pitchFamily="49" charset="0"/>
+              </a:rPr>
+              <a:t>();</a:t>
+            </a:r>
+          </a:p>
+          <a:p>
+            <a:pPr lvl="2" eaLnBrk="0" fontAlgn="base" latinLnBrk="0" hangingPunct="0">
+              <a:spcBef>
+                <a:spcPct val="0"/>
+              </a:spcBef>
+              <a:spcAft>
+                <a:spcPct val="0"/>
+              </a:spcAft>
+            </a:pPr>
+            <a:r>
+              <a:rPr kumimoji="0" lang="ko-KR" altLang="ko-KR" sz="900" b="0" i="0" u="none" strike="noStrike" cap="none" normalizeH="0" baseline="0" dirty="0" smtClean="0">
+                <a:ln>
+                  <a:noFill/>
+                </a:ln>
+                <a:solidFill>
+                  <a:srgbClr val="010101"/>
+                </a:solidFill>
+                <a:effectLst/>
+                <a:latin typeface="Consolas" panose="020B0609020204030204" pitchFamily="49" charset="0"/>
+              </a:rPr>
+              <a:t>}</a:t>
+            </a:r>
+          </a:p>
+          <a:p>
+            <a:pPr lvl="1" eaLnBrk="0" fontAlgn="base" latinLnBrk="0" hangingPunct="0">
+              <a:spcBef>
+                <a:spcPct val="0"/>
+              </a:spcBef>
+              <a:spcAft>
+                <a:spcPct val="0"/>
+              </a:spcAft>
+            </a:pPr>
+            <a:r>
+              <a:rPr kumimoji="0" lang="ko-KR" altLang="ko-KR" sz="900" b="0" i="0" u="none" strike="noStrike" cap="none" normalizeH="0" baseline="0" dirty="0" smtClean="0">
+                <a:ln>
+                  <a:noFill/>
+                </a:ln>
+                <a:solidFill>
+                  <a:srgbClr val="010101"/>
+                </a:solidFill>
+                <a:effectLst/>
+                <a:latin typeface="Consolas" panose="020B0609020204030204" pitchFamily="49" charset="0"/>
+              </a:rPr>
+              <a:t>}</a:t>
+            </a:r>
+          </a:p>
+          <a:p>
+            <a:pPr marL="0" marR="0" lvl="0" indent="0" algn="l" defTabSz="914400" rtl="0" eaLnBrk="0" fontAlgn="base" latinLnBrk="0" hangingPunct="0">
+              <a:lnSpc>
+                <a:spcPct val="100000"/>
+              </a:lnSpc>
+              <a:spcBef>
+                <a:spcPct val="0"/>
+              </a:spcBef>
+              <a:spcAft>
+                <a:spcPct val="0"/>
+              </a:spcAft>
+              <a:buClrTx/>
+              <a:buSzTx/>
+              <a:buFontTx/>
+              <a:buNone/>
+              <a:tabLst/>
+            </a:pPr>
+            <a:r>
+              <a:rPr kumimoji="0" lang="ko-KR" altLang="ko-KR" sz="900" b="0" i="0" u="none" strike="noStrike" cap="none" normalizeH="0" baseline="0" dirty="0" smtClean="0">
+                <a:ln>
+                  <a:noFill/>
+                </a:ln>
+                <a:solidFill>
+                  <a:srgbClr val="010101"/>
+                </a:solidFill>
+                <a:effectLst/>
+                <a:latin typeface="Consolas" panose="020B0609020204030204" pitchFamily="49" charset="0"/>
+              </a:rPr>
+              <a:t>}</a:t>
+            </a:r>
+            <a:endParaRPr kumimoji="0" lang="ko-KR" altLang="ko-KR" sz="1800" b="0" i="0" u="none" strike="noStrike" cap="none" normalizeH="0" baseline="0" dirty="0" smtClean="0">
+              <a:ln>
+                <a:noFill/>
+              </a:ln>
+              <a:solidFill>
+                <a:schemeClr val="tx1"/>
+              </a:solidFill>
+              <a:effectLst/>
+              <a:latin typeface="Arial" panose="020B0604020202020204" pitchFamily="34" charset="0"/>
+            </a:endParaRPr>
+          </a:p>
+        </p:txBody>
+      </p:sp>
+      <p:sp>
+        <p:nvSpPr>
+          <p:cNvPr id="16" name="순서도: 처리 15"/>
+          <p:cNvSpPr/>
+          <p:nvPr/>
+        </p:nvSpPr>
+        <p:spPr>
+          <a:xfrm>
+            <a:off x="3116796" y="5950274"/>
+            <a:ext cx="3641764" cy="288032"/>
+          </a:xfrm>
+          <a:prstGeom prst="flowChartProcess">
+            <a:avLst/>
+          </a:prstGeom>
+          <a:ln>
+            <a:noFill/>
+          </a:ln>
+        </p:spPr>
+        <p:style>
+          <a:lnRef idx="2">
+            <a:schemeClr val="accent2"/>
+          </a:lnRef>
+          <a:fillRef idx="1">
+            <a:schemeClr val="lt1"/>
+          </a:fillRef>
+          <a:effectRef idx="0">
+            <a:schemeClr val="accent2"/>
+          </a:effectRef>
+          <a:fontRef idx="minor">
+            <a:schemeClr val="dk1"/>
+          </a:fontRef>
+        </p:style>
+        <p:txBody>
+          <a:bodyPr rtlCol="0" anchor="ctr"/>
+          <a:lstStyle/>
+          <a:p>
+            <a:pPr algn="ctr"/>
+            <a:r>
+              <a:rPr lang="en-US" altLang="ko-KR" sz="1100" b="1" dirty="0" smtClean="0"/>
+              <a:t>[</a:t>
+            </a:r>
+            <a:r>
+              <a:rPr lang="ko-KR" altLang="en-US" sz="1100" b="1" dirty="0" smtClean="0"/>
+              <a:t>개선 </a:t>
+            </a:r>
+            <a:r>
+              <a:rPr lang="ko-KR" altLang="en-US" sz="1100" b="1" dirty="0"/>
+              <a:t>방법</a:t>
+            </a:r>
+            <a:r>
+              <a:rPr lang="en-US" altLang="ko-KR" sz="1100" b="1" dirty="0"/>
+              <a:t>]</a:t>
+            </a:r>
+            <a:r>
+              <a:rPr lang="ko-KR" altLang="en-US" sz="1100" b="1" dirty="0"/>
+              <a:t> </a:t>
+            </a:r>
+            <a:r>
+              <a:rPr lang="en-US" altLang="ko-KR" sz="1100" b="1" dirty="0"/>
+              <a:t> </a:t>
+            </a:r>
+            <a:r>
+              <a:rPr lang="ko-KR" altLang="en-US" sz="1100" b="1" dirty="0" smtClean="0"/>
+              <a:t>불필요한 코드 삭제 필요</a:t>
+            </a:r>
+            <a:endParaRPr lang="en-US" altLang="ko-KR" sz="1100" b="1" dirty="0"/>
+          </a:p>
+        </p:txBody>
+      </p:sp>
+      <p:sp>
+        <p:nvSpPr>
+          <p:cNvPr id="18" name="직사각형 17"/>
+          <p:cNvSpPr/>
+          <p:nvPr/>
+        </p:nvSpPr>
+        <p:spPr>
+          <a:xfrm>
+            <a:off x="2432720" y="3573017"/>
+            <a:ext cx="1584176" cy="180020"/>
+          </a:xfrm>
+          <a:prstGeom prst="rect">
+            <a:avLst/>
+          </a:prstGeom>
+          <a:noFill/>
+          <a:ln w="15875">
+            <a:solidFill>
+              <a:schemeClr val="accent2"/>
+            </a:solidFill>
+          </a:ln>
+        </p:spPr>
+        <p:style>
+          <a:lnRef idx="2">
+            <a:schemeClr val="accent1">
+              <a:shade val="50000"/>
+            </a:schemeClr>
+          </a:lnRef>
+          <a:fillRef idx="1">
+            <a:schemeClr val="accent1"/>
+          </a:fillRef>
+          <a:effectRef idx="0">
+            <a:schemeClr val="accent1"/>
+          </a:effectRef>
+          <a:fontRef idx="minor">
+            <a:schemeClr val="lt1"/>
+          </a:fontRef>
+        </p:style>
+        <p:txBody>
+          <a:bodyPr rtlCol="0" anchor="ctr"/>
+          <a:lstStyle/>
+          <a:p>
+            <a:pPr algn="ctr"/>
+            <a:endParaRPr lang="ko-KR" altLang="en-US">
+              <a:solidFill>
+                <a:schemeClr val="tx1"/>
+              </a:solidFill>
+            </a:endParaRPr>
+          </a:p>
+        </p:txBody>
+      </p:sp>
+      <p:sp>
+        <p:nvSpPr>
+          <p:cNvPr id="9" name="타원형 설명선 8"/>
+          <p:cNvSpPr/>
+          <p:nvPr/>
+        </p:nvSpPr>
+        <p:spPr>
+          <a:xfrm>
+            <a:off x="3692860" y="3258453"/>
+            <a:ext cx="1224136" cy="305734"/>
+          </a:xfrm>
+          <a:prstGeom prst="wedgeEllipseCallout">
+            <a:avLst/>
+          </a:prstGeom>
+        </p:spPr>
+        <p:style>
+          <a:lnRef idx="2">
+            <a:schemeClr val="accent2"/>
+          </a:lnRef>
+          <a:fillRef idx="1">
+            <a:schemeClr val="lt1"/>
+          </a:fillRef>
+          <a:effectRef idx="0">
+            <a:schemeClr val="accent2"/>
+          </a:effectRef>
+          <a:fontRef idx="minor">
+            <a:schemeClr val="dk1"/>
+          </a:fontRef>
+        </p:style>
+        <p:txBody>
+          <a:bodyPr rtlCol="0" anchor="ctr"/>
+          <a:lstStyle/>
+          <a:p>
+            <a:pPr algn="ctr"/>
+            <a:r>
+              <a:rPr lang="ko-KR" altLang="en-US" sz="900" b="1" dirty="0" smtClean="0"/>
+              <a:t>미사용 변수 삭제</a:t>
+            </a:r>
+            <a:endParaRPr lang="ko-KR" altLang="en-US" sz="900" b="1" dirty="0"/>
+          </a:p>
+        </p:txBody>
+      </p:sp>
+    </p:spTree>
+    <p:extLst>
+      <p:ext uri="{BB962C8B-B14F-4D97-AF65-F5344CB8AC3E}">
+        <p14:creationId xmlns:p14="http://schemas.microsoft.com/office/powerpoint/2010/main" val="2568093322"/>
+      </p:ext>
+    </p:extLst>
+  </p:cSld>
+  <p:clrMapOvr>
+    <a:masterClrMapping/>
+  </p:clrMapOvr>
+  <p:timing>
+    <p:tnLst>
+      <p:par>
+        <p:cTn id="1" dur="indefinite" restart="never" nodeType="tmRoot"/>
+      </p:par>
+    </p:tnLst>
+  </p:timing>
+</p:sld>
+</file>
+
 <file path=ppt/slides/slide2.xml><?xml version="1.0" encoding="utf-8"?>
 <p:sld xmlns:a="http://schemas.openxmlformats.org/drawingml/2006/main" xmlns:r="http://schemas.openxmlformats.org/officeDocument/2006/relationships" xmlns:p="http://schemas.openxmlformats.org/presentationml/2006/main">
   <p:cSld>
@@ -26387,8 +29410,8 @@
         </p:nvSpPr>
         <p:spPr>
           <a:xfrm>
-            <a:off x="3156708" y="2528900"/>
-            <a:ext cx="916490" cy="2412268"/>
+            <a:off x="3185378" y="2528900"/>
+            <a:ext cx="859150" cy="2448272"/>
           </a:xfrm>
           <a:prstGeom prst="rect">
             <a:avLst/>
@@ -29328,7 +32351,7 @@
         </p:nvSpPr>
         <p:spPr bwMode="auto">
           <a:xfrm>
-            <a:off x="3170943" y="3393193"/>
+            <a:off x="2946722" y="3789040"/>
             <a:ext cx="4140460" cy="1661993"/>
           </a:xfrm>
           <a:prstGeom prst="rect">
@@ -29951,7 +32974,7 @@
         </p:nvSpPr>
         <p:spPr>
           <a:xfrm>
-            <a:off x="3948849" y="5099666"/>
+            <a:off x="3724628" y="5495513"/>
             <a:ext cx="2584648" cy="288032"/>
           </a:xfrm>
           <a:prstGeom prst="flowChartProcess">
@@ -30026,7 +33049,7 @@
         </p:nvSpPr>
         <p:spPr bwMode="auto">
           <a:xfrm>
-            <a:off x="7509284" y="4299299"/>
+            <a:off x="7285063" y="4695146"/>
             <a:ext cx="1513270" cy="276999"/>
           </a:xfrm>
           <a:prstGeom prst="rect">
@@ -30197,7 +33220,7 @@
           <p:nvPr>
             <p:extLst>
               <p:ext uri="{D42A27DB-BD31-4B8C-83A1-F6EECF244321}">
-                <p14:modId xmlns:p14="http://schemas.microsoft.com/office/powerpoint/2010/main" val="2844084715"/>
+                <p14:modId xmlns:p14="http://schemas.microsoft.com/office/powerpoint/2010/main" val="2232833574"/>
               </p:ext>
             </p:extLst>
           </p:nvPr>
@@ -30236,7 +33259,7 @@
                     <a:p>
                       <a:pPr algn="ctr" fontAlgn="ctr"/>
                       <a:r>
-                        <a:rPr lang="ko-KR" altLang="en-US" sz="1100" u="none" strike="noStrike" dirty="0" smtClean="0">
+                        <a:rPr lang="ko-KR" altLang="en-US" sz="1100" b="1" u="none" strike="noStrike" dirty="0" smtClean="0">
                           <a:solidFill>
                             <a:schemeClr val="tx1"/>
                           </a:solidFill>
@@ -30263,7 +33286,7 @@
                     <a:p>
                       <a:pPr algn="ctr" fontAlgn="ctr"/>
                       <a:r>
-                        <a:rPr lang="ko-KR" altLang="en-US" sz="1100" u="none" strike="noStrike" dirty="0" smtClean="0">
+                        <a:rPr lang="ko-KR" altLang="en-US" sz="1100" b="1" u="none" strike="noStrike" dirty="0" smtClean="0">
                           <a:solidFill>
                             <a:schemeClr val="tx1"/>
                           </a:solidFill>
@@ -30313,7 +33336,7 @@
                         <a:defRPr/>
                       </a:pPr>
                       <a:r>
-                        <a:rPr lang="ko-KR" altLang="en-US" sz="1100" u="none" strike="noStrike" dirty="0" smtClean="0">
+                        <a:rPr lang="ko-KR" altLang="en-US" sz="1100" b="1" u="none" strike="noStrike" dirty="0" smtClean="0">
                           <a:solidFill>
                             <a:schemeClr val="tx1"/>
                           </a:solidFill>
@@ -30340,7 +33363,7 @@
                     <a:p>
                       <a:pPr lvl="1" algn="l" fontAlgn="ctr"/>
                       <a:r>
-                        <a:rPr lang="en-US" altLang="ko-KR" sz="1050" b="0" i="0" u="none" strike="noStrike" dirty="0" smtClean="0">
+                        <a:rPr lang="en-US" altLang="ko-KR" sz="1050" b="1" i="0" u="none" strike="noStrike" dirty="0" smtClean="0">
                           <a:solidFill>
                             <a:schemeClr val="tx1"/>
                           </a:solidFill>
@@ -30351,7 +33374,7 @@
                         <a:t>Passive </a:t>
                       </a:r>
                       <a:r>
-                        <a:rPr lang="ko-KR" altLang="en-US" sz="1050" b="0" i="0" u="none" strike="noStrike" dirty="0" smtClean="0">
+                        <a:rPr lang="ko-KR" altLang="en-US" sz="1050" b="1" i="0" u="none" strike="noStrike" dirty="0" smtClean="0">
                           <a:solidFill>
                             <a:schemeClr val="tx1"/>
                           </a:solidFill>
@@ -30362,7 +33385,7 @@
                         <a:t>서버에서 중복 동작 방지를 위해 </a:t>
                       </a:r>
                       <a:r>
-                        <a:rPr lang="en-US" altLang="ko-KR" sz="1050" b="0" i="0" u="none" strike="noStrike" dirty="0" smtClean="0">
+                        <a:rPr lang="en-US" altLang="ko-KR" sz="1050" b="1" i="0" u="none" strike="noStrike" dirty="0" smtClean="0">
                           <a:solidFill>
                             <a:schemeClr val="tx1"/>
                           </a:solidFill>
@@ -30373,7 +33396,7 @@
                         <a:t>Active</a:t>
                       </a:r>
                       <a:r>
-                        <a:rPr lang="en-US" altLang="ko-KR" sz="1050" b="0" i="0" u="none" strike="noStrike" baseline="0" dirty="0" smtClean="0">
+                        <a:rPr lang="en-US" altLang="ko-KR" sz="1050" b="1" i="0" u="none" strike="noStrike" baseline="0" dirty="0" smtClean="0">
                           <a:solidFill>
                             <a:schemeClr val="tx1"/>
                           </a:solidFill>
@@ -30384,7 +33407,7 @@
                         <a:t> </a:t>
                       </a:r>
                       <a:r>
-                        <a:rPr lang="ko-KR" altLang="en-US" sz="1050" b="0" i="0" u="none" strike="noStrike" baseline="0" dirty="0" smtClean="0">
+                        <a:rPr lang="ko-KR" altLang="en-US" sz="1050" b="1" i="0" u="none" strike="noStrike" baseline="0" dirty="0" smtClean="0">
                           <a:solidFill>
                             <a:schemeClr val="tx1"/>
                           </a:solidFill>
@@ -30394,7 +33417,7 @@
                         </a:rPr>
                         <a:t>동작 확인</a:t>
                       </a:r>
-                      <a:endParaRPr lang="ko-KR" altLang="en-US" sz="1050" b="0" i="0" u="none" strike="noStrike" dirty="0">
+                      <a:endParaRPr lang="ko-KR" altLang="en-US" sz="1050" b="1" i="0" u="none" strike="noStrike" dirty="0">
                         <a:solidFill>
                           <a:schemeClr val="tx1"/>
                         </a:solidFill>
@@ -30457,7 +33480,7 @@
                     <a:p>
                       <a:pPr lvl="1" algn="l" fontAlgn="ctr"/>
                       <a:r>
-                        <a:rPr lang="ko-KR" altLang="en-US" sz="1050" b="0" i="0" u="none" strike="noStrike" dirty="0" smtClean="0">
+                        <a:rPr lang="ko-KR" altLang="en-US" sz="1050" b="1" i="0" u="none" strike="noStrike" dirty="0" smtClean="0">
                           <a:solidFill>
                             <a:schemeClr val="tx1"/>
                           </a:solidFill>
@@ -30468,7 +33491,7 @@
                         <a:t>중복 동작이 불필요한 경우</a:t>
                       </a:r>
                       <a:r>
-                        <a:rPr lang="en-US" altLang="ko-KR" sz="1050" b="0" i="0" u="none" strike="noStrike" dirty="0" smtClean="0">
+                        <a:rPr lang="en-US" altLang="ko-KR" sz="1050" b="1" i="0" u="none" strike="noStrike" dirty="0" smtClean="0">
                           <a:solidFill>
                             <a:schemeClr val="tx1"/>
                           </a:solidFill>
@@ -30479,7 +33502,7 @@
                         <a:t>,</a:t>
                       </a:r>
                       <a:r>
-                        <a:rPr lang="ko-KR" altLang="en-US" sz="1050" b="0" i="0" u="none" strike="noStrike" dirty="0" smtClean="0">
+                        <a:rPr lang="ko-KR" altLang="en-US" sz="1050" b="1" i="0" u="none" strike="noStrike" dirty="0" smtClean="0">
                           <a:solidFill>
                             <a:schemeClr val="tx1"/>
                           </a:solidFill>
@@ -30490,7 +33513,7 @@
                         <a:t> </a:t>
                       </a:r>
                       <a:r>
-                        <a:rPr lang="en-US" altLang="ko-KR" sz="1050" b="0" i="0" u="none" strike="noStrike" dirty="0" smtClean="0">
+                        <a:rPr lang="en-US" altLang="ko-KR" sz="1050" b="1" i="0" u="none" strike="noStrike" dirty="0" smtClean="0">
                           <a:solidFill>
                             <a:schemeClr val="tx1"/>
                           </a:solidFill>
@@ -30501,7 +33524,7 @@
                         <a:t>Active</a:t>
                       </a:r>
                       <a:r>
-                        <a:rPr lang="en-US" altLang="ko-KR" sz="1050" b="0" i="0" u="none" strike="noStrike" baseline="0" dirty="0" smtClean="0">
+                        <a:rPr lang="en-US" altLang="ko-KR" sz="1050" b="1" i="0" u="none" strike="noStrike" baseline="0" dirty="0" smtClean="0">
                           <a:solidFill>
                             <a:schemeClr val="tx1"/>
                           </a:solidFill>
@@ -30512,7 +33535,7 @@
                         <a:t> </a:t>
                       </a:r>
                       <a:r>
-                        <a:rPr lang="ko-KR" altLang="en-US" sz="1050" b="0" i="0" u="none" strike="noStrike" baseline="0" dirty="0" smtClean="0">
+                        <a:rPr lang="ko-KR" altLang="en-US" sz="1050" b="1" i="0" u="none" strike="noStrike" baseline="0" dirty="0" smtClean="0">
                           <a:solidFill>
                             <a:schemeClr val="tx1"/>
                           </a:solidFill>
@@ -30523,7 +33546,7 @@
                         <a:t>조건이 누락되면 중복 처리 가능성 존재 </a:t>
                       </a:r>
                       <a:r>
-                        <a:rPr lang="en-US" altLang="ko-KR" sz="1050" b="0" i="0" u="none" strike="noStrike" baseline="0" dirty="0" smtClean="0">
+                        <a:rPr lang="en-US" altLang="ko-KR" sz="1050" b="1" i="0" u="none" strike="noStrike" baseline="0" dirty="0" smtClean="0">
                           <a:solidFill>
                             <a:schemeClr val="tx1"/>
                           </a:solidFill>
@@ -30534,7 +33557,7 @@
                         <a:t>(DB </a:t>
                       </a:r>
                       <a:r>
-                        <a:rPr lang="ko-KR" altLang="en-US" sz="1050" b="0" i="0" u="none" strike="noStrike" baseline="0" dirty="0" smtClean="0">
+                        <a:rPr lang="ko-KR" altLang="en-US" sz="1050" b="1" i="0" u="none" strike="noStrike" baseline="0" dirty="0" smtClean="0">
                           <a:solidFill>
                             <a:schemeClr val="tx1"/>
                           </a:solidFill>
@@ -30545,7 +33568,7 @@
                         <a:t>중복 저장</a:t>
                       </a:r>
                       <a:r>
-                        <a:rPr lang="en-US" altLang="ko-KR" sz="1050" b="0" i="0" u="none" strike="noStrike" baseline="0" dirty="0" smtClean="0">
+                        <a:rPr lang="en-US" altLang="ko-KR" sz="1050" b="1" i="0" u="none" strike="noStrike" baseline="0" dirty="0" smtClean="0">
                           <a:solidFill>
                             <a:schemeClr val="tx1"/>
                           </a:solidFill>
@@ -30555,7 +33578,7 @@
                         </a:rPr>
                         <a:t>)</a:t>
                       </a:r>
-                      <a:endParaRPr lang="ko-KR" altLang="en-US" sz="1050" b="0" i="0" u="none" strike="noStrike" dirty="0">
+                      <a:endParaRPr lang="ko-KR" altLang="en-US" sz="1050" b="1" i="0" u="none" strike="noStrike" dirty="0">
                         <a:solidFill>
                           <a:schemeClr val="tx1"/>
                         </a:solidFill>
@@ -30597,7 +33620,7 @@
                         <a:defRPr/>
                       </a:pPr>
                       <a:r>
-                        <a:rPr lang="ko-KR" altLang="en-US" sz="1100" u="none" strike="noStrike" dirty="0" smtClean="0">
+                        <a:rPr lang="ko-KR" altLang="en-US" sz="1100" b="1" u="none" strike="noStrike" dirty="0" smtClean="0">
                           <a:solidFill>
                             <a:schemeClr val="tx1"/>
                           </a:solidFill>
@@ -30624,16 +33647,25 @@
                     <a:p>
                       <a:pPr lvl="1" algn="l" fontAlgn="ctr"/>
                       <a:r>
-                        <a:rPr lang="ko-KR" altLang="en-US" sz="1050" u="none" strike="noStrike" dirty="0" smtClean="0">
+                        <a:rPr lang="ko-KR" altLang="en-US" sz="1050" b="1" u="none" strike="noStrike" dirty="0" smtClean="0">
                           <a:solidFill>
                             <a:schemeClr val="tx1"/>
                           </a:solidFill>
                           <a:effectLst/>
                         </a:rPr>
-                        <a:t>중복 동작을 제거하기  위해 불필요한 </a:t>
+                        <a:t>중복 </a:t>
                       </a:r>
                       <a:r>
-                        <a:rPr lang="en-US" altLang="ko-KR" sz="1050" u="none" strike="noStrike" dirty="0" smtClean="0">
+                        <a:rPr lang="ko-KR" altLang="en-US" sz="1050" b="1" u="none" strike="noStrike" dirty="0" smtClean="0">
+                          <a:solidFill>
+                            <a:schemeClr val="tx1"/>
+                          </a:solidFill>
+                          <a:effectLst/>
+                        </a:rPr>
+                        <a:t>동작을 제거하기  위해 불필요한 </a:t>
+                      </a:r>
+                      <a:r>
+                        <a:rPr lang="en-US" altLang="ko-KR" sz="1050" b="1" u="none" strike="noStrike" dirty="0" smtClean="0">
                           <a:solidFill>
                             <a:schemeClr val="tx1"/>
                           </a:solidFill>
@@ -30642,7 +33674,7 @@
                         <a:t>Logic </a:t>
                       </a:r>
                       <a:r>
-                        <a:rPr lang="ko-KR" altLang="en-US" sz="1050" u="none" strike="noStrike" dirty="0" smtClean="0">
+                        <a:rPr lang="ko-KR" altLang="en-US" sz="1050" b="1" u="none" strike="noStrike" dirty="0" smtClean="0">
                           <a:solidFill>
                             <a:schemeClr val="tx1"/>
                           </a:solidFill>
@@ -30651,7 +33683,7 @@
                         <a:t>앞에 </a:t>
                       </a:r>
                       <a:r>
-                        <a:rPr lang="en-US" altLang="ko-KR" sz="1050" u="none" strike="noStrike" dirty="0" smtClean="0">
+                        <a:rPr lang="en-US" altLang="ko-KR" sz="1050" b="1" u="none" strike="noStrike" dirty="0" smtClean="0">
                           <a:solidFill>
                             <a:schemeClr val="tx1"/>
                           </a:solidFill>
@@ -30660,7 +33692,7 @@
                         <a:t>Active </a:t>
                       </a:r>
                       <a:r>
-                        <a:rPr lang="ko-KR" altLang="en-US" sz="1050" u="none" strike="noStrike" dirty="0" smtClean="0">
+                        <a:rPr lang="ko-KR" altLang="en-US" sz="1050" b="1" u="none" strike="noStrike" dirty="0" smtClean="0">
                           <a:solidFill>
                             <a:schemeClr val="tx1"/>
                           </a:solidFill>
@@ -30669,7 +33701,7 @@
                         <a:t>동작에 대한 </a:t>
                       </a:r>
                       <a:r>
-                        <a:rPr lang="ko-KR" altLang="en-US" sz="1050" u="none" strike="noStrike" dirty="0" err="1" smtClean="0">
+                        <a:rPr lang="ko-KR" altLang="en-US" sz="1050" b="1" u="none" strike="noStrike" dirty="0" err="1" smtClean="0">
                           <a:solidFill>
                             <a:schemeClr val="tx1"/>
                           </a:solidFill>
@@ -30678,15 +33710,24 @@
                         <a:t>조건문</a:t>
                       </a:r>
                       <a:r>
-                        <a:rPr lang="ko-KR" altLang="en-US" sz="1050" u="none" strike="noStrike" dirty="0" smtClean="0">
+                        <a:rPr lang="ko-KR" altLang="en-US" sz="1050" b="1" u="none" strike="noStrike" dirty="0" smtClean="0">
                           <a:solidFill>
                             <a:schemeClr val="tx1"/>
                           </a:solidFill>
                           <a:effectLst/>
                         </a:rPr>
-                        <a:t> 추가</a:t>
+                        <a:t> </a:t>
                       </a:r>
-                      <a:endParaRPr lang="ko-KR" altLang="en-US" sz="1050" b="0" i="0" u="none" strike="noStrike" dirty="0">
+                      <a:r>
+                        <a:rPr lang="ko-KR" altLang="en-US" sz="1050" b="1" u="none" strike="noStrike" dirty="0" smtClean="0">
+                          <a:solidFill>
+                            <a:schemeClr val="tx1"/>
+                          </a:solidFill>
+                          <a:effectLst/>
+                        </a:rPr>
+                        <a:t>추가</a:t>
+                      </a:r>
+                      <a:endParaRPr lang="ko-KR" altLang="en-US" sz="1050" b="1" i="0" u="none" strike="noStrike" dirty="0">
                         <a:solidFill>
                           <a:schemeClr val="tx1"/>
                         </a:solidFill>
@@ -30716,7 +33757,7 @@
         </p:nvSpPr>
         <p:spPr>
           <a:xfrm>
-            <a:off x="3635202" y="4221088"/>
+            <a:off x="3410981" y="4616935"/>
             <a:ext cx="2232248" cy="433422"/>
           </a:xfrm>
           <a:prstGeom prst="rect">
@@ -30759,7 +33800,7 @@
         </p:nvCxnSpPr>
         <p:spPr>
           <a:xfrm rot="16200000" flipH="1" flipV="1">
-            <a:off x="7033782" y="3132966"/>
+            <a:off x="6809561" y="3528813"/>
             <a:ext cx="65805" cy="2398469"/>
           </a:xfrm>
           <a:prstGeom prst="curvedConnector4">
@@ -30787,6 +33828,95 @@
           </a:fontRef>
         </p:style>
       </p:cxnSp>
+      <p:sp>
+        <p:nvSpPr>
+          <p:cNvPr id="7" name="직사각형 6"/>
+          <p:cNvSpPr/>
+          <p:nvPr/>
+        </p:nvSpPr>
+        <p:spPr>
+          <a:xfrm>
+            <a:off x="899419" y="2951836"/>
+            <a:ext cx="6511719" cy="246221"/>
+          </a:xfrm>
+          <a:prstGeom prst="rect">
+            <a:avLst/>
+          </a:prstGeom>
+        </p:spPr>
+        <p:txBody>
+          <a:bodyPr wrap="none">
+            <a:spAutoFit/>
+          </a:bodyPr>
+          <a:lstStyle/>
+          <a:p>
+            <a:r>
+              <a:rPr lang="en-US" altLang="ko-KR" sz="1000" dirty="0"/>
+              <a:t>※ </a:t>
+            </a:r>
+            <a:r>
+              <a:rPr lang="ko-KR" altLang="en-US" sz="1000" dirty="0"/>
+              <a:t>제약 사항 </a:t>
+            </a:r>
+            <a:r>
+              <a:rPr lang="en-US" altLang="ko-KR" sz="1000" dirty="0"/>
+              <a:t>: </a:t>
+            </a:r>
+            <a:r>
+              <a:rPr lang="en-US" altLang="ko-KR" sz="1000" dirty="0" smtClean="0"/>
+              <a:t> </a:t>
+            </a:r>
+            <a:r>
+              <a:rPr lang="ko-KR" altLang="en-US" sz="1000" dirty="0" smtClean="0"/>
+              <a:t>점검 </a:t>
+            </a:r>
+            <a:r>
+              <a:rPr lang="en-US" altLang="ko-KR" sz="1000" dirty="0" smtClean="0"/>
+              <a:t>Tool</a:t>
+            </a:r>
+            <a:r>
+              <a:rPr lang="ko-KR" altLang="en-US" sz="1000" dirty="0" smtClean="0"/>
+              <a:t>에서 스크립트 </a:t>
+            </a:r>
+            <a:r>
+              <a:rPr lang="en-US" altLang="ko-KR" sz="1000" dirty="0" smtClean="0"/>
+              <a:t>Active </a:t>
+            </a:r>
+            <a:r>
+              <a:rPr lang="ko-KR" altLang="en-US" sz="1000" dirty="0" smtClean="0"/>
+              <a:t>동작 조건 </a:t>
+            </a:r>
+            <a:r>
+              <a:rPr lang="en-US" altLang="ko-KR" sz="1000" dirty="0" smtClean="0"/>
+              <a:t> </a:t>
+            </a:r>
+            <a:r>
+              <a:rPr lang="ko-KR" altLang="en-US" sz="1000" dirty="0" smtClean="0"/>
+              <a:t>유</a:t>
+            </a:r>
+            <a:r>
+              <a:rPr lang="en-US" altLang="ko-KR" sz="1000" dirty="0" smtClean="0"/>
+              <a:t>/</a:t>
+            </a:r>
+            <a:r>
+              <a:rPr lang="ko-KR" altLang="en-US" sz="1000" dirty="0" smtClean="0"/>
+              <a:t>무를 판단 </a:t>
+            </a:r>
+            <a:r>
+              <a:rPr lang="en-US" altLang="ko-KR" sz="1000" dirty="0" smtClean="0"/>
+              <a:t>(Active </a:t>
+            </a:r>
+            <a:r>
+              <a:rPr lang="ko-KR" altLang="en-US" sz="1000" dirty="0" smtClean="0"/>
+              <a:t>동작 조건 위치는 사용자가 판단 필요</a:t>
+            </a:r>
+            <a:r>
+              <a:rPr lang="en-US" altLang="ko-KR" sz="1000" dirty="0" smtClean="0"/>
+              <a:t>)</a:t>
+            </a:r>
+            <a:endParaRPr lang="ko-KR" altLang="en-US" sz="1000" dirty="0"/>
+          </a:p>
+        </p:txBody>
+      </p:sp>
     </p:spTree>
     <p:extLst>
       <p:ext uri="{BB962C8B-B14F-4D97-AF65-F5344CB8AC3E}">
@@ -32959,23 +36089,23 @@
           <a:p>
             <a:pPr algn="ctr"/>
             <a:r>
-              <a:rPr lang="en-US" altLang="ko-KR" sz="1100" b="1" dirty="0"/>
-              <a:t>[</a:t>
-            </a:r>
-            <a:r>
-              <a:rPr lang="ko-KR" altLang="en-US" sz="1100" b="1" dirty="0"/>
-              <a:t>점검 방법</a:t>
-            </a:r>
-            <a:r>
-              <a:rPr lang="en-US" altLang="ko-KR" sz="1100" b="1" dirty="0"/>
+              <a:rPr lang="en-US" altLang="ko-KR" sz="1100" b="1" dirty="0" smtClean="0"/>
+              <a:t>[NG </a:t>
+            </a:r>
+            <a:r>
+              <a:rPr lang="ko-KR" altLang="en-US" sz="1100" b="1" dirty="0" smtClean="0"/>
+              <a:t>사항</a:t>
+            </a:r>
+            <a:r>
+              <a:rPr lang="en-US" altLang="ko-KR" sz="1100" b="1" dirty="0" smtClean="0"/>
               <a:t>]</a:t>
             </a:r>
             <a:r>
-              <a:rPr lang="ko-KR" altLang="en-US" sz="1100" b="1" dirty="0"/>
+              <a:rPr lang="ko-KR" altLang="en-US" sz="1100" b="1" dirty="0" smtClean="0"/>
               <a:t> </a:t>
             </a:r>
             <a:r>
-              <a:rPr lang="en-US" altLang="ko-KR" sz="1100" b="1" dirty="0"/>
+              <a:rPr lang="en-US" altLang="ko-KR" sz="1100" b="1" dirty="0" smtClean="0"/>
               <a:t> </a:t>
             </a:r>
             <a:r>
@@ -33003,7 +36133,7 @@
           <p:nvPr>
             <p:extLst>
               <p:ext uri="{D42A27DB-BD31-4B8C-83A1-F6EECF244321}">
-                <p14:modId xmlns:p14="http://schemas.microsoft.com/office/powerpoint/2010/main" val="4279558614"/>
+                <p14:modId xmlns:p14="http://schemas.microsoft.com/office/powerpoint/2010/main" val="377838196"/>
               </p:ext>
             </p:extLst>
           </p:nvPr>
@@ -33042,7 +36172,7 @@
                     <a:p>
                       <a:pPr algn="ctr" fontAlgn="ctr"/>
                       <a:r>
-                        <a:rPr lang="ko-KR" altLang="en-US" sz="1100" u="none" strike="noStrike" dirty="0" smtClean="0">
+                        <a:rPr lang="ko-KR" altLang="en-US" sz="1100" b="1" u="none" strike="noStrike" dirty="0" smtClean="0">
                           <a:solidFill>
                             <a:schemeClr val="tx1"/>
                           </a:solidFill>
@@ -33069,7 +36199,7 @@
                     <a:p>
                       <a:pPr algn="ctr" fontAlgn="ctr"/>
                       <a:r>
-                        <a:rPr lang="ko-KR" altLang="en-US" sz="1100" u="none" strike="noStrike" dirty="0" smtClean="0">
+                        <a:rPr lang="ko-KR" altLang="en-US" sz="1100" b="1" u="none" strike="noStrike" dirty="0" smtClean="0">
                           <a:solidFill>
                             <a:schemeClr val="tx1"/>
                           </a:solidFill>
@@ -33119,7 +36249,7 @@
                         <a:defRPr/>
                       </a:pPr>
                       <a:r>
-                        <a:rPr lang="ko-KR" altLang="en-US" sz="1100" u="none" strike="noStrike" dirty="0" smtClean="0">
+                        <a:rPr lang="ko-KR" altLang="en-US" sz="1100" b="1" u="none" strike="noStrike" dirty="0" smtClean="0">
                           <a:solidFill>
                             <a:schemeClr val="tx1"/>
                           </a:solidFill>
@@ -33146,7 +36276,7 @@
                     <a:p>
                       <a:pPr lvl="1" algn="l" fontAlgn="ctr"/>
                       <a:r>
-                        <a:rPr lang="en-US" altLang="ko-KR" sz="1050" b="0" i="0" u="none" strike="noStrike" dirty="0" smtClean="0">
+                        <a:rPr lang="en-US" altLang="ko-KR" sz="1050" b="1" i="0" u="none" strike="noStrike" dirty="0" smtClean="0">
                           <a:solidFill>
                             <a:schemeClr val="tx1"/>
                           </a:solidFill>
@@ -33157,7 +36287,7 @@
                         <a:t>while</a:t>
                       </a:r>
                       <a:r>
-                        <a:rPr lang="ko-KR" altLang="en-US" sz="1050" b="0" i="0" u="none" strike="noStrike" dirty="0" smtClean="0">
+                        <a:rPr lang="ko-KR" altLang="en-US" sz="1050" b="1" i="0" u="none" strike="noStrike" dirty="0" smtClean="0">
                           <a:solidFill>
                             <a:schemeClr val="tx1"/>
                           </a:solidFill>
@@ -33168,7 +36298,7 @@
                         <a:t>문 내에 모든 조건에 </a:t>
                       </a:r>
                       <a:r>
-                        <a:rPr lang="en-US" altLang="ko-KR" sz="1050" b="0" i="0" u="none" strike="noStrike" dirty="0" smtClean="0">
+                        <a:rPr lang="en-US" altLang="ko-KR" sz="1050" b="1" i="0" u="none" strike="noStrike" dirty="0" smtClean="0">
                           <a:solidFill>
                             <a:schemeClr val="tx1"/>
                           </a:solidFill>
@@ -33179,7 +36309,7 @@
                         <a:t>delay</a:t>
                       </a:r>
                       <a:r>
-                        <a:rPr lang="ko-KR" altLang="en-US" sz="1050" b="0" i="0" u="none" strike="noStrike" dirty="0" smtClean="0">
+                        <a:rPr lang="ko-KR" altLang="en-US" sz="1050" b="1" i="0" u="none" strike="noStrike" dirty="0" smtClean="0">
                           <a:solidFill>
                             <a:schemeClr val="tx1"/>
                           </a:solidFill>
@@ -33190,7 +36320,7 @@
                         <a:t>를 적용하여 </a:t>
                       </a:r>
                       <a:r>
-                        <a:rPr lang="en-US" altLang="ko-KR" sz="1050" b="0" i="0" u="none" strike="noStrike" dirty="0" smtClean="0">
+                        <a:rPr lang="en-US" altLang="ko-KR" sz="1050" b="1" i="0" u="none" strike="noStrike" dirty="0" smtClean="0">
                           <a:solidFill>
                             <a:schemeClr val="tx1"/>
                           </a:solidFill>
@@ -33201,7 +36331,7 @@
                         <a:t>CPU</a:t>
                       </a:r>
                       <a:r>
-                        <a:rPr lang="en-US" altLang="ko-KR" sz="1050" b="0" i="0" u="none" strike="noStrike" baseline="0" dirty="0" smtClean="0">
+                        <a:rPr lang="en-US" altLang="ko-KR" sz="1050" b="1" i="0" u="none" strike="noStrike" baseline="0" dirty="0" smtClean="0">
                           <a:solidFill>
                             <a:schemeClr val="tx1"/>
                           </a:solidFill>
@@ -33212,7 +36342,7 @@
                         <a:t> </a:t>
                       </a:r>
                       <a:r>
-                        <a:rPr lang="ko-KR" altLang="en-US" sz="1050" b="0" i="0" u="none" strike="noStrike" baseline="0" dirty="0" smtClean="0">
+                        <a:rPr lang="ko-KR" altLang="en-US" sz="1050" b="1" i="0" u="none" strike="noStrike" baseline="0" dirty="0" smtClean="0">
                           <a:solidFill>
                             <a:schemeClr val="tx1"/>
                           </a:solidFill>
@@ -33222,7 +36352,7 @@
                         </a:rPr>
                         <a:t>부하를 감소</a:t>
                       </a:r>
-                      <a:endParaRPr lang="ko-KR" altLang="en-US" sz="1050" b="0" i="0" u="none" strike="noStrike" dirty="0">
+                      <a:endParaRPr lang="ko-KR" altLang="en-US" sz="1050" b="1" i="0" u="none" strike="noStrike" dirty="0">
                         <a:solidFill>
                           <a:schemeClr val="tx1"/>
                         </a:solidFill>
@@ -33285,7 +36415,40 @@
                     <a:p>
                       <a:pPr lvl="1" algn="l" fontAlgn="ctr"/>
                       <a:r>
-                        <a:rPr lang="en-US" altLang="ko-KR" sz="1050" b="0" i="0" u="none" strike="noStrike" dirty="0" smtClean="0">
+                        <a:rPr lang="ko-KR" altLang="en-US" sz="1050" b="1" i="0" u="none" strike="noStrike" dirty="0" smtClean="0">
+                          <a:solidFill>
+                            <a:schemeClr val="tx1"/>
+                          </a:solidFill>
+                          <a:effectLst/>
+                          <a:latin typeface="맑은 고딕" panose="020B0503020000020004" pitchFamily="50" charset="-127"/>
+                          <a:ea typeface="+mn-ea"/>
+                        </a:rPr>
+                        <a:t>모든 조건에 </a:t>
+                      </a:r>
+                      <a:r>
+                        <a:rPr lang="en-US" altLang="ko-KR" sz="1050" b="1" i="0" u="none" strike="noStrike" dirty="0" smtClean="0">
+                          <a:solidFill>
+                            <a:schemeClr val="tx1"/>
+                          </a:solidFill>
+                          <a:effectLst/>
+                          <a:latin typeface="맑은 고딕" panose="020B0503020000020004" pitchFamily="50" charset="-127"/>
+                          <a:ea typeface="+mn-ea"/>
+                        </a:rPr>
+                        <a:t>delay </a:t>
+                      </a:r>
+                      <a:r>
+                        <a:rPr lang="ko-KR" altLang="en-US" sz="1050" b="1" i="0" u="none" strike="noStrike" dirty="0" smtClean="0">
+                          <a:solidFill>
+                            <a:schemeClr val="tx1"/>
+                          </a:solidFill>
+                          <a:effectLst/>
+                          <a:latin typeface="맑은 고딕" panose="020B0503020000020004" pitchFamily="50" charset="-127"/>
+                          <a:ea typeface="+mn-ea"/>
+                        </a:rPr>
+                        <a:t>없는 </a:t>
+                      </a:r>
+                      <a:r>
+                        <a:rPr lang="en-US" altLang="ko-KR" sz="1050" b="1" i="0" u="none" strike="noStrike" dirty="0" smtClean="0">
                           <a:solidFill>
                             <a:schemeClr val="tx1"/>
                           </a:solidFill>
@@ -33296,7 +36459,7 @@
                         <a:t>while</a:t>
                       </a:r>
                       <a:r>
-                        <a:rPr lang="ko-KR" altLang="en-US" sz="1050" b="0" i="0" u="none" strike="noStrike" dirty="0" smtClean="0">
+                        <a:rPr lang="ko-KR" altLang="en-US" sz="1050" b="1" i="0" u="none" strike="noStrike" dirty="0" smtClean="0">
                           <a:solidFill>
                             <a:schemeClr val="tx1"/>
                           </a:solidFill>
@@ -33304,10 +36467,10 @@
                           <a:latin typeface="맑은 고딕" panose="020B0503020000020004" pitchFamily="50" charset="-127"/>
                           <a:ea typeface="+mn-ea"/>
                         </a:rPr>
-                        <a:t>문 동작에서 </a:t>
+                        <a:t>문은 </a:t>
                       </a:r>
                       <a:r>
-                        <a:rPr lang="en-US" altLang="ko-KR" sz="1050" b="0" i="0" u="none" strike="noStrike" dirty="0" smtClean="0">
+                        <a:rPr lang="en-US" altLang="ko-KR" sz="1050" b="1" i="0" u="none" strike="noStrike" dirty="0" smtClean="0">
                           <a:solidFill>
                             <a:schemeClr val="tx1"/>
                           </a:solidFill>
@@ -33315,10 +36478,10 @@
                           <a:latin typeface="맑은 고딕" panose="020B0503020000020004" pitchFamily="50" charset="-127"/>
                           <a:ea typeface="+mn-ea"/>
                         </a:rPr>
-                        <a:t>delay</a:t>
+                        <a:t>CP</a:t>
                       </a:r>
                       <a:r>
-                        <a:rPr lang="ko-KR" altLang="en-US" sz="1050" b="0" i="0" u="none" strike="noStrike" dirty="0" smtClean="0">
+                        <a:rPr lang="en-US" altLang="ko-KR" sz="1050" b="1" i="0" u="none" strike="noStrike" baseline="0" dirty="0" smtClean="0">
                           <a:solidFill>
                             <a:schemeClr val="tx1"/>
                           </a:solidFill>
@@ -33326,10 +36489,10 @@
                           <a:latin typeface="맑은 고딕" panose="020B0503020000020004" pitchFamily="50" charset="-127"/>
                           <a:ea typeface="+mn-ea"/>
                         </a:rPr>
-                        <a:t>가 누락된 경우 </a:t>
+                        <a:t>U </a:t>
                       </a:r>
                       <a:r>
-                        <a:rPr lang="en-US" altLang="ko-KR" sz="1050" b="0" i="0" u="none" strike="noStrike" dirty="0" smtClean="0">
+                        <a:rPr lang="ko-KR" altLang="en-US" sz="1050" b="1" i="0" u="none" strike="noStrike" baseline="0" dirty="0" smtClean="0">
                           <a:solidFill>
                             <a:schemeClr val="tx1"/>
                           </a:solidFill>
@@ -33337,42 +36500,9 @@
                           <a:latin typeface="맑은 고딕" panose="020B0503020000020004" pitchFamily="50" charset="-127"/>
                           <a:ea typeface="+mn-ea"/>
                         </a:rPr>
-                        <a:t>CPU </a:t>
+                        <a:t>부하를 증가 원인</a:t>
                       </a:r>
-                      <a:r>
-                        <a:rPr lang="ko-KR" altLang="en-US" sz="1050" b="0" i="0" u="none" strike="noStrike" dirty="0" smtClean="0">
-                          <a:solidFill>
-                            <a:schemeClr val="tx1"/>
-                          </a:solidFill>
-                          <a:effectLst/>
-                          <a:latin typeface="맑은 고딕" panose="020B0503020000020004" pitchFamily="50" charset="-127"/>
-                          <a:ea typeface="+mn-ea"/>
-                        </a:rPr>
-                        <a:t>부하가 </a:t>
-                      </a:r>
-                      <a:r>
-                        <a:rPr lang="en-US" altLang="ko-KR" sz="1050" b="0" i="0" u="none" strike="noStrike" dirty="0" smtClean="0">
-                          <a:solidFill>
-                            <a:schemeClr val="tx1"/>
-                          </a:solidFill>
-                          <a:effectLst/>
-                          <a:latin typeface="맑은 고딕" panose="020B0503020000020004" pitchFamily="50" charset="-127"/>
-                          <a:ea typeface="+mn-ea"/>
-                        </a:rPr>
-                        <a:t>100% </a:t>
-                      </a:r>
-                      <a:r>
-                        <a:rPr lang="ko-KR" altLang="en-US" sz="1050" b="0" i="0" u="none" strike="noStrike" dirty="0" smtClean="0">
-                          <a:solidFill>
-                            <a:schemeClr val="tx1"/>
-                          </a:solidFill>
-                          <a:effectLst/>
-                          <a:latin typeface="맑은 고딕" panose="020B0503020000020004" pitchFamily="50" charset="-127"/>
-                          <a:ea typeface="+mn-ea"/>
-                        </a:rPr>
-                        <a:t>상승</a:t>
-                      </a:r>
-                      <a:endParaRPr lang="ko-KR" altLang="en-US" sz="1050" b="0" i="0" u="none" strike="noStrike" dirty="0">
+                      <a:endParaRPr lang="ko-KR" altLang="en-US" sz="1050" b="1" i="0" u="none" strike="noStrike" dirty="0">
                         <a:solidFill>
                           <a:schemeClr val="tx1"/>
                         </a:solidFill>
@@ -33414,7 +36544,7 @@
                         <a:defRPr/>
                       </a:pPr>
                       <a:r>
-                        <a:rPr lang="ko-KR" altLang="en-US" sz="1100" u="none" strike="noStrike" dirty="0" smtClean="0">
+                        <a:rPr lang="ko-KR" altLang="en-US" sz="1100" b="1" u="none" strike="noStrike" dirty="0" smtClean="0">
                           <a:solidFill>
                             <a:schemeClr val="tx1"/>
                           </a:solidFill>
@@ -33441,7 +36571,7 @@
                     <a:p>
                       <a:pPr lvl="1" algn="l" fontAlgn="ctr"/>
                       <a:r>
-                        <a:rPr lang="ko-KR" altLang="en-US" sz="1050" b="0" i="0" u="none" strike="noStrike" dirty="0" smtClean="0">
+                        <a:rPr lang="ko-KR" altLang="en-US" sz="1050" b="1" i="0" u="none" strike="noStrike" dirty="0" smtClean="0">
                           <a:solidFill>
                             <a:schemeClr val="tx1"/>
                           </a:solidFill>
@@ -33452,7 +36582,7 @@
                         <a:t>예외처리</a:t>
                       </a:r>
                       <a:r>
-                        <a:rPr lang="en-US" altLang="ko-KR" sz="1050" b="0" i="0" u="none" strike="noStrike" dirty="0" smtClean="0">
+                        <a:rPr lang="en-US" altLang="ko-KR" sz="1050" b="1" i="0" u="none" strike="noStrike" dirty="0" smtClean="0">
                           <a:solidFill>
                             <a:schemeClr val="tx1"/>
                           </a:solidFill>
@@ -33463,7 +36593,7 @@
                         <a:t>(</a:t>
                       </a:r>
                       <a:r>
-                        <a:rPr lang="en-US" altLang="ko-KR" sz="1050" b="0" i="0" u="none" strike="noStrike" dirty="0" err="1" smtClean="0">
+                        <a:rPr lang="en-US" altLang="ko-KR" sz="1050" b="1" i="0" u="none" strike="noStrike" dirty="0" err="1" smtClean="0">
                           <a:solidFill>
                             <a:schemeClr val="tx1"/>
                           </a:solidFill>
@@ -33471,10 +36601,10 @@
                           <a:latin typeface="맑은 고딕" panose="020B0503020000020004" pitchFamily="50" charset="-127"/>
                           <a:ea typeface="맑은 고딕" panose="020B0503020000020004" pitchFamily="50" charset="-127"/>
                         </a:rPr>
-                        <a:t>try,catch,finnaly</a:t>
+                        <a:t>try,catch,finally</a:t>
                       </a:r>
                       <a:r>
-                        <a:rPr lang="en-US" altLang="ko-KR" sz="1050" b="0" i="0" u="none" strike="noStrike" dirty="0" smtClean="0">
+                        <a:rPr lang="en-US" altLang="ko-KR" sz="1050" b="1" i="0" u="none" strike="noStrike" dirty="0" smtClean="0">
                           <a:solidFill>
                             <a:schemeClr val="tx1"/>
                           </a:solidFill>
@@ -33485,7 +36615,7 @@
                         <a:t>)</a:t>
                       </a:r>
                       <a:r>
-                        <a:rPr lang="ko-KR" altLang="en-US" sz="1050" b="0" i="0" u="none" strike="noStrike" baseline="0" dirty="0" smtClean="0">
+                        <a:rPr lang="ko-KR" altLang="en-US" sz="1050" b="1" i="0" u="none" strike="noStrike" baseline="0" dirty="0" smtClean="0">
                           <a:solidFill>
                             <a:schemeClr val="tx1"/>
                           </a:solidFill>
@@ -33496,7 +36626,7 @@
                         <a:t>의 </a:t>
                       </a:r>
                       <a:r>
-                        <a:rPr lang="en-US" altLang="ko-KR" sz="1050" b="0" i="0" u="none" strike="noStrike" baseline="0" dirty="0" smtClean="0">
+                        <a:rPr lang="en-US" altLang="ko-KR" sz="1050" b="1" i="0" u="none" strike="noStrike" baseline="0" dirty="0" smtClean="0">
                           <a:solidFill>
                             <a:schemeClr val="tx1"/>
                           </a:solidFill>
@@ -33507,7 +36637,7 @@
                         <a:t>finally</a:t>
                       </a:r>
                       <a:r>
-                        <a:rPr lang="ko-KR" altLang="en-US" sz="1050" b="0" i="0" u="none" strike="noStrike" baseline="0" dirty="0" smtClean="0">
+                        <a:rPr lang="ko-KR" altLang="en-US" sz="1050" b="1" i="0" u="none" strike="noStrike" baseline="0" dirty="0" smtClean="0">
                           <a:solidFill>
                             <a:schemeClr val="tx1"/>
                           </a:solidFill>
@@ -33518,7 +36648,7 @@
                         <a:t>문에 </a:t>
                       </a:r>
                       <a:r>
-                        <a:rPr lang="en-US" altLang="ko-KR" sz="1050" b="0" i="0" u="none" strike="noStrike" baseline="0" dirty="0" smtClean="0">
+                        <a:rPr lang="en-US" altLang="ko-KR" sz="1050" b="1" i="0" u="none" strike="noStrike" baseline="0" dirty="0" smtClean="0">
                           <a:solidFill>
                             <a:schemeClr val="tx1"/>
                           </a:solidFill>
@@ -33529,7 +36659,7 @@
                         <a:t>delay</a:t>
                       </a:r>
                       <a:r>
-                        <a:rPr lang="ko-KR" altLang="en-US" sz="1050" b="0" i="0" u="none" strike="noStrike" baseline="0" dirty="0" smtClean="0">
+                        <a:rPr lang="ko-KR" altLang="en-US" sz="1050" b="1" i="0" u="none" strike="noStrike" baseline="0" dirty="0" smtClean="0">
                           <a:solidFill>
                             <a:schemeClr val="tx1"/>
                           </a:solidFill>
@@ -33540,7 +36670,7 @@
                         <a:t>를 적용하여 모든 조건에 </a:t>
                       </a:r>
                       <a:r>
-                        <a:rPr lang="en-US" altLang="ko-KR" sz="1050" b="0" i="0" u="none" strike="noStrike" baseline="0" dirty="0" smtClean="0">
+                        <a:rPr lang="en-US" altLang="ko-KR" sz="1050" b="1" i="0" u="none" strike="noStrike" baseline="0" dirty="0" smtClean="0">
                           <a:solidFill>
                             <a:schemeClr val="tx1"/>
                           </a:solidFill>
@@ -33551,7 +36681,7 @@
                         <a:t>delay </a:t>
                       </a:r>
                       <a:r>
-                        <a:rPr lang="ko-KR" altLang="en-US" sz="1050" b="0" i="0" u="none" strike="noStrike" baseline="0" dirty="0" smtClean="0">
+                        <a:rPr lang="ko-KR" altLang="en-US" sz="1050" b="1" i="0" u="none" strike="noStrike" baseline="0" dirty="0" smtClean="0">
                           <a:solidFill>
                             <a:schemeClr val="tx1"/>
                           </a:solidFill>
@@ -33561,7 +36691,7 @@
                         </a:rPr>
                         <a:t>동작 적용</a:t>
                       </a:r>
-                      <a:endParaRPr lang="ko-KR" altLang="en-US" sz="1050" b="0" i="0" u="none" strike="noStrike" dirty="0">
+                      <a:endParaRPr lang="ko-KR" altLang="en-US" sz="1050" b="1" i="0" u="none" strike="noStrike" dirty="0">
                         <a:solidFill>
                           <a:schemeClr val="tx1"/>
                         </a:solidFill>
@@ -33583,6 +36713,96 @@
           </a:graphicData>
         </a:graphic>
       </p:graphicFrame>
+      <p:sp>
+        <p:nvSpPr>
+          <p:cNvPr id="13" name="직사각형 12"/>
+          <p:cNvSpPr/>
+          <p:nvPr/>
+        </p:nvSpPr>
+        <p:spPr>
+          <a:xfrm>
+            <a:off x="1460612" y="4041068"/>
+            <a:ext cx="1656184" cy="936104"/>
+          </a:xfrm>
+          <a:prstGeom prst="rect">
+            <a:avLst/>
+          </a:prstGeom>
+          <a:noFill/>
+          <a:ln>
+            <a:solidFill>
+              <a:schemeClr val="accent2"/>
+            </a:solidFill>
+          </a:ln>
+        </p:spPr>
+        <p:style>
+          <a:lnRef idx="2">
+            <a:schemeClr val="accent1">
+              <a:shade val="50000"/>
+            </a:schemeClr>
+          </a:lnRef>
+          <a:fillRef idx="1">
+            <a:schemeClr val="accent1"/>
+          </a:fillRef>
+          <a:effectRef idx="0">
+            <a:schemeClr val="accent1"/>
+          </a:effectRef>
+          <a:fontRef idx="minor">
+            <a:schemeClr val="lt1"/>
+          </a:fontRef>
+        </p:style>
+        <p:txBody>
+          <a:bodyPr rtlCol="0" anchor="ctr"/>
+          <a:lstStyle/>
+          <a:p>
+            <a:pPr algn="ctr"/>
+            <a:endParaRPr lang="ko-KR" altLang="en-US">
+              <a:solidFill>
+                <a:schemeClr val="tx1"/>
+              </a:solidFill>
+            </a:endParaRPr>
+          </a:p>
+        </p:txBody>
+      </p:sp>
+      <p:sp>
+        <p:nvSpPr>
+          <p:cNvPr id="2" name="오른쪽 화살표 1"/>
+          <p:cNvSpPr/>
+          <p:nvPr/>
+        </p:nvSpPr>
+        <p:spPr>
+          <a:xfrm rot="1076381">
+            <a:off x="3318151" y="4846082"/>
+            <a:ext cx="2216715" cy="349044"/>
+          </a:xfrm>
+          <a:prstGeom prst="rightArrow">
+            <a:avLst/>
+          </a:prstGeom>
+        </p:spPr>
+        <p:style>
+          <a:lnRef idx="2">
+            <a:schemeClr val="accent2">
+              <a:shade val="50000"/>
+            </a:schemeClr>
+          </a:lnRef>
+          <a:fillRef idx="1">
+            <a:schemeClr val="accent2"/>
+          </a:fillRef>
+          <a:effectRef idx="0">
+            <a:schemeClr val="accent2"/>
+          </a:effectRef>
+          <a:fontRef idx="minor">
+            <a:schemeClr val="lt1"/>
+          </a:fontRef>
+        </p:style>
+        <p:txBody>
+          <a:bodyPr rtlCol="0" anchor="ctr"/>
+          <a:lstStyle/>
+          <a:p>
+            <a:pPr algn="ctr"/>
+            <a:endParaRPr lang="ko-KR" altLang="en-US"/>
+          </a:p>
+        </p:txBody>
+      </p:sp>
     </p:spTree>
     <p:extLst>
       <p:ext uri="{BB962C8B-B14F-4D97-AF65-F5344CB8AC3E}">
